--- a/15_DockerSwarm.pptx
+++ b/15_DockerSwarm.pptx
@@ -5,7 +5,7 @@
     <p:sldMasterId id="2147483648" r:id="rId1"/>
   </p:sldMasterIdLst>
   <p:notesMasterIdLst>
-    <p:notesMasterId r:id="rId30"/>
+    <p:notesMasterId r:id="rId41"/>
   </p:notesMasterIdLst>
   <p:sldIdLst>
     <p:sldId id="256" r:id="rId2"/>
@@ -21,21 +21,32 @@
     <p:sldId id="280" r:id="rId12"/>
     <p:sldId id="281" r:id="rId13"/>
     <p:sldId id="282" r:id="rId14"/>
-    <p:sldId id="283" r:id="rId15"/>
-    <p:sldId id="285" r:id="rId16"/>
-    <p:sldId id="284" r:id="rId17"/>
-    <p:sldId id="286" r:id="rId18"/>
-    <p:sldId id="288" r:id="rId19"/>
-    <p:sldId id="287" r:id="rId20"/>
-    <p:sldId id="289" r:id="rId21"/>
-    <p:sldId id="292" r:id="rId22"/>
-    <p:sldId id="293" r:id="rId23"/>
-    <p:sldId id="294" r:id="rId24"/>
-    <p:sldId id="295" r:id="rId25"/>
-    <p:sldId id="269" r:id="rId26"/>
-    <p:sldId id="290" r:id="rId27"/>
-    <p:sldId id="291" r:id="rId28"/>
-    <p:sldId id="259" r:id="rId29"/>
+    <p:sldId id="296" r:id="rId15"/>
+    <p:sldId id="283" r:id="rId16"/>
+    <p:sldId id="285" r:id="rId17"/>
+    <p:sldId id="284" r:id="rId18"/>
+    <p:sldId id="297" r:id="rId19"/>
+    <p:sldId id="298" r:id="rId20"/>
+    <p:sldId id="300" r:id="rId21"/>
+    <p:sldId id="299" r:id="rId22"/>
+    <p:sldId id="301" r:id="rId23"/>
+    <p:sldId id="302" r:id="rId24"/>
+    <p:sldId id="303" r:id="rId25"/>
+    <p:sldId id="304" r:id="rId26"/>
+    <p:sldId id="305" r:id="rId27"/>
+    <p:sldId id="306" r:id="rId28"/>
+    <p:sldId id="307" r:id="rId29"/>
+    <p:sldId id="308" r:id="rId30"/>
+    <p:sldId id="309" r:id="rId31"/>
+    <p:sldId id="310" r:id="rId32"/>
+    <p:sldId id="311" r:id="rId33"/>
+    <p:sldId id="312" r:id="rId34"/>
+    <p:sldId id="313" r:id="rId35"/>
+    <p:sldId id="314" r:id="rId36"/>
+    <p:sldId id="315" r:id="rId37"/>
+    <p:sldId id="316" r:id="rId38"/>
+    <p:sldId id="317" r:id="rId39"/>
+    <p:sldId id="259" r:id="rId40"/>
   </p:sldIdLst>
   <p:sldSz cx="9144000" cy="6858000" type="screen4x3"/>
   <p:notesSz cx="6858000" cy="9144000"/>
@@ -236,7 +247,7 @@
             <a:fld id="{6837EDA8-41C8-4B24-A206-13C08A65A6D7}" type="datetimeFigureOut">
               <a:rPr lang="zh-TW" altLang="en-US" smtClean="0"/>
               <a:pPr/>
-              <a:t>2021/6/18</a:t>
+              <a:t>2021/12/13</a:t>
             </a:fld>
             <a:endParaRPr lang="zh-TW" altLang="en-US"/>
           </a:p>
@@ -689,7 +700,7 @@
             <a:fld id="{8B85509C-BD4F-47BF-9B1E-FC2E949B3621}" type="datetime1">
               <a:rPr lang="zh-TW" altLang="en-US" smtClean="0"/>
               <a:pPr/>
-              <a:t>2021/6/18</a:t>
+              <a:t>2021/12/13</a:t>
             </a:fld>
             <a:endParaRPr lang="zh-TW" altLang="en-US"/>
           </a:p>
@@ -862,7 +873,7 @@
             <a:fld id="{42251B24-F787-4C15-8A0F-7AEC20C70069}" type="datetime1">
               <a:rPr lang="zh-TW" altLang="en-US" smtClean="0"/>
               <a:pPr/>
-              <a:t>2021/6/18</a:t>
+              <a:t>2021/12/13</a:t>
             </a:fld>
             <a:endParaRPr lang="zh-TW" altLang="en-US"/>
           </a:p>
@@ -1037,7 +1048,7 @@
             <a:fld id="{9CA0D33C-CE2B-45F1-B8D4-FFD1F131F331}" type="datetime1">
               <a:rPr lang="zh-TW" altLang="en-US" smtClean="0"/>
               <a:pPr/>
-              <a:t>2021/6/18</a:t>
+              <a:t>2021/12/13</a:t>
             </a:fld>
             <a:endParaRPr lang="zh-TW" altLang="en-US"/>
           </a:p>
@@ -1202,7 +1213,7 @@
             <a:fld id="{50B99440-D9EF-40CC-9B52-F6428D9B2C76}" type="datetime1">
               <a:rPr lang="zh-TW" altLang="en-US" smtClean="0"/>
               <a:pPr/>
-              <a:t>2021/6/18</a:t>
+              <a:t>2021/12/13</a:t>
             </a:fld>
             <a:endParaRPr lang="zh-TW" altLang="en-US"/>
           </a:p>
@@ -1444,7 +1455,7 @@
             <a:fld id="{0871BF52-5C6C-4959-8E27-CECB68D39FE4}" type="datetime1">
               <a:rPr lang="zh-TW" altLang="en-US" smtClean="0"/>
               <a:pPr/>
-              <a:t>2021/6/18</a:t>
+              <a:t>2021/12/13</a:t>
             </a:fld>
             <a:endParaRPr lang="zh-TW" altLang="en-US"/>
           </a:p>
@@ -1726,7 +1737,7 @@
             <a:fld id="{DF863F05-2DD9-4EB1-A827-12FD992DE9DC}" type="datetime1">
               <a:rPr lang="zh-TW" altLang="en-US" smtClean="0"/>
               <a:pPr/>
-              <a:t>2021/6/18</a:t>
+              <a:t>2021/12/13</a:t>
             </a:fld>
             <a:endParaRPr lang="zh-TW" altLang="en-US"/>
           </a:p>
@@ -2142,7 +2153,7 @@
             <a:fld id="{6339AF51-4491-4873-A096-75DB6CE47516}" type="datetime1">
               <a:rPr lang="zh-TW" altLang="en-US" smtClean="0"/>
               <a:pPr/>
-              <a:t>2021/6/18</a:t>
+              <a:t>2021/12/13</a:t>
             </a:fld>
             <a:endParaRPr lang="zh-TW" altLang="en-US"/>
           </a:p>
@@ -2256,7 +2267,7 @@
             <a:fld id="{EE4AD9C8-8B9E-40FF-ABE2-858AC2057BBB}" type="datetime1">
               <a:rPr lang="zh-TW" altLang="en-US" smtClean="0"/>
               <a:pPr/>
-              <a:t>2021/6/18</a:t>
+              <a:t>2021/12/13</a:t>
             </a:fld>
             <a:endParaRPr lang="zh-TW" altLang="en-US"/>
           </a:p>
@@ -2348,7 +2359,7 @@
             <a:fld id="{B4784999-BBBE-4BE4-A8D0-877E7D1D66CC}" type="datetime1">
               <a:rPr lang="zh-TW" altLang="en-US" smtClean="0"/>
               <a:pPr/>
-              <a:t>2021/6/18</a:t>
+              <a:t>2021/12/13</a:t>
             </a:fld>
             <a:endParaRPr lang="zh-TW" altLang="en-US"/>
           </a:p>
@@ -2620,7 +2631,7 @@
             <a:fld id="{E88D17E6-02BD-4944-B9FE-7BFCCBF83D48}" type="datetime1">
               <a:rPr lang="zh-TW" altLang="en-US" smtClean="0"/>
               <a:pPr/>
-              <a:t>2021/6/18</a:t>
+              <a:t>2021/12/13</a:t>
             </a:fld>
             <a:endParaRPr lang="zh-TW" altLang="en-US"/>
           </a:p>
@@ -2869,7 +2880,7 @@
             <a:fld id="{3C13E23D-1FEF-4D78-A3A3-3D6F2BB31954}" type="datetime1">
               <a:rPr lang="zh-TW" altLang="en-US" smtClean="0"/>
               <a:pPr/>
-              <a:t>2021/6/18</a:t>
+              <a:t>2021/12/13</a:t>
             </a:fld>
             <a:endParaRPr lang="zh-TW" altLang="en-US"/>
           </a:p>
@@ -3077,7 +3088,7 @@
             <a:fld id="{06197F35-AD6F-4594-8B50-334492D2E7E8}" type="datetime1">
               <a:rPr lang="zh-TW" altLang="en-US" smtClean="0"/>
               <a:pPr/>
-              <a:t>2021/6/18</a:t>
+              <a:t>2021/12/13</a:t>
             </a:fld>
             <a:endParaRPr lang="zh-TW" altLang="en-US"/>
           </a:p>
@@ -3538,7 +3549,7 @@
             <a:fld id="{C389EDC9-19E3-47AC-9C57-C6A24DEA81AD}" type="datetime1">
               <a:rPr lang="zh-TW" altLang="en-US" smtClean="0"/>
               <a:pPr/>
-              <a:t>2021/6/18</a:t>
+              <a:t>2021/12/13</a:t>
             </a:fld>
             <a:endParaRPr lang="zh-TW" altLang="en-US"/>
           </a:p>
@@ -3849,7 +3860,7 @@
             </a:pPr>
             <a:r>
               <a:rPr lang="en-US" sz="1600" dirty="0"/>
-              <a:t>https://www.youtube.com/watch?v=bU2NNFJ-UXA&amp;list=PLhW3qG5bs-L99pQsZ74f-LC-tOEsBp2rK&amp;index=15</a:t>
+              <a:t>https://www.youtube.com/watch?v=Tm0Q5zr3FL4</a:t>
             </a:r>
             <a:endParaRPr kumimoji="0" lang="zh-TW" altLang="en-US" sz="1600" b="0" i="0" u="none" strike="noStrike" kern="1200" cap="none" spc="0" normalizeH="0" baseline="0" noProof="0" dirty="0">
               <a:ln>
@@ -3886,7 +3897,7 @@
             <a:fld id="{A4F910E6-8D00-4BAF-8C48-9688E0B449D3}" type="datetime1">
               <a:rPr lang="zh-TW" altLang="en-US" smtClean="0"/>
               <a:pPr/>
-              <a:t>2021/6/18</a:t>
+              <a:t>2021/12/13</a:t>
             </a:fld>
             <a:endParaRPr lang="zh-TW" altLang="en-US"/>
           </a:p>
@@ -4353,7 +4364,7 @@
             </a:pPr>
             <a:r>
               <a:rPr lang="en-US" sz="1600" dirty="0"/>
-              <a:t>https://www.youtube.com/watch?v=bU2NNFJ-UXA&amp;list=PLhW3qG5bs-L99pQsZ74f-LC-tOEsBp2rK&amp;index=15</a:t>
+              <a:t>https://www.youtube.com/watch?v=Tm0Q5zr3FL4</a:t>
             </a:r>
             <a:endParaRPr kumimoji="0" lang="zh-TW" altLang="en-US" sz="1600" b="0" i="0" u="none" strike="noStrike" kern="1200" cap="none" spc="0" normalizeH="0" baseline="0" noProof="0" dirty="0">
               <a:ln>
@@ -4390,7 +4401,7 @@
             <a:fld id="{A4F910E6-8D00-4BAF-8C48-9688E0B449D3}" type="datetime1">
               <a:rPr lang="zh-TW" altLang="en-US" smtClean="0"/>
               <a:pPr/>
-              <a:t>2021/6/18</a:t>
+              <a:t>2021/12/13</a:t>
             </a:fld>
             <a:endParaRPr lang="zh-TW" altLang="en-US"/>
           </a:p>
@@ -5004,7 +5015,7 @@
             </a:pPr>
             <a:r>
               <a:rPr lang="en-US" sz="1600" dirty="0"/>
-              <a:t>https://www.youtube.com/watch?v=bU2NNFJ-UXA&amp;list=PLhW3qG5bs-L99pQsZ74f-LC-tOEsBp2rK&amp;index=15</a:t>
+              <a:t>https://www.youtube.com/watch?v=Tm0Q5zr3FL4</a:t>
             </a:r>
             <a:endParaRPr kumimoji="0" lang="zh-TW" altLang="en-US" sz="1600" b="0" i="0" u="none" strike="noStrike" kern="1200" cap="none" spc="0" normalizeH="0" baseline="0" noProof="0" dirty="0">
               <a:ln>
@@ -5041,7 +5052,7 @@
             <a:fld id="{A4F910E6-8D00-4BAF-8C48-9688E0B449D3}" type="datetime1">
               <a:rPr lang="zh-TW" altLang="en-US" smtClean="0"/>
               <a:pPr/>
-              <a:t>2021/6/18</a:t>
+              <a:t>2021/12/13</a:t>
             </a:fld>
             <a:endParaRPr lang="zh-TW" altLang="en-US"/>
           </a:p>
@@ -5136,12 +5147,318 @@
           <a:chExt cx="0" cy="0"/>
         </a:xfrm>
       </p:grpSpPr>
+      <p:sp>
+        <p:nvSpPr>
+          <p:cNvPr id="2" name="標題 1"/>
+          <p:cNvSpPr>
+            <a:spLocks noGrp="1"/>
+          </p:cNvSpPr>
+          <p:nvPr>
+            <p:ph type="ctrTitle"/>
+          </p:nvPr>
+        </p:nvSpPr>
+        <p:spPr>
+          <a:xfrm>
+            <a:off x="0" y="1"/>
+            <a:ext cx="9144000" cy="764704"/>
+          </a:xfrm>
+          <a:gradFill flip="none" rotWithShape="1">
+            <a:gsLst>
+              <a:gs pos="0">
+                <a:srgbClr val="C00000">
+                  <a:shade val="30000"/>
+                  <a:satMod val="115000"/>
+                </a:srgbClr>
+              </a:gs>
+              <a:gs pos="50000">
+                <a:srgbClr val="C00000">
+                  <a:shade val="67500"/>
+                  <a:satMod val="115000"/>
+                </a:srgbClr>
+              </a:gs>
+              <a:gs pos="100000">
+                <a:srgbClr val="C00000">
+                  <a:shade val="100000"/>
+                  <a:satMod val="115000"/>
+                </a:srgbClr>
+              </a:gs>
+            </a:gsLst>
+            <a:path path="circle">
+              <a:fillToRect t="100000" r="100000"/>
+            </a:path>
+            <a:tileRect l="-100000" b="-100000"/>
+          </a:gradFill>
+        </p:spPr>
+        <p:txBody>
+          <a:bodyPr>
+            <a:normAutofit/>
+          </a:bodyPr>
+          <a:lstStyle/>
+          <a:p>
+            <a:pPr algn="l"/>
+            <a:r>
+              <a:rPr lang="en-US" altLang="zh-TW" sz="4400" b="1" dirty="0">
+                <a:solidFill>
+                  <a:srgbClr val="FFFF00"/>
+                </a:solidFill>
+              </a:rPr>
+              <a:t>15 Docker Swarm</a:t>
+            </a:r>
+            <a:endParaRPr lang="zh-TW" altLang="en-US" b="1" dirty="0">
+              <a:solidFill>
+                <a:srgbClr val="FFFF00"/>
+              </a:solidFill>
+            </a:endParaRPr>
+          </a:p>
+        </p:txBody>
+      </p:sp>
+      <p:sp>
+        <p:nvSpPr>
+          <p:cNvPr id="3" name="副標題 2"/>
+          <p:cNvSpPr>
+            <a:spLocks noGrp="1"/>
+          </p:cNvSpPr>
+          <p:nvPr>
+            <p:ph type="subTitle" idx="1"/>
+          </p:nvPr>
+        </p:nvSpPr>
+        <p:spPr>
+          <a:xfrm>
+            <a:off x="467544" y="1268760"/>
+            <a:ext cx="8064896" cy="2160239"/>
+          </a:xfrm>
+          <a:ln>
+            <a:solidFill>
+              <a:srgbClr val="C00000"/>
+            </a:solidFill>
+          </a:ln>
+        </p:spPr>
+        <p:txBody>
+          <a:bodyPr>
+            <a:noAutofit/>
+          </a:bodyPr>
+          <a:lstStyle/>
+          <a:p>
+            <a:pPr marL="342900" indent="-342900" algn="l">
+              <a:buClr>
+                <a:srgbClr val="0070C0"/>
+              </a:buClr>
+              <a:buSzPct val="80000"/>
+              <a:buFont typeface="Wingdings" pitchFamily="2" charset="2"/>
+              <a:buChar char="u"/>
+            </a:pPr>
+            <a:r>
+              <a:rPr lang="en-US" sz="1800" b="1" dirty="0">
+                <a:solidFill>
+                  <a:srgbClr val="C00000"/>
+                </a:solidFill>
+              </a:rPr>
+              <a:t>Docker Swarm</a:t>
+            </a:r>
+          </a:p>
+          <a:p>
+            <a:pPr marL="342900" indent="-342900" algn="l">
+              <a:buClr>
+                <a:srgbClr val="0070C0"/>
+              </a:buClr>
+              <a:buSzPct val="80000"/>
+              <a:buFont typeface="Wingdings" pitchFamily="2" charset="2"/>
+              <a:buChar char="u"/>
+            </a:pPr>
+            <a:r>
+              <a:rPr lang="en-US" sz="1800" b="1" dirty="0">
+                <a:solidFill>
+                  <a:schemeClr val="tx1"/>
+                </a:solidFill>
+              </a:rPr>
+              <a:t>Let see some documentation:</a:t>
+            </a:r>
+          </a:p>
+          <a:p>
+            <a:pPr marL="342900" indent="-342900" algn="l">
+              <a:buClr>
+                <a:srgbClr val="0070C0"/>
+              </a:buClr>
+              <a:buSzPct val="80000"/>
+              <a:buFont typeface="Wingdings" pitchFamily="2" charset="2"/>
+              <a:buChar char="u"/>
+            </a:pPr>
+            <a:r>
+              <a:rPr lang="en-US" sz="1800" b="1" dirty="0">
+                <a:solidFill>
+                  <a:schemeClr val="tx1"/>
+                </a:solidFill>
+              </a:rPr>
+              <a:t>Docker Swarm is a group of machines that are running Docker and joined into a cluster.</a:t>
+            </a:r>
+          </a:p>
+          <a:p>
+            <a:pPr marL="342900" indent="-342900" algn="l">
+              <a:buClr>
+                <a:srgbClr val="0070C0"/>
+              </a:buClr>
+              <a:buSzPct val="80000"/>
+              <a:buFont typeface="Wingdings" pitchFamily="2" charset="2"/>
+              <a:buChar char="u"/>
+            </a:pPr>
+            <a:r>
+              <a:rPr lang="en-US" sz="1800" b="1" dirty="0">
+                <a:solidFill>
+                  <a:schemeClr val="tx1"/>
+                </a:solidFill>
+              </a:rPr>
+              <a:t>On this, you will come to know what exactly are the advantages</a:t>
+            </a:r>
+          </a:p>
+          <a:p>
+            <a:pPr marL="342900" indent="-342900" algn="l">
+              <a:buClr>
+                <a:srgbClr val="0070C0"/>
+              </a:buClr>
+              <a:buSzPct val="80000"/>
+              <a:buFont typeface="Wingdings" pitchFamily="2" charset="2"/>
+              <a:buChar char="u"/>
+            </a:pPr>
+            <a:r>
+              <a:rPr lang="en-US" sz="1800" b="1" dirty="0">
+                <a:solidFill>
+                  <a:schemeClr val="tx1"/>
+                </a:solidFill>
+              </a:rPr>
+              <a:t>…so when we work at Enterprise level, we will come to know exactly how useful docker swam can be. </a:t>
+            </a:r>
+          </a:p>
+        </p:txBody>
+      </p:sp>
+      <p:sp>
+        <p:nvSpPr>
+          <p:cNvPr id="4" name="標題 1"/>
+          <p:cNvSpPr txBox="1">
+            <a:spLocks/>
+          </p:cNvSpPr>
+          <p:nvPr/>
+        </p:nvSpPr>
+        <p:spPr>
+          <a:xfrm>
+            <a:off x="0" y="764704"/>
+            <a:ext cx="9144000" cy="360040"/>
+          </a:xfrm>
+          <a:prstGeom prst="rect">
+            <a:avLst/>
+          </a:prstGeom>
+          <a:gradFill flip="none" rotWithShape="1">
+            <a:gsLst>
+              <a:gs pos="0">
+                <a:srgbClr val="00B0F0">
+                  <a:shade val="30000"/>
+                  <a:satMod val="115000"/>
+                </a:srgbClr>
+              </a:gs>
+              <a:gs pos="50000">
+                <a:srgbClr val="00B0F0">
+                  <a:shade val="67500"/>
+                  <a:satMod val="115000"/>
+                </a:srgbClr>
+              </a:gs>
+              <a:gs pos="100000">
+                <a:srgbClr val="00B0F0">
+                  <a:shade val="100000"/>
+                  <a:satMod val="115000"/>
+                </a:srgbClr>
+              </a:gs>
+            </a:gsLst>
+            <a:path path="circle">
+              <a:fillToRect t="100000" r="100000"/>
+            </a:path>
+            <a:tileRect l="-100000" b="-100000"/>
+          </a:gradFill>
+        </p:spPr>
+        <p:txBody>
+          <a:bodyPr vert="horz" lIns="91440" tIns="45720" rIns="91440" bIns="45720" rtlCol="0" anchor="ctr">
+            <a:normAutofit/>
+          </a:bodyPr>
+          <a:lstStyle/>
+          <a:p>
+            <a:pPr lvl="0">
+              <a:spcBef>
+                <a:spcPct val="0"/>
+              </a:spcBef>
+            </a:pPr>
+            <a:r>
+              <a:rPr lang="en-US" sz="1600" dirty="0"/>
+              <a:t>https://www.youtube.com/watch?v=Tm0Q5zr3FL4</a:t>
+            </a:r>
+            <a:endParaRPr kumimoji="0" lang="zh-TW" altLang="en-US" sz="1600" b="0" i="0" u="none" strike="noStrike" kern="1200" cap="none" spc="0" normalizeH="0" baseline="0" noProof="0" dirty="0">
+              <a:ln>
+                <a:noFill/>
+              </a:ln>
+              <a:solidFill>
+                <a:schemeClr val="tx1"/>
+              </a:solidFill>
+              <a:effectLst/>
+              <a:uLnTx/>
+              <a:uFillTx/>
+              <a:latin typeface="+mj-lt"/>
+              <a:ea typeface="+mj-ea"/>
+              <a:cs typeface="+mj-cs"/>
+            </a:endParaRPr>
+          </a:p>
+        </p:txBody>
+      </p:sp>
+      <p:sp>
+        <p:nvSpPr>
+          <p:cNvPr id="5" name="日期版面配置區 4"/>
+          <p:cNvSpPr>
+            <a:spLocks noGrp="1"/>
+          </p:cNvSpPr>
+          <p:nvPr>
+            <p:ph type="dt" sz="half" idx="10"/>
+          </p:nvPr>
+        </p:nvSpPr>
+        <p:spPr/>
+        <p:txBody>
+          <a:bodyPr/>
+          <a:lstStyle/>
+          <a:p>
+            <a:fld id="{A4F910E6-8D00-4BAF-8C48-9688E0B449D3}" type="datetime1">
+              <a:rPr lang="zh-TW" altLang="en-US" smtClean="0"/>
+              <a:pPr/>
+              <a:t>2021/12/13</a:t>
+            </a:fld>
+            <a:endParaRPr lang="zh-TW" altLang="en-US"/>
+          </a:p>
+        </p:txBody>
+      </p:sp>
+      <p:sp>
+        <p:nvSpPr>
+          <p:cNvPr id="6" name="投影片編號版面配置區 5"/>
+          <p:cNvSpPr>
+            <a:spLocks noGrp="1"/>
+          </p:cNvSpPr>
+          <p:nvPr>
+            <p:ph type="sldNum" sz="quarter" idx="12"/>
+          </p:nvPr>
+        </p:nvSpPr>
+        <p:spPr/>
+        <p:txBody>
+          <a:bodyPr/>
+          <a:lstStyle/>
+          <a:p>
+            <a:fld id="{E4D7E63D-91F2-4366-A2C4-1B00C9E2590E}" type="slidenum">
+              <a:rPr lang="zh-TW" altLang="en-US" smtClean="0"/>
+              <a:pPr/>
+              <a:t>13</a:t>
+            </a:fld>
+            <a:endParaRPr lang="zh-TW" altLang="en-US"/>
+          </a:p>
+        </p:txBody>
+      </p:sp>
       <p:pic>
         <p:nvPicPr>
-          <p:cNvPr id="17" name="Picture 16">
+          <p:cNvPr id="8" name="Picture 7">
             <a:extLst>
               <a:ext uri="{FF2B5EF4-FFF2-40B4-BE49-F238E27FC236}">
-                <a16:creationId xmlns:a16="http://schemas.microsoft.com/office/drawing/2014/main" id="{87C6CA54-47BC-49A4-8EEA-5D9DB954581F}"/>
+                <a16:creationId xmlns:a16="http://schemas.microsoft.com/office/drawing/2014/main" id="{543DCFFF-90E7-42D7-92C5-8278B3B28E71}"/>
               </a:ext>
             </a:extLst>
           </p:cNvPr>
@@ -5158,8 +5475,8 @@
         </p:blipFill>
         <p:spPr>
           <a:xfrm>
-            <a:off x="2195736" y="3933056"/>
-            <a:ext cx="5113834" cy="2342466"/>
+            <a:off x="1780989" y="3786412"/>
+            <a:ext cx="4933950" cy="2733675"/>
           </a:xfrm>
           <a:prstGeom prst="rect">
             <a:avLst/>
@@ -5173,298 +5490,10 @@
       </p:pic>
       <p:sp>
         <p:nvSpPr>
-          <p:cNvPr id="2" name="標題 1"/>
-          <p:cNvSpPr>
-            <a:spLocks noGrp="1"/>
-          </p:cNvSpPr>
-          <p:nvPr>
-            <p:ph type="ctrTitle"/>
-          </p:nvPr>
-        </p:nvSpPr>
-        <p:spPr>
-          <a:xfrm>
-            <a:off x="0" y="1"/>
-            <a:ext cx="9144000" cy="764704"/>
-          </a:xfrm>
-          <a:gradFill flip="none" rotWithShape="1">
-            <a:gsLst>
-              <a:gs pos="0">
-                <a:srgbClr val="C00000">
-                  <a:shade val="30000"/>
-                  <a:satMod val="115000"/>
-                </a:srgbClr>
-              </a:gs>
-              <a:gs pos="50000">
-                <a:srgbClr val="C00000">
-                  <a:shade val="67500"/>
-                  <a:satMod val="115000"/>
-                </a:srgbClr>
-              </a:gs>
-              <a:gs pos="100000">
-                <a:srgbClr val="C00000">
-                  <a:shade val="100000"/>
-                  <a:satMod val="115000"/>
-                </a:srgbClr>
-              </a:gs>
-            </a:gsLst>
-            <a:path path="circle">
-              <a:fillToRect t="100000" r="100000"/>
-            </a:path>
-            <a:tileRect l="-100000" b="-100000"/>
-          </a:gradFill>
-        </p:spPr>
-        <p:txBody>
-          <a:bodyPr>
-            <a:normAutofit/>
-          </a:bodyPr>
-          <a:lstStyle/>
-          <a:p>
-            <a:pPr algn="l"/>
-            <a:r>
-              <a:rPr lang="en-US" altLang="zh-TW" sz="4400" b="1" dirty="0">
-                <a:solidFill>
-                  <a:srgbClr val="FFFF00"/>
-                </a:solidFill>
-              </a:rPr>
-              <a:t>15 Docker Swarm</a:t>
-            </a:r>
-            <a:endParaRPr lang="zh-TW" altLang="en-US" b="1" dirty="0">
-              <a:solidFill>
-                <a:srgbClr val="FFFF00"/>
-              </a:solidFill>
-            </a:endParaRPr>
-          </a:p>
-        </p:txBody>
-      </p:sp>
-      <p:sp>
-        <p:nvSpPr>
-          <p:cNvPr id="3" name="副標題 2"/>
-          <p:cNvSpPr>
-            <a:spLocks noGrp="1"/>
-          </p:cNvSpPr>
-          <p:nvPr>
-            <p:ph type="subTitle" idx="1"/>
-          </p:nvPr>
-        </p:nvSpPr>
-        <p:spPr>
-          <a:xfrm>
-            <a:off x="467544" y="1268762"/>
-            <a:ext cx="8064896" cy="1440158"/>
-          </a:xfrm>
-          <a:ln>
-            <a:solidFill>
-              <a:srgbClr val="C00000"/>
-            </a:solidFill>
-          </a:ln>
-        </p:spPr>
-        <p:txBody>
-          <a:bodyPr>
-            <a:noAutofit/>
-          </a:bodyPr>
-          <a:lstStyle/>
-          <a:p>
-            <a:pPr marL="342900" indent="-342900" algn="l">
-              <a:buClr>
-                <a:srgbClr val="0070C0"/>
-              </a:buClr>
-              <a:buSzPct val="80000"/>
-              <a:buFont typeface="Wingdings" pitchFamily="2" charset="2"/>
-              <a:buChar char="u"/>
-            </a:pPr>
-            <a:r>
-              <a:rPr lang="en-US" sz="1800" b="1" dirty="0">
-                <a:solidFill>
-                  <a:srgbClr val="C00000"/>
-                </a:solidFill>
-              </a:rPr>
-              <a:t>Docker Swarm</a:t>
-            </a:r>
-          </a:p>
-          <a:p>
-            <a:pPr marL="342900" indent="-342900" algn="l">
-              <a:buClr>
-                <a:srgbClr val="0070C0"/>
-              </a:buClr>
-              <a:buSzPct val="80000"/>
-              <a:buFont typeface="Wingdings" pitchFamily="2" charset="2"/>
-              <a:buChar char="u"/>
-            </a:pPr>
-            <a:r>
-              <a:rPr lang="en-US" sz="1800" b="1" dirty="0">
-                <a:solidFill>
-                  <a:schemeClr val="tx1"/>
-                </a:solidFill>
-              </a:rPr>
-              <a:t>Docker Swarm is a tool for container Orchestra.</a:t>
-            </a:r>
-          </a:p>
-          <a:p>
-            <a:pPr marL="342900" indent="-342900" algn="l">
-              <a:buClr>
-                <a:srgbClr val="0070C0"/>
-              </a:buClr>
-              <a:buSzPct val="80000"/>
-              <a:buFont typeface="Wingdings" pitchFamily="2" charset="2"/>
-              <a:buChar char="u"/>
-            </a:pPr>
-            <a:r>
-              <a:rPr lang="en-US" sz="1800" b="1" dirty="0">
-                <a:solidFill>
-                  <a:schemeClr val="tx1"/>
-                </a:solidFill>
-              </a:rPr>
-              <a:t>What does that mean?</a:t>
-            </a:r>
-          </a:p>
-          <a:p>
-            <a:pPr marL="342900" indent="-342900" algn="l">
-              <a:buClr>
-                <a:srgbClr val="0070C0"/>
-              </a:buClr>
-              <a:buSzPct val="80000"/>
-              <a:buFont typeface="Wingdings" pitchFamily="2" charset="2"/>
-              <a:buChar char="u"/>
-            </a:pPr>
-            <a:r>
-              <a:rPr lang="en-US" sz="1800" b="1" dirty="0">
-                <a:solidFill>
-                  <a:schemeClr val="tx1"/>
-                </a:solidFill>
-              </a:rPr>
-              <a:t>For example, suppose we have 100 containers </a:t>
-            </a:r>
-          </a:p>
-        </p:txBody>
-      </p:sp>
-      <p:sp>
-        <p:nvSpPr>
-          <p:cNvPr id="4" name="標題 1"/>
-          <p:cNvSpPr txBox="1">
-            <a:spLocks/>
-          </p:cNvSpPr>
-          <p:nvPr/>
-        </p:nvSpPr>
-        <p:spPr>
-          <a:xfrm>
-            <a:off x="0" y="764704"/>
-            <a:ext cx="9144000" cy="360040"/>
-          </a:xfrm>
-          <a:prstGeom prst="rect">
-            <a:avLst/>
-          </a:prstGeom>
-          <a:gradFill flip="none" rotWithShape="1">
-            <a:gsLst>
-              <a:gs pos="0">
-                <a:srgbClr val="00B0F0">
-                  <a:shade val="30000"/>
-                  <a:satMod val="115000"/>
-                </a:srgbClr>
-              </a:gs>
-              <a:gs pos="50000">
-                <a:srgbClr val="00B0F0">
-                  <a:shade val="67500"/>
-                  <a:satMod val="115000"/>
-                </a:srgbClr>
-              </a:gs>
-              <a:gs pos="100000">
-                <a:srgbClr val="00B0F0">
-                  <a:shade val="100000"/>
-                  <a:satMod val="115000"/>
-                </a:srgbClr>
-              </a:gs>
-            </a:gsLst>
-            <a:path path="circle">
-              <a:fillToRect t="100000" r="100000"/>
-            </a:path>
-            <a:tileRect l="-100000" b="-100000"/>
-          </a:gradFill>
-        </p:spPr>
-        <p:txBody>
-          <a:bodyPr vert="horz" lIns="91440" tIns="45720" rIns="91440" bIns="45720" rtlCol="0" anchor="ctr">
-            <a:normAutofit/>
-          </a:bodyPr>
-          <a:lstStyle/>
-          <a:p>
-            <a:pPr lvl="0">
-              <a:spcBef>
-                <a:spcPct val="0"/>
-              </a:spcBef>
-            </a:pPr>
-            <a:r>
-              <a:rPr lang="en-US" sz="1600" dirty="0"/>
-              <a:t>https://www.youtube.com/watch?v=bU2NNFJ-UXA&amp;list=PLhW3qG5bs-L99pQsZ74f-LC-tOEsBp2rK&amp;index=15</a:t>
-            </a:r>
-            <a:endParaRPr kumimoji="0" lang="zh-TW" altLang="en-US" sz="1600" b="0" i="0" u="none" strike="noStrike" kern="1200" cap="none" spc="0" normalizeH="0" baseline="0" noProof="0" dirty="0">
-              <a:ln>
-                <a:noFill/>
-              </a:ln>
-              <a:solidFill>
-                <a:schemeClr val="tx1"/>
-              </a:solidFill>
-              <a:effectLst/>
-              <a:uLnTx/>
-              <a:uFillTx/>
-              <a:latin typeface="+mj-lt"/>
-              <a:ea typeface="+mj-ea"/>
-              <a:cs typeface="+mj-cs"/>
-            </a:endParaRPr>
-          </a:p>
-        </p:txBody>
-      </p:sp>
-      <p:sp>
-        <p:nvSpPr>
-          <p:cNvPr id="5" name="日期版面配置區 4"/>
-          <p:cNvSpPr>
-            <a:spLocks noGrp="1"/>
-          </p:cNvSpPr>
-          <p:nvPr>
-            <p:ph type="dt" sz="half" idx="10"/>
-          </p:nvPr>
-        </p:nvSpPr>
-        <p:spPr/>
-        <p:txBody>
-          <a:bodyPr/>
-          <a:lstStyle/>
-          <a:p>
-            <a:fld id="{A4F910E6-8D00-4BAF-8C48-9688E0B449D3}" type="datetime1">
-              <a:rPr lang="zh-TW" altLang="en-US" smtClean="0"/>
-              <a:pPr/>
-              <a:t>2021/6/18</a:t>
-            </a:fld>
-            <a:endParaRPr lang="zh-TW" altLang="en-US"/>
-          </a:p>
-        </p:txBody>
-      </p:sp>
-      <p:sp>
-        <p:nvSpPr>
-          <p:cNvPr id="6" name="投影片編號版面配置區 5"/>
-          <p:cNvSpPr>
-            <a:spLocks noGrp="1"/>
-          </p:cNvSpPr>
-          <p:nvPr>
-            <p:ph type="sldNum" sz="quarter" idx="12"/>
-          </p:nvPr>
-        </p:nvSpPr>
-        <p:spPr/>
-        <p:txBody>
-          <a:bodyPr/>
-          <a:lstStyle/>
-          <a:p>
-            <a:fld id="{E4D7E63D-91F2-4366-A2C4-1B00C9E2590E}" type="slidenum">
-              <a:rPr lang="zh-TW" altLang="en-US" smtClean="0"/>
-              <a:pPr/>
-              <a:t>13</a:t>
-            </a:fld>
-            <a:endParaRPr lang="zh-TW" altLang="en-US"/>
-          </a:p>
-        </p:txBody>
-      </p:sp>
-      <p:sp>
-        <p:nvSpPr>
-          <p:cNvPr id="9" name="Rectangle 8">
+          <p:cNvPr id="10" name="Rectangle 9">
             <a:extLst>
               <a:ext uri="{FF2B5EF4-FFF2-40B4-BE49-F238E27FC236}">
-                <a16:creationId xmlns:a16="http://schemas.microsoft.com/office/drawing/2014/main" id="{D34DA60D-1B37-4544-B507-2030C04DAFF4}"/>
+                <a16:creationId xmlns:a16="http://schemas.microsoft.com/office/drawing/2014/main" id="{4F8A985B-A2DC-47B1-BFC5-CC6281706E1A}"/>
               </a:ext>
             </a:extLst>
           </p:cNvPr>
@@ -5473,8 +5502,8 @@
         </p:nvSpPr>
         <p:spPr>
           <a:xfrm>
-            <a:off x="3779912" y="2276872"/>
-            <a:ext cx="1512168" cy="288032"/>
+            <a:off x="1852997" y="6209853"/>
+            <a:ext cx="4824536" cy="216026"/>
           </a:xfrm>
           <a:prstGeom prst="rect">
             <a:avLst/>
@@ -5513,10 +5542,10 @@
       </p:sp>
       <p:sp>
         <p:nvSpPr>
-          <p:cNvPr id="11" name="Rectangle 10">
+          <p:cNvPr id="13" name="Rectangle 12">
             <a:extLst>
               <a:ext uri="{FF2B5EF4-FFF2-40B4-BE49-F238E27FC236}">
-                <a16:creationId xmlns:a16="http://schemas.microsoft.com/office/drawing/2014/main" id="{4634517B-3D24-409C-85A0-97609B218734}"/>
+                <a16:creationId xmlns:a16="http://schemas.microsoft.com/office/drawing/2014/main" id="{1AA10B48-74FA-43BF-A93B-C744CFF3C2F4}"/>
               </a:ext>
             </a:extLst>
           </p:cNvPr>
@@ -5525,8 +5554,8 @@
         </p:nvSpPr>
         <p:spPr>
           <a:xfrm>
-            <a:off x="2195736" y="4653136"/>
-            <a:ext cx="1656184" cy="216024"/>
+            <a:off x="791580" y="1951450"/>
+            <a:ext cx="7560840" cy="623242"/>
           </a:xfrm>
           <a:prstGeom prst="rect">
             <a:avLst/>
@@ -5565,24 +5594,23 @@
       </p:sp>
       <p:cxnSp>
         <p:nvCxnSpPr>
-          <p:cNvPr id="12" name="Straight Arrow Connector 11">
+          <p:cNvPr id="15" name="Straight Arrow Connector 14">
             <a:extLst>
               <a:ext uri="{FF2B5EF4-FFF2-40B4-BE49-F238E27FC236}">
-                <a16:creationId xmlns:a16="http://schemas.microsoft.com/office/drawing/2014/main" id="{809F0890-EA7C-4DD1-9E4B-27A36B7CC696}"/>
+                <a16:creationId xmlns:a16="http://schemas.microsoft.com/office/drawing/2014/main" id="{ABB2F193-6CB7-4E3B-8008-EE24014837B6}"/>
               </a:ext>
             </a:extLst>
           </p:cNvPr>
           <p:cNvCxnSpPr>
-            <a:cxnSpLocks/>
-            <a:stCxn id="9" idx="2"/>
-            <a:endCxn id="11" idx="0"/>
+            <a:stCxn id="13" idx="2"/>
+            <a:endCxn id="10" idx="0"/>
           </p:cNvCxnSpPr>
           <p:nvPr/>
         </p:nvCxnSpPr>
         <p:spPr>
           <a:xfrm flipH="1">
-            <a:off x="3023828" y="2564904"/>
-            <a:ext cx="1512168" cy="2088232"/>
+            <a:off x="4265265" y="2574692"/>
+            <a:ext cx="306735" cy="3635161"/>
           </a:xfrm>
           <a:prstGeom prst="straightConnector1">
             <a:avLst/>
@@ -5638,10 +5666,10 @@
       </p:grpSpPr>
       <p:pic>
         <p:nvPicPr>
-          <p:cNvPr id="20" name="Picture 19">
+          <p:cNvPr id="8" name="Picture 7">
             <a:extLst>
               <a:ext uri="{FF2B5EF4-FFF2-40B4-BE49-F238E27FC236}">
-                <a16:creationId xmlns:a16="http://schemas.microsoft.com/office/drawing/2014/main" id="{6D4524E7-1E2B-47CE-8A98-672B4A89B6FE}"/>
+                <a16:creationId xmlns:a16="http://schemas.microsoft.com/office/drawing/2014/main" id="{AD55A703-7136-44FC-95BA-9968C57C897A}"/>
               </a:ext>
             </a:extLst>
           </p:cNvPr>
@@ -5658,8 +5686,8 @@
         </p:blipFill>
         <p:spPr>
           <a:xfrm>
-            <a:off x="2195736" y="3933056"/>
-            <a:ext cx="5113834" cy="2342466"/>
+            <a:off x="3790950" y="2451100"/>
+            <a:ext cx="4895850" cy="3905250"/>
           </a:xfrm>
           <a:prstGeom prst="rect">
             <a:avLst/>
@@ -5749,7 +5777,7 @@
         <p:spPr>
           <a:xfrm>
             <a:off x="467544" y="1268762"/>
-            <a:ext cx="8064896" cy="1728190"/>
+            <a:ext cx="8064896" cy="972109"/>
           </a:xfrm>
           <a:ln>
             <a:solidFill>
@@ -5795,61 +5823,7 @@
                   <a:schemeClr val="tx1"/>
                 </a:solidFill>
               </a:rPr>
-              <a:t>…and we need to heath check on every container.</a:t>
-            </a:r>
-          </a:p>
-          <a:p>
-            <a:pPr marL="342900" indent="-342900" algn="l">
-              <a:buClr>
-                <a:srgbClr val="0070C0"/>
-              </a:buClr>
-              <a:buSzPct val="80000"/>
-              <a:buFont typeface="Wingdings" pitchFamily="2" charset="2"/>
-              <a:buChar char="u"/>
-            </a:pPr>
-            <a:r>
-              <a:rPr lang="en-US" sz="1800" b="1" dirty="0">
-                <a:solidFill>
-                  <a:schemeClr val="tx1"/>
-                </a:solidFill>
-              </a:rPr>
-              <a:t>…and we need to ensure that all containers are up every time </a:t>
-            </a:r>
-          </a:p>
-          <a:p>
-            <a:pPr marL="342900" indent="-342900" algn="l">
-              <a:buClr>
-                <a:srgbClr val="0070C0"/>
-              </a:buClr>
-              <a:buSzPct val="80000"/>
-              <a:buFont typeface="Wingdings" pitchFamily="2" charset="2"/>
-              <a:buChar char="u"/>
-            </a:pPr>
-            <a:r>
-              <a:rPr lang="en-US" sz="1800" b="1" dirty="0">
-                <a:solidFill>
-                  <a:schemeClr val="tx1"/>
-                </a:solidFill>
-              </a:rPr>
-              <a:t>…in case one container is down, </a:t>
-            </a:r>
-          </a:p>
-          <a:p>
-            <a:pPr marL="342900" indent="-342900" algn="l">
-              <a:buClr>
-                <a:srgbClr val="0070C0"/>
-              </a:buClr>
-              <a:buSzPct val="80000"/>
-              <a:buFont typeface="Wingdings" pitchFamily="2" charset="2"/>
-              <a:buChar char="u"/>
-            </a:pPr>
-            <a:r>
-              <a:rPr lang="en-US" sz="1800" b="1" dirty="0">
-                <a:solidFill>
-                  <a:schemeClr val="tx1"/>
-                </a:solidFill>
-              </a:rPr>
-              <a:t>…the other container takes up its task and then adding updating</a:t>
+              <a:t>Docker Swarm is a tool for container Orchestra. Let’s see how useful of docker swarm.</a:t>
             </a:r>
           </a:p>
         </p:txBody>
@@ -5910,7 +5884,7 @@
             </a:pPr>
             <a:r>
               <a:rPr lang="en-US" sz="1600" dirty="0"/>
-              <a:t>https://www.youtube.com/watch?v=bU2NNFJ-UXA&amp;list=PLhW3qG5bs-L99pQsZ74f-LC-tOEsBp2rK&amp;index=15</a:t>
+              <a:t>https://www.youtube.com/watch?v=Tm0Q5zr3FL4</a:t>
             </a:r>
             <a:endParaRPr kumimoji="0" lang="zh-TW" altLang="en-US" sz="1600" b="0" i="0" u="none" strike="noStrike" kern="1200" cap="none" spc="0" normalizeH="0" baseline="0" noProof="0" dirty="0">
               <a:ln>
@@ -5947,7 +5921,7 @@
             <a:fld id="{A4F910E6-8D00-4BAF-8C48-9688E0B449D3}" type="datetime1">
               <a:rPr lang="zh-TW" altLang="en-US" smtClean="0"/>
               <a:pPr/>
-              <a:t>2021/6/18</a:t>
+              <a:t>2021/12/13</a:t>
             </a:fld>
             <a:endParaRPr lang="zh-TW" altLang="en-US"/>
           </a:p>
@@ -5979,10 +5953,10 @@
       </p:sp>
       <p:sp>
         <p:nvSpPr>
-          <p:cNvPr id="11" name="Rectangle 10">
+          <p:cNvPr id="9" name="Rectangle 8">
             <a:extLst>
               <a:ext uri="{FF2B5EF4-FFF2-40B4-BE49-F238E27FC236}">
-                <a16:creationId xmlns:a16="http://schemas.microsoft.com/office/drawing/2014/main" id="{4634517B-3D24-409C-85A0-97609B218734}"/>
+                <a16:creationId xmlns:a16="http://schemas.microsoft.com/office/drawing/2014/main" id="{D34DA60D-1B37-4544-B507-2030C04DAFF4}"/>
               </a:ext>
             </a:extLst>
           </p:cNvPr>
@@ -5991,8 +5965,8 @@
         </p:nvSpPr>
         <p:spPr>
           <a:xfrm>
-            <a:off x="2339752" y="5157192"/>
-            <a:ext cx="3528392" cy="648072"/>
+            <a:off x="899592" y="1607184"/>
+            <a:ext cx="4464496" cy="421008"/>
           </a:xfrm>
           <a:prstGeom prst="rect">
             <a:avLst/>
@@ -6029,6 +6003,58 @@
           </a:p>
         </p:txBody>
       </p:sp>
+      <p:sp>
+        <p:nvSpPr>
+          <p:cNvPr id="11" name="Rectangle 10">
+            <a:extLst>
+              <a:ext uri="{FF2B5EF4-FFF2-40B4-BE49-F238E27FC236}">
+                <a16:creationId xmlns:a16="http://schemas.microsoft.com/office/drawing/2014/main" id="{4634517B-3D24-409C-85A0-97609B218734}"/>
+              </a:ext>
+            </a:extLst>
+          </p:cNvPr>
+          <p:cNvSpPr/>
+          <p:nvPr/>
+        </p:nvSpPr>
+        <p:spPr>
+          <a:xfrm>
+            <a:off x="3876441" y="4499978"/>
+            <a:ext cx="1656184" cy="511366"/>
+          </a:xfrm>
+          <a:prstGeom prst="rect">
+            <a:avLst/>
+          </a:prstGeom>
+          <a:noFill/>
+          <a:ln>
+            <a:solidFill>
+              <a:srgbClr val="C00000"/>
+            </a:solidFill>
+          </a:ln>
+        </p:spPr>
+        <p:style>
+          <a:lnRef idx="2">
+            <a:schemeClr val="accent1">
+              <a:shade val="50000"/>
+            </a:schemeClr>
+          </a:lnRef>
+          <a:fillRef idx="1">
+            <a:schemeClr val="accent1"/>
+          </a:fillRef>
+          <a:effectRef idx="0">
+            <a:schemeClr val="accent1"/>
+          </a:effectRef>
+          <a:fontRef idx="minor">
+            <a:schemeClr val="lt1"/>
+          </a:fontRef>
+        </p:style>
+        <p:txBody>
+          <a:bodyPr rtlCol="0" anchor="ctr"/>
+          <a:lstStyle/>
+          <a:p>
+            <a:pPr algn="ctr"/>
+            <a:endParaRPr lang="en-US"/>
+          </a:p>
+        </p:txBody>
+      </p:sp>
       <p:cxnSp>
         <p:nvCxnSpPr>
           <p:cNvPr id="12" name="Straight Arrow Connector 11">
@@ -6040,15 +6066,15 @@
           </p:cNvPr>
           <p:cNvCxnSpPr>
             <a:cxnSpLocks/>
-            <a:stCxn id="3" idx="2"/>
+            <a:stCxn id="9" idx="2"/>
             <a:endCxn id="11" idx="0"/>
           </p:cNvCxnSpPr>
           <p:nvPr/>
         </p:nvCxnSpPr>
         <p:spPr>
-          <a:xfrm flipH="1">
-            <a:off x="4103948" y="2996952"/>
-            <a:ext cx="396044" cy="2160240"/>
+          <a:xfrm>
+            <a:off x="3131840" y="2028192"/>
+            <a:ext cx="1572693" cy="2471786"/>
           </a:xfrm>
           <a:prstGeom prst="straightConnector1">
             <a:avLst/>
@@ -6072,10 +6098,235 @@
           </a:fontRef>
         </p:style>
       </p:cxnSp>
+      <p:sp>
+        <p:nvSpPr>
+          <p:cNvPr id="18" name="副標題 2">
+            <a:extLst>
+              <a:ext uri="{FF2B5EF4-FFF2-40B4-BE49-F238E27FC236}">
+                <a16:creationId xmlns:a16="http://schemas.microsoft.com/office/drawing/2014/main" id="{97B19CA7-344B-41DD-A379-F84D380968D8}"/>
+              </a:ext>
+            </a:extLst>
+          </p:cNvPr>
+          <p:cNvSpPr txBox="1">
+            <a:spLocks/>
+          </p:cNvSpPr>
+          <p:nvPr/>
+        </p:nvSpPr>
+        <p:spPr>
+          <a:xfrm>
+            <a:off x="457200" y="2504891"/>
+            <a:ext cx="3096344" cy="1051792"/>
+          </a:xfrm>
+          <a:prstGeom prst="rect">
+            <a:avLst/>
+          </a:prstGeom>
+          <a:ln>
+            <a:solidFill>
+              <a:srgbClr val="C00000"/>
+            </a:solidFill>
+          </a:ln>
+        </p:spPr>
+        <p:txBody>
+          <a:bodyPr vert="horz" lIns="91440" tIns="45720" rIns="91440" bIns="45720" rtlCol="0">
+            <a:noAutofit/>
+          </a:bodyPr>
+          <a:lstStyle>
+            <a:lvl1pPr marL="0" indent="0" algn="ctr" defTabSz="914400" rtl="0" eaLnBrk="1" latinLnBrk="0" hangingPunct="1">
+              <a:spcBef>
+                <a:spcPct val="20000"/>
+              </a:spcBef>
+              <a:buFont typeface="Arial" pitchFamily="34" charset="0"/>
+              <a:buNone/>
+              <a:defRPr sz="3200" kern="1200">
+                <a:solidFill>
+                  <a:schemeClr val="tx1">
+                    <a:tint val="75000"/>
+                  </a:schemeClr>
+                </a:solidFill>
+                <a:latin typeface="+mn-lt"/>
+                <a:ea typeface="+mn-ea"/>
+                <a:cs typeface="+mn-cs"/>
+              </a:defRPr>
+            </a:lvl1pPr>
+            <a:lvl2pPr marL="457200" indent="0" algn="ctr" defTabSz="914400" rtl="0" eaLnBrk="1" latinLnBrk="0" hangingPunct="1">
+              <a:spcBef>
+                <a:spcPct val="20000"/>
+              </a:spcBef>
+              <a:buFont typeface="Arial" pitchFamily="34" charset="0"/>
+              <a:buNone/>
+              <a:defRPr sz="2800" kern="1200">
+                <a:solidFill>
+                  <a:schemeClr val="tx1">
+                    <a:tint val="75000"/>
+                  </a:schemeClr>
+                </a:solidFill>
+                <a:latin typeface="+mn-lt"/>
+                <a:ea typeface="+mn-ea"/>
+                <a:cs typeface="+mn-cs"/>
+              </a:defRPr>
+            </a:lvl2pPr>
+            <a:lvl3pPr marL="914400" indent="0" algn="ctr" defTabSz="914400" rtl="0" eaLnBrk="1" latinLnBrk="0" hangingPunct="1">
+              <a:spcBef>
+                <a:spcPct val="20000"/>
+              </a:spcBef>
+              <a:buFont typeface="Arial" pitchFamily="34" charset="0"/>
+              <a:buNone/>
+              <a:defRPr sz="2400" kern="1200">
+                <a:solidFill>
+                  <a:schemeClr val="tx1">
+                    <a:tint val="75000"/>
+                  </a:schemeClr>
+                </a:solidFill>
+                <a:latin typeface="+mn-lt"/>
+                <a:ea typeface="+mn-ea"/>
+                <a:cs typeface="+mn-cs"/>
+              </a:defRPr>
+            </a:lvl3pPr>
+            <a:lvl4pPr marL="1371600" indent="0" algn="ctr" defTabSz="914400" rtl="0" eaLnBrk="1" latinLnBrk="0" hangingPunct="1">
+              <a:spcBef>
+                <a:spcPct val="20000"/>
+              </a:spcBef>
+              <a:buFont typeface="Arial" pitchFamily="34" charset="0"/>
+              <a:buNone/>
+              <a:defRPr sz="2000" kern="1200">
+                <a:solidFill>
+                  <a:schemeClr val="tx1">
+                    <a:tint val="75000"/>
+                  </a:schemeClr>
+                </a:solidFill>
+                <a:latin typeface="+mn-lt"/>
+                <a:ea typeface="+mn-ea"/>
+                <a:cs typeface="+mn-cs"/>
+              </a:defRPr>
+            </a:lvl4pPr>
+            <a:lvl5pPr marL="1828800" indent="0" algn="ctr" defTabSz="914400" rtl="0" eaLnBrk="1" latinLnBrk="0" hangingPunct="1">
+              <a:spcBef>
+                <a:spcPct val="20000"/>
+              </a:spcBef>
+              <a:buFont typeface="Arial" pitchFamily="34" charset="0"/>
+              <a:buNone/>
+              <a:defRPr sz="2000" kern="1200">
+                <a:solidFill>
+                  <a:schemeClr val="tx1">
+                    <a:tint val="75000"/>
+                  </a:schemeClr>
+                </a:solidFill>
+                <a:latin typeface="+mn-lt"/>
+                <a:ea typeface="+mn-ea"/>
+                <a:cs typeface="+mn-cs"/>
+              </a:defRPr>
+            </a:lvl5pPr>
+            <a:lvl6pPr marL="2286000" indent="0" algn="ctr" defTabSz="914400" rtl="0" eaLnBrk="1" latinLnBrk="0" hangingPunct="1">
+              <a:spcBef>
+                <a:spcPct val="20000"/>
+              </a:spcBef>
+              <a:buFont typeface="Arial" pitchFamily="34" charset="0"/>
+              <a:buNone/>
+              <a:defRPr sz="2000" kern="1200">
+                <a:solidFill>
+                  <a:schemeClr val="tx1">
+                    <a:tint val="75000"/>
+                  </a:schemeClr>
+                </a:solidFill>
+                <a:latin typeface="+mn-lt"/>
+                <a:ea typeface="+mn-ea"/>
+                <a:cs typeface="+mn-cs"/>
+              </a:defRPr>
+            </a:lvl6pPr>
+            <a:lvl7pPr marL="2743200" indent="0" algn="ctr" defTabSz="914400" rtl="0" eaLnBrk="1" latinLnBrk="0" hangingPunct="1">
+              <a:spcBef>
+                <a:spcPct val="20000"/>
+              </a:spcBef>
+              <a:buFont typeface="Arial" pitchFamily="34" charset="0"/>
+              <a:buNone/>
+              <a:defRPr sz="2000" kern="1200">
+                <a:solidFill>
+                  <a:schemeClr val="tx1">
+                    <a:tint val="75000"/>
+                  </a:schemeClr>
+                </a:solidFill>
+                <a:latin typeface="+mn-lt"/>
+                <a:ea typeface="+mn-ea"/>
+                <a:cs typeface="+mn-cs"/>
+              </a:defRPr>
+            </a:lvl7pPr>
+            <a:lvl8pPr marL="3200400" indent="0" algn="ctr" defTabSz="914400" rtl="0" eaLnBrk="1" latinLnBrk="0" hangingPunct="1">
+              <a:spcBef>
+                <a:spcPct val="20000"/>
+              </a:spcBef>
+              <a:buFont typeface="Arial" pitchFamily="34" charset="0"/>
+              <a:buNone/>
+              <a:defRPr sz="2000" kern="1200">
+                <a:solidFill>
+                  <a:schemeClr val="tx1">
+                    <a:tint val="75000"/>
+                  </a:schemeClr>
+                </a:solidFill>
+                <a:latin typeface="+mn-lt"/>
+                <a:ea typeface="+mn-ea"/>
+                <a:cs typeface="+mn-cs"/>
+              </a:defRPr>
+            </a:lvl8pPr>
+            <a:lvl9pPr marL="3657600" indent="0" algn="ctr" defTabSz="914400" rtl="0" eaLnBrk="1" latinLnBrk="0" hangingPunct="1">
+              <a:spcBef>
+                <a:spcPct val="20000"/>
+              </a:spcBef>
+              <a:buFont typeface="Arial" pitchFamily="34" charset="0"/>
+              <a:buNone/>
+              <a:defRPr sz="2000" kern="1200">
+                <a:solidFill>
+                  <a:schemeClr val="tx1">
+                    <a:tint val="75000"/>
+                  </a:schemeClr>
+                </a:solidFill>
+                <a:latin typeface="+mn-lt"/>
+                <a:ea typeface="+mn-ea"/>
+                <a:cs typeface="+mn-cs"/>
+              </a:defRPr>
+            </a:lvl9pPr>
+          </a:lstStyle>
+          <a:p>
+            <a:pPr marL="342900" indent="-342900" algn="l">
+              <a:buClr>
+                <a:srgbClr val="0070C0"/>
+              </a:buClr>
+              <a:buSzPct val="80000"/>
+              <a:buFont typeface="Wingdings" pitchFamily="2" charset="2"/>
+              <a:buChar char="u"/>
+            </a:pPr>
+            <a:r>
+              <a:rPr lang="en-US" sz="1800" b="1" dirty="0">
+                <a:solidFill>
+                  <a:schemeClr val="tx1"/>
+                </a:solidFill>
+              </a:rPr>
+              <a:t>What does that mean?</a:t>
+            </a:r>
+          </a:p>
+          <a:p>
+            <a:pPr marL="342900" indent="-342900" algn="l">
+              <a:buClr>
+                <a:srgbClr val="0070C0"/>
+              </a:buClr>
+              <a:buSzPct val="80000"/>
+              <a:buFont typeface="Wingdings" pitchFamily="2" charset="2"/>
+              <a:buChar char="u"/>
+            </a:pPr>
+            <a:r>
+              <a:rPr lang="en-US" sz="1800" b="1" dirty="0">
+                <a:solidFill>
+                  <a:schemeClr val="tx1"/>
+                </a:solidFill>
+              </a:rPr>
+              <a:t>For example, suppose we have 100 containers </a:t>
+            </a:r>
+          </a:p>
+        </p:txBody>
+      </p:sp>
     </p:spTree>
     <p:extLst>
       <p:ext uri="{BB962C8B-B14F-4D97-AF65-F5344CB8AC3E}">
-        <p14:creationId xmlns:p14="http://schemas.microsoft.com/office/powerpoint/2010/main" val="316387369"/>
+        <p14:creationId xmlns:p14="http://schemas.microsoft.com/office/powerpoint/2010/main" val="4126563138"/>
       </p:ext>
     </p:extLst>
   </p:cSld>
@@ -6215,7 +6466,7 @@
         <p:spPr>
           <a:xfrm>
             <a:off x="467544" y="1268762"/>
-            <a:ext cx="8064896" cy="2592286"/>
+            <a:ext cx="8064896" cy="2016222"/>
           </a:xfrm>
           <a:ln>
             <a:solidFill>
@@ -6261,7 +6512,7 @@
                   <a:schemeClr val="tx1"/>
                 </a:solidFill>
               </a:rPr>
-              <a:t>…therefore, we need something like Docker Swarm or some other orchestration tools.</a:t>
+              <a:t>In the 100 containers,</a:t>
             </a:r>
           </a:p>
           <a:p>
@@ -6279,7 +6530,7 @@
                   <a:schemeClr val="tx1"/>
                 </a:solidFill>
               </a:rPr>
-              <a:t>Other tools can be Kubernetes or Apache Mesos.</a:t>
+              <a:t>…and we need to heath check on every container.</a:t>
             </a:r>
           </a:p>
           <a:p>
@@ -6297,7 +6548,7 @@
                   <a:schemeClr val="tx1"/>
                 </a:solidFill>
               </a:rPr>
-              <a:t>Kubernetes and Apache Mesos work similarly to Docker Swarm.</a:t>
+              <a:t>…and we need to ensure that all containers are up every time </a:t>
             </a:r>
           </a:p>
           <a:p>
@@ -6315,7 +6566,7 @@
                   <a:schemeClr val="tx1"/>
                 </a:solidFill>
               </a:rPr>
-              <a:t>These are the orchestration tools that help us in managing and controlling multiple Docker containers as  a single service.</a:t>
+              <a:t>…in case one container is down, </a:t>
             </a:r>
           </a:p>
           <a:p>
@@ -6333,7 +6584,7 @@
                   <a:schemeClr val="tx1"/>
                 </a:solidFill>
               </a:rPr>
-              <a:t>This is what Docker Swarm and what it does.  </a:t>
+              <a:t>…the other container takes up its task and then adding updating</a:t>
             </a:r>
           </a:p>
         </p:txBody>
@@ -6394,7 +6645,7 @@
             </a:pPr>
             <a:r>
               <a:rPr lang="en-US" sz="1600" dirty="0"/>
-              <a:t>https://www.youtube.com/watch?v=bU2NNFJ-UXA&amp;list=PLhW3qG5bs-L99pQsZ74f-LC-tOEsBp2rK&amp;index=15</a:t>
+              <a:t>https://www.youtube.com/watch?v=Tm0Q5zr3FL4</a:t>
             </a:r>
             <a:endParaRPr kumimoji="0" lang="zh-TW" altLang="en-US" sz="1600" b="0" i="0" u="none" strike="noStrike" kern="1200" cap="none" spc="0" normalizeH="0" baseline="0" noProof="0" dirty="0">
               <a:ln>
@@ -6431,7 +6682,7 @@
             <a:fld id="{A4F910E6-8D00-4BAF-8C48-9688E0B449D3}" type="datetime1">
               <a:rPr lang="zh-TW" altLang="en-US" smtClean="0"/>
               <a:pPr/>
-              <a:t>2021/6/18</a:t>
+              <a:t>2021/12/13</a:t>
             </a:fld>
             <a:endParaRPr lang="zh-TW" altLang="en-US"/>
           </a:p>
@@ -6456,6 +6707,498 @@
               <a:rPr lang="zh-TW" altLang="en-US" smtClean="0"/>
               <a:pPr/>
               <a:t>15</a:t>
+            </a:fld>
+            <a:endParaRPr lang="zh-TW" altLang="en-US"/>
+          </a:p>
+        </p:txBody>
+      </p:sp>
+      <p:sp>
+        <p:nvSpPr>
+          <p:cNvPr id="11" name="Rectangle 10">
+            <a:extLst>
+              <a:ext uri="{FF2B5EF4-FFF2-40B4-BE49-F238E27FC236}">
+                <a16:creationId xmlns:a16="http://schemas.microsoft.com/office/drawing/2014/main" id="{4634517B-3D24-409C-85A0-97609B218734}"/>
+              </a:ext>
+            </a:extLst>
+          </p:cNvPr>
+          <p:cNvSpPr/>
+          <p:nvPr/>
+        </p:nvSpPr>
+        <p:spPr>
+          <a:xfrm>
+            <a:off x="2339752" y="5157192"/>
+            <a:ext cx="3528392" cy="648072"/>
+          </a:xfrm>
+          <a:prstGeom prst="rect">
+            <a:avLst/>
+          </a:prstGeom>
+          <a:noFill/>
+          <a:ln>
+            <a:solidFill>
+              <a:srgbClr val="C00000"/>
+            </a:solidFill>
+          </a:ln>
+        </p:spPr>
+        <p:style>
+          <a:lnRef idx="2">
+            <a:schemeClr val="accent1">
+              <a:shade val="50000"/>
+            </a:schemeClr>
+          </a:lnRef>
+          <a:fillRef idx="1">
+            <a:schemeClr val="accent1"/>
+          </a:fillRef>
+          <a:effectRef idx="0">
+            <a:schemeClr val="accent1"/>
+          </a:effectRef>
+          <a:fontRef idx="minor">
+            <a:schemeClr val="lt1"/>
+          </a:fontRef>
+        </p:style>
+        <p:txBody>
+          <a:bodyPr rtlCol="0" anchor="ctr"/>
+          <a:lstStyle/>
+          <a:p>
+            <a:pPr algn="ctr"/>
+            <a:endParaRPr lang="en-US"/>
+          </a:p>
+        </p:txBody>
+      </p:sp>
+      <p:cxnSp>
+        <p:nvCxnSpPr>
+          <p:cNvPr id="12" name="Straight Arrow Connector 11">
+            <a:extLst>
+              <a:ext uri="{FF2B5EF4-FFF2-40B4-BE49-F238E27FC236}">
+                <a16:creationId xmlns:a16="http://schemas.microsoft.com/office/drawing/2014/main" id="{809F0890-EA7C-4DD1-9E4B-27A36B7CC696}"/>
+              </a:ext>
+            </a:extLst>
+          </p:cNvPr>
+          <p:cNvCxnSpPr>
+            <a:cxnSpLocks/>
+            <a:stCxn id="3" idx="2"/>
+            <a:endCxn id="11" idx="0"/>
+          </p:cNvCxnSpPr>
+          <p:nvPr/>
+        </p:nvCxnSpPr>
+        <p:spPr>
+          <a:xfrm flipH="1">
+            <a:off x="4103948" y="3284984"/>
+            <a:ext cx="396044" cy="1872208"/>
+          </a:xfrm>
+          <a:prstGeom prst="straightConnector1">
+            <a:avLst/>
+          </a:prstGeom>
+          <a:ln>
+            <a:tailEnd type="triangle"/>
+          </a:ln>
+        </p:spPr>
+        <p:style>
+          <a:lnRef idx="1">
+            <a:schemeClr val="accent2"/>
+          </a:lnRef>
+          <a:fillRef idx="0">
+            <a:schemeClr val="accent2"/>
+          </a:fillRef>
+          <a:effectRef idx="0">
+            <a:schemeClr val="accent2"/>
+          </a:effectRef>
+          <a:fontRef idx="minor">
+            <a:schemeClr val="tx1"/>
+          </a:fontRef>
+        </p:style>
+      </p:cxnSp>
+    </p:spTree>
+    <p:extLst>
+      <p:ext uri="{BB962C8B-B14F-4D97-AF65-F5344CB8AC3E}">
+        <p14:creationId xmlns:p14="http://schemas.microsoft.com/office/powerpoint/2010/main" val="316387369"/>
+      </p:ext>
+    </p:extLst>
+  </p:cSld>
+  <p:clrMapOvr>
+    <a:masterClrMapping/>
+  </p:clrMapOvr>
+</p:sld>
+</file>
+
+<file path=ppt/slides/slide16.xml><?xml version="1.0" encoding="utf-8"?>
+<p:sld xmlns:a="http://schemas.openxmlformats.org/drawingml/2006/main" xmlns:r="http://schemas.openxmlformats.org/officeDocument/2006/relationships" xmlns:p="http://schemas.openxmlformats.org/presentationml/2006/main">
+  <p:cSld>
+    <p:spTree>
+      <p:nvGrpSpPr>
+        <p:cNvPr id="1" name=""/>
+        <p:cNvGrpSpPr/>
+        <p:nvPr/>
+      </p:nvGrpSpPr>
+      <p:grpSpPr>
+        <a:xfrm>
+          <a:off x="0" y="0"/>
+          <a:ext cx="0" cy="0"/>
+          <a:chOff x="0" y="0"/>
+          <a:chExt cx="0" cy="0"/>
+        </a:xfrm>
+      </p:grpSpPr>
+      <p:pic>
+        <p:nvPicPr>
+          <p:cNvPr id="20" name="Picture 19">
+            <a:extLst>
+              <a:ext uri="{FF2B5EF4-FFF2-40B4-BE49-F238E27FC236}">
+                <a16:creationId xmlns:a16="http://schemas.microsoft.com/office/drawing/2014/main" id="{6D4524E7-1E2B-47CE-8A98-672B4A89B6FE}"/>
+              </a:ext>
+            </a:extLst>
+          </p:cNvPr>
+          <p:cNvPicPr>
+            <a:picLocks noChangeAspect="1"/>
+          </p:cNvPicPr>
+          <p:nvPr/>
+        </p:nvPicPr>
+        <p:blipFill>
+          <a:blip r:embed="rId2"/>
+          <a:stretch>
+            <a:fillRect/>
+          </a:stretch>
+        </p:blipFill>
+        <p:spPr>
+          <a:xfrm>
+            <a:off x="2195736" y="3933056"/>
+            <a:ext cx="5113834" cy="2342466"/>
+          </a:xfrm>
+          <a:prstGeom prst="rect">
+            <a:avLst/>
+          </a:prstGeom>
+          <a:ln>
+            <a:solidFill>
+              <a:srgbClr val="C00000"/>
+            </a:solidFill>
+          </a:ln>
+        </p:spPr>
+      </p:pic>
+      <p:sp>
+        <p:nvSpPr>
+          <p:cNvPr id="2" name="標題 1"/>
+          <p:cNvSpPr>
+            <a:spLocks noGrp="1"/>
+          </p:cNvSpPr>
+          <p:nvPr>
+            <p:ph type="ctrTitle"/>
+          </p:nvPr>
+        </p:nvSpPr>
+        <p:spPr>
+          <a:xfrm>
+            <a:off x="0" y="1"/>
+            <a:ext cx="9144000" cy="764704"/>
+          </a:xfrm>
+          <a:gradFill flip="none" rotWithShape="1">
+            <a:gsLst>
+              <a:gs pos="0">
+                <a:srgbClr val="C00000">
+                  <a:shade val="30000"/>
+                  <a:satMod val="115000"/>
+                </a:srgbClr>
+              </a:gs>
+              <a:gs pos="50000">
+                <a:srgbClr val="C00000">
+                  <a:shade val="67500"/>
+                  <a:satMod val="115000"/>
+                </a:srgbClr>
+              </a:gs>
+              <a:gs pos="100000">
+                <a:srgbClr val="C00000">
+                  <a:shade val="100000"/>
+                  <a:satMod val="115000"/>
+                </a:srgbClr>
+              </a:gs>
+            </a:gsLst>
+            <a:path path="circle">
+              <a:fillToRect t="100000" r="100000"/>
+            </a:path>
+            <a:tileRect l="-100000" b="-100000"/>
+          </a:gradFill>
+        </p:spPr>
+        <p:txBody>
+          <a:bodyPr>
+            <a:normAutofit/>
+          </a:bodyPr>
+          <a:lstStyle/>
+          <a:p>
+            <a:pPr algn="l"/>
+            <a:r>
+              <a:rPr lang="en-US" altLang="zh-TW" sz="4400" b="1" dirty="0">
+                <a:solidFill>
+                  <a:srgbClr val="FFFF00"/>
+                </a:solidFill>
+              </a:rPr>
+              <a:t>15 Docker Swarm</a:t>
+            </a:r>
+            <a:endParaRPr lang="zh-TW" altLang="en-US" b="1" dirty="0">
+              <a:solidFill>
+                <a:srgbClr val="FFFF00"/>
+              </a:solidFill>
+            </a:endParaRPr>
+          </a:p>
+        </p:txBody>
+      </p:sp>
+      <p:sp>
+        <p:nvSpPr>
+          <p:cNvPr id="3" name="副標題 2"/>
+          <p:cNvSpPr>
+            <a:spLocks noGrp="1"/>
+          </p:cNvSpPr>
+          <p:nvPr>
+            <p:ph type="subTitle" idx="1"/>
+          </p:nvPr>
+        </p:nvSpPr>
+        <p:spPr>
+          <a:xfrm>
+            <a:off x="467544" y="1268762"/>
+            <a:ext cx="8064896" cy="2592286"/>
+          </a:xfrm>
+          <a:ln>
+            <a:solidFill>
+              <a:srgbClr val="C00000"/>
+            </a:solidFill>
+          </a:ln>
+        </p:spPr>
+        <p:txBody>
+          <a:bodyPr>
+            <a:noAutofit/>
+          </a:bodyPr>
+          <a:lstStyle/>
+          <a:p>
+            <a:pPr marL="342900" indent="-342900" algn="l">
+              <a:buClr>
+                <a:srgbClr val="0070C0"/>
+              </a:buClr>
+              <a:buSzPct val="80000"/>
+              <a:buFont typeface="Wingdings" pitchFamily="2" charset="2"/>
+              <a:buChar char="u"/>
+            </a:pPr>
+            <a:r>
+              <a:rPr lang="en-US" sz="1800" b="1" dirty="0">
+                <a:solidFill>
+                  <a:srgbClr val="C00000"/>
+                </a:solidFill>
+              </a:rPr>
+              <a:t>Docker Swarm</a:t>
+            </a:r>
+          </a:p>
+          <a:p>
+            <a:pPr marL="342900" indent="-342900" algn="l">
+              <a:buClr>
+                <a:srgbClr val="0070C0"/>
+              </a:buClr>
+              <a:buSzPct val="80000"/>
+              <a:buFont typeface="Wingdings" pitchFamily="2" charset="2"/>
+              <a:buChar char="u"/>
+            </a:pPr>
+            <a:r>
+              <a:rPr lang="en-US" sz="1800" b="1" dirty="0">
+                <a:solidFill>
+                  <a:srgbClr val="C00000"/>
+                </a:solidFill>
+              </a:rPr>
+              <a:t>…therefore, we need something like Docker Swarm or some other orchestration tools.</a:t>
+            </a:r>
+          </a:p>
+          <a:p>
+            <a:pPr marL="342900" indent="-342900" algn="l">
+              <a:buClr>
+                <a:srgbClr val="0070C0"/>
+              </a:buClr>
+              <a:buSzPct val="80000"/>
+              <a:buFont typeface="Wingdings" pitchFamily="2" charset="2"/>
+              <a:buChar char="u"/>
+            </a:pPr>
+            <a:r>
+              <a:rPr lang="en-US" sz="1800" b="1" dirty="0">
+                <a:solidFill>
+                  <a:srgbClr val="C00000"/>
+                </a:solidFill>
+              </a:rPr>
+              <a:t>Other tools can be Kubernetes or Apache Mesos</a:t>
+            </a:r>
+            <a:r>
+              <a:rPr lang="en-US" sz="1800" b="1" dirty="0">
+                <a:solidFill>
+                  <a:schemeClr val="tx1"/>
+                </a:solidFill>
+              </a:rPr>
+              <a:t>.</a:t>
+            </a:r>
+          </a:p>
+          <a:p>
+            <a:pPr marL="342900" indent="-342900" algn="l">
+              <a:buClr>
+                <a:srgbClr val="0070C0"/>
+              </a:buClr>
+              <a:buSzPct val="80000"/>
+              <a:buFont typeface="Wingdings" pitchFamily="2" charset="2"/>
+              <a:buChar char="u"/>
+            </a:pPr>
+            <a:r>
+              <a:rPr lang="en-US" sz="1800" b="1" dirty="0">
+                <a:solidFill>
+                  <a:schemeClr val="tx1"/>
+                </a:solidFill>
+              </a:rPr>
+              <a:t>Kubernetes and Apache Mesos work similarly to Docker Swarm.</a:t>
+            </a:r>
+          </a:p>
+          <a:p>
+            <a:pPr marL="342900" indent="-342900" algn="l">
+              <a:buClr>
+                <a:srgbClr val="0070C0"/>
+              </a:buClr>
+              <a:buSzPct val="80000"/>
+              <a:buFont typeface="Wingdings" pitchFamily="2" charset="2"/>
+              <a:buChar char="u"/>
+            </a:pPr>
+            <a:r>
+              <a:rPr lang="en-US" sz="1800" b="1" dirty="0">
+                <a:solidFill>
+                  <a:schemeClr val="tx1"/>
+                </a:solidFill>
+              </a:rPr>
+              <a:t>These are the orchestration tools that help us in managing and controlling multiple Docker containers as  a single service.</a:t>
+            </a:r>
+          </a:p>
+          <a:p>
+            <a:pPr marL="342900" indent="-342900" algn="l">
+              <a:buClr>
+                <a:srgbClr val="0070C0"/>
+              </a:buClr>
+              <a:buSzPct val="80000"/>
+              <a:buFont typeface="Wingdings" pitchFamily="2" charset="2"/>
+              <a:buChar char="u"/>
+            </a:pPr>
+            <a:r>
+              <a:rPr lang="en-US" sz="1800" b="1" dirty="0">
+                <a:solidFill>
+                  <a:schemeClr val="tx1"/>
+                </a:solidFill>
+              </a:rPr>
+              <a:t>This is what Docker Swarm and what it does.  </a:t>
+            </a:r>
+          </a:p>
+        </p:txBody>
+      </p:sp>
+      <p:sp>
+        <p:nvSpPr>
+          <p:cNvPr id="4" name="標題 1"/>
+          <p:cNvSpPr txBox="1">
+            <a:spLocks/>
+          </p:cNvSpPr>
+          <p:nvPr/>
+        </p:nvSpPr>
+        <p:spPr>
+          <a:xfrm>
+            <a:off x="0" y="764704"/>
+            <a:ext cx="9144000" cy="360040"/>
+          </a:xfrm>
+          <a:prstGeom prst="rect">
+            <a:avLst/>
+          </a:prstGeom>
+          <a:gradFill flip="none" rotWithShape="1">
+            <a:gsLst>
+              <a:gs pos="0">
+                <a:srgbClr val="00B0F0">
+                  <a:shade val="30000"/>
+                  <a:satMod val="115000"/>
+                </a:srgbClr>
+              </a:gs>
+              <a:gs pos="50000">
+                <a:srgbClr val="00B0F0">
+                  <a:shade val="67500"/>
+                  <a:satMod val="115000"/>
+                </a:srgbClr>
+              </a:gs>
+              <a:gs pos="100000">
+                <a:srgbClr val="00B0F0">
+                  <a:shade val="100000"/>
+                  <a:satMod val="115000"/>
+                </a:srgbClr>
+              </a:gs>
+            </a:gsLst>
+            <a:path path="circle">
+              <a:fillToRect t="100000" r="100000"/>
+            </a:path>
+            <a:tileRect l="-100000" b="-100000"/>
+          </a:gradFill>
+        </p:spPr>
+        <p:txBody>
+          <a:bodyPr vert="horz" lIns="91440" tIns="45720" rIns="91440" bIns="45720" rtlCol="0" anchor="ctr">
+            <a:normAutofit/>
+          </a:bodyPr>
+          <a:lstStyle/>
+          <a:p>
+            <a:pPr lvl="0">
+              <a:spcBef>
+                <a:spcPct val="0"/>
+              </a:spcBef>
+            </a:pPr>
+            <a:r>
+              <a:rPr lang="en-US" sz="1600" dirty="0"/>
+              <a:t>https://www.youtube.com/watch?v=Tm0Q5zr3FL4</a:t>
+            </a:r>
+            <a:endParaRPr kumimoji="0" lang="zh-TW" altLang="en-US" sz="1600" b="0" i="0" u="none" strike="noStrike" kern="1200" cap="none" spc="0" normalizeH="0" baseline="0" noProof="0" dirty="0">
+              <a:ln>
+                <a:noFill/>
+              </a:ln>
+              <a:solidFill>
+                <a:schemeClr val="tx1"/>
+              </a:solidFill>
+              <a:effectLst/>
+              <a:uLnTx/>
+              <a:uFillTx/>
+              <a:latin typeface="+mj-lt"/>
+              <a:ea typeface="+mj-ea"/>
+              <a:cs typeface="+mj-cs"/>
+            </a:endParaRPr>
+          </a:p>
+        </p:txBody>
+      </p:sp>
+      <p:sp>
+        <p:nvSpPr>
+          <p:cNvPr id="5" name="日期版面配置區 4"/>
+          <p:cNvSpPr>
+            <a:spLocks noGrp="1"/>
+          </p:cNvSpPr>
+          <p:nvPr>
+            <p:ph type="dt" sz="half" idx="10"/>
+          </p:nvPr>
+        </p:nvSpPr>
+        <p:spPr/>
+        <p:txBody>
+          <a:bodyPr/>
+          <a:lstStyle/>
+          <a:p>
+            <a:fld id="{A4F910E6-8D00-4BAF-8C48-9688E0B449D3}" type="datetime1">
+              <a:rPr lang="zh-TW" altLang="en-US" smtClean="0"/>
+              <a:pPr/>
+              <a:t>2021/12/13</a:t>
+            </a:fld>
+            <a:endParaRPr lang="zh-TW" altLang="en-US"/>
+          </a:p>
+        </p:txBody>
+      </p:sp>
+      <p:sp>
+        <p:nvSpPr>
+          <p:cNvPr id="6" name="投影片編號版面配置區 5"/>
+          <p:cNvSpPr>
+            <a:spLocks noGrp="1"/>
+          </p:cNvSpPr>
+          <p:nvPr>
+            <p:ph type="sldNum" sz="quarter" idx="12"/>
+          </p:nvPr>
+        </p:nvSpPr>
+        <p:spPr/>
+        <p:txBody>
+          <a:bodyPr/>
+          <a:lstStyle/>
+          <a:p>
+            <a:fld id="{E4D7E63D-91F2-4366-A2C4-1B00C9E2590E}" type="slidenum">
+              <a:rPr lang="zh-TW" altLang="en-US" smtClean="0"/>
+              <a:pPr/>
+              <a:t>16</a:t>
             </a:fld>
             <a:endParaRPr lang="zh-TW" altLang="en-US"/>
           </a:p>
@@ -6569,7 +7312,7 @@
 </p:sld>
 </file>
 
-<file path=ppt/slides/slide16.xml><?xml version="1.0" encoding="utf-8"?>
+<file path=ppt/slides/slide17.xml><?xml version="1.0" encoding="utf-8"?>
 <p:sld xmlns:a="http://schemas.openxmlformats.org/drawingml/2006/main" xmlns:r="http://schemas.openxmlformats.org/officeDocument/2006/relationships" xmlns:p="http://schemas.openxmlformats.org/presentationml/2006/main">
   <p:cSld>
     <p:spTree>
@@ -6842,7 +7585,7 @@
             </a:pPr>
             <a:r>
               <a:rPr lang="en-US" sz="1600" dirty="0"/>
-              <a:t>https://www.youtube.com/watch?v=bU2NNFJ-UXA&amp;list=PLhW3qG5bs-L99pQsZ74f-LC-tOEsBp2rK&amp;index=15</a:t>
+              <a:t>https://www.youtube.com/watch?v=Tm0Q5zr3FL4</a:t>
             </a:r>
             <a:endParaRPr kumimoji="0" lang="zh-TW" altLang="en-US" sz="1600" b="0" i="0" u="none" strike="noStrike" kern="1200" cap="none" spc="0" normalizeH="0" baseline="0" noProof="0" dirty="0">
               <a:ln>
@@ -6879,7 +7622,7 @@
             <a:fld id="{A4F910E6-8D00-4BAF-8C48-9688E0B449D3}" type="datetime1">
               <a:rPr lang="zh-TW" altLang="en-US" smtClean="0"/>
               <a:pPr/>
-              <a:t>2021/6/18</a:t>
+              <a:t>2021/12/13</a:t>
             </a:fld>
             <a:endParaRPr lang="zh-TW" altLang="en-US"/>
           </a:p>
@@ -6903,7 +7646,7 @@
             <a:fld id="{E4D7E63D-91F2-4366-A2C4-1B00C9E2590E}" type="slidenum">
               <a:rPr lang="zh-TW" altLang="en-US" smtClean="0"/>
               <a:pPr/>
-              <a:t>16</a:t>
+              <a:t>17</a:t>
             </a:fld>
             <a:endParaRPr lang="zh-TW" altLang="en-US"/>
           </a:p>
@@ -6965,7 +7708,7 @@
 </p:sld>
 </file>
 
-<file path=ppt/slides/slide17.xml><?xml version="1.0" encoding="utf-8"?>
+<file path=ppt/slides/slide18.xml><?xml version="1.0" encoding="utf-8"?>
 <p:sld xmlns:a="http://schemas.openxmlformats.org/drawingml/2006/main" xmlns:r="http://schemas.openxmlformats.org/officeDocument/2006/relationships" xmlns:p="http://schemas.openxmlformats.org/presentationml/2006/main">
   <p:cSld>
     <p:spTree>
@@ -6994,52 +7737,28 @@
         </p:nvSpPr>
         <p:spPr>
           <a:xfrm>
-            <a:off x="0" y="1"/>
-            <a:ext cx="9144000" cy="764704"/>
-          </a:xfrm>
-          <a:gradFill flip="none" rotWithShape="1">
-            <a:gsLst>
-              <a:gs pos="0">
-                <a:srgbClr val="C00000">
-                  <a:shade val="30000"/>
-                  <a:satMod val="115000"/>
-                </a:srgbClr>
-              </a:gs>
-              <a:gs pos="50000">
-                <a:srgbClr val="C00000">
-                  <a:shade val="67500"/>
-                  <a:satMod val="115000"/>
-                </a:srgbClr>
-              </a:gs>
-              <a:gs pos="100000">
-                <a:srgbClr val="C00000">
-                  <a:shade val="100000"/>
-                  <a:satMod val="115000"/>
-                </a:srgbClr>
-              </a:gs>
-            </a:gsLst>
-            <a:path path="circle">
-              <a:fillToRect t="100000" r="100000"/>
-            </a:path>
-            <a:tileRect l="-100000" b="-100000"/>
-          </a:gradFill>
+            <a:off x="0" y="2130425"/>
+            <a:ext cx="9144000" cy="1470025"/>
+          </a:xfrm>
+          <a:solidFill>
+            <a:srgbClr val="00B0F0"/>
+          </a:solidFill>
         </p:spPr>
         <p:txBody>
           <a:bodyPr>
-            <a:normAutofit/>
+            <a:normAutofit fontScale="90000"/>
           </a:bodyPr>
           <a:lstStyle/>
           <a:p>
-            <a:pPr algn="l"/>
-            <a:r>
-              <a:rPr lang="en-US" altLang="zh-TW" sz="4400" b="1" dirty="0">
+            <a:r>
+              <a:rPr lang="en-US" altLang="zh-TW" sz="4800" b="1" dirty="0">
                 <a:solidFill>
                   <a:srgbClr val="FFFF00"/>
                 </a:solidFill>
               </a:rPr>
-              <a:t>15 Docker Swarm</a:t>
-            </a:r>
-            <a:endParaRPr lang="zh-TW" altLang="en-US" b="1" dirty="0">
+              <a:t>15.1 Setup Docker Swarm on Ubuntu</a:t>
+            </a:r>
+            <a:endParaRPr lang="zh-TW" altLang="en-US" sz="4800" b="1" dirty="0">
               <a:solidFill>
                 <a:srgbClr val="FFFF00"/>
               </a:solidFill>
@@ -7049,174 +7768,6 @@
       </p:sp>
       <p:sp>
         <p:nvSpPr>
-          <p:cNvPr id="3" name="副標題 2"/>
-          <p:cNvSpPr>
-            <a:spLocks noGrp="1"/>
-          </p:cNvSpPr>
-          <p:nvPr>
-            <p:ph type="subTitle" idx="1"/>
-          </p:nvPr>
-        </p:nvSpPr>
-        <p:spPr>
-          <a:xfrm>
-            <a:off x="467544" y="1268762"/>
-            <a:ext cx="8064896" cy="792086"/>
-          </a:xfrm>
-          <a:ln>
-            <a:solidFill>
-              <a:srgbClr val="C00000"/>
-            </a:solidFill>
-          </a:ln>
-        </p:spPr>
-        <p:txBody>
-          <a:bodyPr>
-            <a:noAutofit/>
-          </a:bodyPr>
-          <a:lstStyle/>
-          <a:p>
-            <a:pPr marL="342900" indent="-342900" algn="l">
-              <a:buClr>
-                <a:srgbClr val="0070C0"/>
-              </a:buClr>
-              <a:buSzPct val="80000"/>
-              <a:buFont typeface="Wingdings" pitchFamily="2" charset="2"/>
-              <a:buChar char="u"/>
-            </a:pPr>
-            <a:r>
-              <a:rPr lang="en-US" sz="1800" b="1" dirty="0">
-                <a:solidFill>
-                  <a:srgbClr val="C00000"/>
-                </a:solidFill>
-              </a:rPr>
-              <a:t>Docker Swarm</a:t>
-            </a:r>
-          </a:p>
-          <a:p>
-            <a:pPr marL="342900" indent="-342900" algn="l">
-              <a:buClr>
-                <a:srgbClr val="0070C0"/>
-              </a:buClr>
-              <a:buSzPct val="80000"/>
-              <a:buFont typeface="Wingdings" pitchFamily="2" charset="2"/>
-              <a:buChar char="u"/>
-            </a:pPr>
-            <a:r>
-              <a:rPr lang="en-US" sz="1800" b="1" dirty="0">
-                <a:solidFill>
-                  <a:schemeClr val="tx1"/>
-                </a:solidFill>
-              </a:rPr>
-              <a:t>Go to </a:t>
-            </a:r>
-            <a:r>
-              <a:rPr lang="en-US" sz="1800" b="1" dirty="0">
-                <a:solidFill>
-                  <a:schemeClr val="tx1"/>
-                </a:solidFill>
-                <a:hlinkClick r:id="rId2"/>
-              </a:rPr>
-              <a:t>https://docs.docker.com/get-started/swarm-deploy/</a:t>
-            </a:r>
-            <a:endParaRPr lang="en-US" sz="1800" b="1" dirty="0">
-              <a:solidFill>
-                <a:schemeClr val="tx1"/>
-              </a:solidFill>
-            </a:endParaRPr>
-          </a:p>
-          <a:p>
-            <a:pPr marL="342900" indent="-342900" algn="l">
-              <a:buClr>
-                <a:srgbClr val="0070C0"/>
-              </a:buClr>
-              <a:buSzPct val="80000"/>
-              <a:buFont typeface="Wingdings" pitchFamily="2" charset="2"/>
-              <a:buChar char="u"/>
-            </a:pPr>
-            <a:endParaRPr lang="en-US" sz="1800" b="1" dirty="0">
-              <a:solidFill>
-                <a:schemeClr val="tx1"/>
-              </a:solidFill>
-            </a:endParaRPr>
-          </a:p>
-        </p:txBody>
-      </p:sp>
-      <p:sp>
-        <p:nvSpPr>
-          <p:cNvPr id="4" name="標題 1"/>
-          <p:cNvSpPr txBox="1">
-            <a:spLocks/>
-          </p:cNvSpPr>
-          <p:nvPr/>
-        </p:nvSpPr>
-        <p:spPr>
-          <a:xfrm>
-            <a:off x="0" y="764704"/>
-            <a:ext cx="9144000" cy="360040"/>
-          </a:xfrm>
-          <a:prstGeom prst="rect">
-            <a:avLst/>
-          </a:prstGeom>
-          <a:gradFill flip="none" rotWithShape="1">
-            <a:gsLst>
-              <a:gs pos="0">
-                <a:srgbClr val="00B0F0">
-                  <a:shade val="30000"/>
-                  <a:satMod val="115000"/>
-                </a:srgbClr>
-              </a:gs>
-              <a:gs pos="50000">
-                <a:srgbClr val="00B0F0">
-                  <a:shade val="67500"/>
-                  <a:satMod val="115000"/>
-                </a:srgbClr>
-              </a:gs>
-              <a:gs pos="100000">
-                <a:srgbClr val="00B0F0">
-                  <a:shade val="100000"/>
-                  <a:satMod val="115000"/>
-                </a:srgbClr>
-              </a:gs>
-            </a:gsLst>
-            <a:path path="circle">
-              <a:fillToRect t="100000" r="100000"/>
-            </a:path>
-            <a:tileRect l="-100000" b="-100000"/>
-          </a:gradFill>
-        </p:spPr>
-        <p:txBody>
-          <a:bodyPr vert="horz" lIns="91440" tIns="45720" rIns="91440" bIns="45720" rtlCol="0" anchor="ctr">
-            <a:normAutofit/>
-          </a:bodyPr>
-          <a:lstStyle/>
-          <a:p>
-            <a:pPr lvl="0">
-              <a:spcBef>
-                <a:spcPct val="0"/>
-              </a:spcBef>
-            </a:pPr>
-            <a:r>
-              <a:rPr lang="en-US" sz="1600" dirty="0"/>
-              <a:t>https://www.youtube.com/watch?v=bU2NNFJ-UXA&amp;list=PLhW3qG5bs-L99pQsZ74f-LC-tOEsBp2rK&amp;index=15</a:t>
-            </a:r>
-            <a:endParaRPr kumimoji="0" lang="zh-TW" altLang="en-US" sz="1600" b="0" i="0" u="none" strike="noStrike" kern="1200" cap="none" spc="0" normalizeH="0" baseline="0" noProof="0" dirty="0">
-              <a:ln>
-                <a:noFill/>
-              </a:ln>
-              <a:solidFill>
-                <a:schemeClr val="tx1"/>
-              </a:solidFill>
-              <a:effectLst/>
-              <a:uLnTx/>
-              <a:uFillTx/>
-              <a:latin typeface="+mj-lt"/>
-              <a:ea typeface="+mj-ea"/>
-              <a:cs typeface="+mj-cs"/>
-            </a:endParaRPr>
-          </a:p>
-        </p:txBody>
-      </p:sp>
-      <p:sp>
-        <p:nvSpPr>
           <p:cNvPr id="5" name="日期版面配置區 4"/>
           <p:cNvSpPr>
             <a:spLocks noGrp="1"/>
@@ -7230,10 +7781,10 @@
           <a:bodyPr/>
           <a:lstStyle/>
           <a:p>
-            <a:fld id="{A4F910E6-8D00-4BAF-8C48-9688E0B449D3}" type="datetime1">
+            <a:fld id="{C389EDC9-19E3-47AC-9C57-C6A24DEA81AD}" type="datetime1">
               <a:rPr lang="zh-TW" altLang="en-US" smtClean="0"/>
               <a:pPr/>
-              <a:t>2021/6/18</a:t>
+              <a:t>2021/12/13</a:t>
             </a:fld>
             <a:endParaRPr lang="zh-TW" altLang="en-US"/>
           </a:p>
@@ -7257,7 +7808,7 @@
             <a:fld id="{E4D7E63D-91F2-4366-A2C4-1B00C9E2590E}" type="slidenum">
               <a:rPr lang="zh-TW" altLang="en-US" smtClean="0"/>
               <a:pPr/>
-              <a:t>17</a:t>
+              <a:t>18</a:t>
             </a:fld>
             <a:endParaRPr lang="zh-TW" altLang="en-US"/>
           </a:p>
@@ -7265,10 +7816,10 @@
       </p:sp>
       <p:pic>
         <p:nvPicPr>
-          <p:cNvPr id="8" name="Picture 7">
+          <p:cNvPr id="4" name="Picture 3">
             <a:extLst>
               <a:ext uri="{FF2B5EF4-FFF2-40B4-BE49-F238E27FC236}">
-                <a16:creationId xmlns:a16="http://schemas.microsoft.com/office/drawing/2014/main" id="{A997E62E-743A-4F03-AE52-CF4A006F6396}"/>
+                <a16:creationId xmlns:a16="http://schemas.microsoft.com/office/drawing/2014/main" id="{BA95816A-DA60-4F4F-A8F7-8C670708D156}"/>
               </a:ext>
             </a:extLst>
           </p:cNvPr>
@@ -7278,595 +7829,25 @@
           <p:nvPr/>
         </p:nvPicPr>
         <p:blipFill>
-          <a:blip r:embed="rId3"/>
+          <a:blip r:embed="rId2"/>
           <a:stretch>
             <a:fillRect/>
           </a:stretch>
         </p:blipFill>
         <p:spPr>
           <a:xfrm>
-            <a:off x="1331640" y="2132856"/>
-            <a:ext cx="6241089" cy="4025138"/>
+            <a:off x="3707904" y="3717032"/>
+            <a:ext cx="1404739" cy="936493"/>
           </a:xfrm>
           <a:prstGeom prst="rect">
             <a:avLst/>
           </a:prstGeom>
-          <a:ln>
-            <a:solidFill>
-              <a:srgbClr val="C00000"/>
-            </a:solidFill>
-          </a:ln>
         </p:spPr>
       </p:pic>
     </p:spTree>
     <p:extLst>
       <p:ext uri="{BB962C8B-B14F-4D97-AF65-F5344CB8AC3E}">
-        <p14:creationId xmlns:p14="http://schemas.microsoft.com/office/powerpoint/2010/main" val="1140158722"/>
-      </p:ext>
-    </p:extLst>
-  </p:cSld>
-  <p:clrMapOvr>
-    <a:masterClrMapping/>
-  </p:clrMapOvr>
-</p:sld>
-</file>
-
-<file path=ppt/slides/slide18.xml><?xml version="1.0" encoding="utf-8"?>
-<p:sld xmlns:a="http://schemas.openxmlformats.org/drawingml/2006/main" xmlns:r="http://schemas.openxmlformats.org/officeDocument/2006/relationships" xmlns:p="http://schemas.openxmlformats.org/presentationml/2006/main">
-  <p:cSld>
-    <p:bg>
-      <p:bgPr>
-        <a:noFill/>
-        <a:effectLst/>
-      </p:bgPr>
-    </p:bg>
-    <p:spTree>
-      <p:nvGrpSpPr>
-        <p:cNvPr id="1" name=""/>
-        <p:cNvGrpSpPr/>
-        <p:nvPr/>
-      </p:nvGrpSpPr>
-      <p:grpSpPr>
-        <a:xfrm>
-          <a:off x="0" y="0"/>
-          <a:ext cx="0" cy="0"/>
-          <a:chOff x="0" y="0"/>
-          <a:chExt cx="0" cy="0"/>
-        </a:xfrm>
-      </p:grpSpPr>
-      <p:sp>
-        <p:nvSpPr>
-          <p:cNvPr id="2" name="標題 1"/>
-          <p:cNvSpPr>
-            <a:spLocks noGrp="1"/>
-          </p:cNvSpPr>
-          <p:nvPr>
-            <p:ph type="ctrTitle"/>
-          </p:nvPr>
-        </p:nvSpPr>
-        <p:spPr>
-          <a:xfrm>
-            <a:off x="0" y="1"/>
-            <a:ext cx="9144000" cy="764704"/>
-          </a:xfrm>
-          <a:gradFill flip="none" rotWithShape="1">
-            <a:gsLst>
-              <a:gs pos="0">
-                <a:srgbClr val="C00000">
-                  <a:shade val="30000"/>
-                  <a:satMod val="115000"/>
-                </a:srgbClr>
-              </a:gs>
-              <a:gs pos="50000">
-                <a:srgbClr val="C00000">
-                  <a:shade val="67500"/>
-                  <a:satMod val="115000"/>
-                </a:srgbClr>
-              </a:gs>
-              <a:gs pos="100000">
-                <a:srgbClr val="C00000">
-                  <a:shade val="100000"/>
-                  <a:satMod val="115000"/>
-                </a:srgbClr>
-              </a:gs>
-            </a:gsLst>
-            <a:path path="circle">
-              <a:fillToRect t="100000" r="100000"/>
-            </a:path>
-            <a:tileRect l="-100000" b="-100000"/>
-          </a:gradFill>
-        </p:spPr>
-        <p:txBody>
-          <a:bodyPr>
-            <a:normAutofit/>
-          </a:bodyPr>
-          <a:lstStyle/>
-          <a:p>
-            <a:pPr algn="l"/>
-            <a:r>
-              <a:rPr lang="en-US" altLang="zh-TW" sz="4400" b="1" dirty="0">
-                <a:solidFill>
-                  <a:srgbClr val="FFFF00"/>
-                </a:solidFill>
-              </a:rPr>
-              <a:t>15 Docker Swarm</a:t>
-            </a:r>
-            <a:endParaRPr lang="zh-TW" altLang="en-US" b="1" dirty="0">
-              <a:solidFill>
-                <a:srgbClr val="FFFF00"/>
-              </a:solidFill>
-            </a:endParaRPr>
-          </a:p>
-        </p:txBody>
-      </p:sp>
-      <p:sp>
-        <p:nvSpPr>
-          <p:cNvPr id="3" name="副標題 2"/>
-          <p:cNvSpPr>
-            <a:spLocks noGrp="1"/>
-          </p:cNvSpPr>
-          <p:nvPr>
-            <p:ph type="subTitle" idx="1"/>
-          </p:nvPr>
-        </p:nvSpPr>
-        <p:spPr>
-          <a:xfrm>
-            <a:off x="467544" y="1268762"/>
-            <a:ext cx="8064896" cy="4824534"/>
-          </a:xfrm>
-          <a:ln>
-            <a:solidFill>
-              <a:srgbClr val="C00000"/>
-            </a:solidFill>
-          </a:ln>
-        </p:spPr>
-        <p:txBody>
-          <a:bodyPr>
-            <a:noAutofit/>
-          </a:bodyPr>
-          <a:lstStyle/>
-          <a:p>
-            <a:pPr marL="342900" indent="-342900" algn="l">
-              <a:buClr>
-                <a:srgbClr val="0070C0"/>
-              </a:buClr>
-              <a:buSzPct val="80000"/>
-              <a:buFont typeface="Wingdings" pitchFamily="2" charset="2"/>
-              <a:buChar char="u"/>
-            </a:pPr>
-            <a:r>
-              <a:rPr lang="en-US" sz="1800" b="1" dirty="0">
-                <a:solidFill>
-                  <a:srgbClr val="C00000"/>
-                </a:solidFill>
-              </a:rPr>
-              <a:t>Install Docker Machine for Windows or Macs</a:t>
-            </a:r>
-          </a:p>
-          <a:p>
-            <a:pPr marL="342900" indent="-342900" algn="l">
-              <a:buClr>
-                <a:srgbClr val="0070C0"/>
-              </a:buClr>
-              <a:buSzPct val="80000"/>
-              <a:buFont typeface="Wingdings" pitchFamily="2" charset="2"/>
-              <a:buChar char="u"/>
-            </a:pPr>
-            <a:r>
-              <a:rPr lang="en-US" sz="1800" b="1" dirty="0">
-                <a:solidFill>
-                  <a:srgbClr val="C00000"/>
-                </a:solidFill>
-              </a:rPr>
-              <a:t>What is difference between the Docker (command-line) and Docker Machine?</a:t>
-            </a:r>
-          </a:p>
-          <a:p>
-            <a:pPr marL="342900" indent="-342900" algn="l">
-              <a:buClr>
-                <a:srgbClr val="0070C0"/>
-              </a:buClr>
-              <a:buSzPct val="80000"/>
-              <a:buFont typeface="Wingdings" pitchFamily="2" charset="2"/>
-              <a:buChar char="u"/>
-            </a:pPr>
-            <a:r>
-              <a:rPr lang="en-US" sz="1800" b="1" dirty="0">
-                <a:solidFill>
-                  <a:schemeClr val="tx1"/>
-                </a:solidFill>
-                <a:hlinkClick r:id="rId2"/>
-              </a:rPr>
-              <a:t>https://stackoverflow.com/questions/38623027/what-is-the-difference-between-docker-machine-and-docker-compose</a:t>
-            </a:r>
-            <a:endParaRPr lang="en-US" sz="1800" b="1" dirty="0">
-              <a:solidFill>
-                <a:srgbClr val="C00000"/>
-              </a:solidFill>
-            </a:endParaRPr>
-          </a:p>
-          <a:p>
-            <a:pPr marL="342900" indent="-342900" algn="l">
-              <a:buClr>
-                <a:srgbClr val="0070C0"/>
-              </a:buClr>
-              <a:buSzPct val="80000"/>
-              <a:buFont typeface="Wingdings" pitchFamily="2" charset="2"/>
-              <a:buChar char="u"/>
-            </a:pPr>
-            <a:r>
-              <a:rPr kumimoji="0" lang="en-US" altLang="en-US" sz="1800" b="0" i="1" u="none" strike="noStrike" cap="none" normalizeH="0" baseline="0" dirty="0">
-                <a:ln>
-                  <a:noFill/>
-                </a:ln>
-                <a:solidFill>
-                  <a:srgbClr val="242729"/>
-                </a:solidFill>
-                <a:effectLst/>
-                <a:latin typeface="inherit"/>
-              </a:rPr>
-              <a:t>Docker</a:t>
-            </a:r>
-            <a:r>
-              <a:rPr kumimoji="0" lang="en-US" altLang="en-US" sz="1800" b="0" i="0" u="none" strike="noStrike" cap="none" normalizeH="0" baseline="0" dirty="0">
-                <a:ln>
-                  <a:noFill/>
-                </a:ln>
-                <a:solidFill>
-                  <a:srgbClr val="242729"/>
-                </a:solidFill>
-                <a:effectLst/>
-                <a:latin typeface="inherit"/>
-              </a:rPr>
-              <a:t> is the command-line tool that uses </a:t>
-            </a:r>
-            <a:r>
-              <a:rPr kumimoji="0" lang="en-US" altLang="en-US" sz="1800" b="0" i="0" u="sng" strike="noStrike" cap="none" normalizeH="0" baseline="0" dirty="0">
-                <a:ln>
-                  <a:noFill/>
-                </a:ln>
-                <a:solidFill>
-                  <a:srgbClr val="242729"/>
-                </a:solidFill>
-                <a:effectLst/>
-                <a:latin typeface="inherit"/>
-                <a:hlinkClick r:id="rId3"/>
-              </a:rPr>
-              <a:t>containerization</a:t>
-            </a:r>
-            <a:r>
-              <a:rPr kumimoji="0" lang="en-US" altLang="en-US" sz="1800" b="0" i="0" u="none" strike="noStrike" cap="none" normalizeH="0" baseline="0" dirty="0">
-                <a:ln>
-                  <a:noFill/>
-                </a:ln>
-                <a:solidFill>
-                  <a:srgbClr val="242729"/>
-                </a:solidFill>
-                <a:effectLst/>
-                <a:latin typeface="inherit"/>
-              </a:rPr>
-              <a:t> to manage multiple images and containers and volumes and such -- a container is basically a lightweight virtual machine. See </a:t>
-            </a:r>
-            <a:r>
-              <a:rPr kumimoji="0" lang="en-US" altLang="en-US" sz="1800" b="0" i="0" u="sng" strike="noStrike" cap="none" normalizeH="0" baseline="0" dirty="0">
-                <a:ln>
-                  <a:noFill/>
-                </a:ln>
-                <a:solidFill>
-                  <a:srgbClr val="242729"/>
-                </a:solidFill>
-                <a:effectLst/>
-                <a:latin typeface="inherit"/>
-                <a:hlinkClick r:id="rId4"/>
-              </a:rPr>
-              <a:t>https://docs.docker.com/</a:t>
-            </a:r>
-            <a:r>
-              <a:rPr kumimoji="0" lang="en-US" altLang="en-US" sz="1800" b="0" i="0" u="none" strike="noStrike" cap="none" normalizeH="0" baseline="0" dirty="0">
-                <a:ln>
-                  <a:noFill/>
-                </a:ln>
-                <a:solidFill>
-                  <a:srgbClr val="242729"/>
-                </a:solidFill>
-                <a:effectLst/>
-                <a:latin typeface="inherit"/>
-              </a:rPr>
-              <a:t> for extensive documentation.</a:t>
-            </a:r>
-            <a:endParaRPr lang="en-US" altLang="en-US" sz="1800" dirty="0">
-              <a:solidFill>
-                <a:srgbClr val="242729"/>
-              </a:solidFill>
-              <a:latin typeface="var(--theme-question-body-font-family)"/>
-            </a:endParaRPr>
-          </a:p>
-          <a:p>
-            <a:pPr marL="342900" indent="-342900" algn="l">
-              <a:buClr>
-                <a:srgbClr val="0070C0"/>
-              </a:buClr>
-              <a:buSzPct val="80000"/>
-              <a:buFont typeface="Wingdings" pitchFamily="2" charset="2"/>
-              <a:buChar char="u"/>
-            </a:pPr>
-            <a:r>
-              <a:rPr kumimoji="0" lang="en-US" altLang="en-US" sz="1800" b="0" i="0" u="none" strike="noStrike" cap="none" normalizeH="0" baseline="0" dirty="0">
-                <a:ln>
-                  <a:noFill/>
-                </a:ln>
-                <a:solidFill>
-                  <a:srgbClr val="242729"/>
-                </a:solidFill>
-                <a:effectLst/>
-                <a:latin typeface="inherit"/>
-              </a:rPr>
-              <a:t>Until recently Docker didn't run on native Mac or Windows OS, so another tool was created, </a:t>
-            </a:r>
-            <a:r>
-              <a:rPr kumimoji="0" lang="en-US" altLang="en-US" sz="1800" b="0" i="1" u="none" strike="noStrike" cap="none" normalizeH="0" baseline="0" dirty="0">
-                <a:ln>
-                  <a:noFill/>
-                </a:ln>
-                <a:solidFill>
-                  <a:srgbClr val="242729"/>
-                </a:solidFill>
-                <a:effectLst/>
-                <a:latin typeface="inherit"/>
-              </a:rPr>
-              <a:t>Docker-Machine</a:t>
-            </a:r>
-            <a:r>
-              <a:rPr kumimoji="0" lang="en-US" altLang="en-US" sz="1800" b="0" i="0" u="none" strike="noStrike" cap="none" normalizeH="0" baseline="0" dirty="0">
-                <a:ln>
-                  <a:noFill/>
-                </a:ln>
-                <a:solidFill>
-                  <a:srgbClr val="242729"/>
-                </a:solidFill>
-                <a:effectLst/>
-                <a:latin typeface="inherit"/>
-              </a:rPr>
-              <a:t>, which creates a virtual machine (using yet another tool, e.g. </a:t>
-            </a:r>
-            <a:r>
-              <a:rPr kumimoji="0" lang="en-US" altLang="en-US" sz="1800" b="0" i="1" u="none" strike="noStrike" cap="none" normalizeH="0" baseline="0" dirty="0">
-                <a:ln>
-                  <a:noFill/>
-                </a:ln>
-                <a:solidFill>
-                  <a:srgbClr val="242729"/>
-                </a:solidFill>
-                <a:effectLst/>
-                <a:latin typeface="inherit"/>
-              </a:rPr>
-              <a:t>Oracle VirtualBox</a:t>
-            </a:r>
-            <a:r>
-              <a:rPr kumimoji="0" lang="en-US" altLang="en-US" sz="1800" b="0" i="0" u="none" strike="noStrike" cap="none" normalizeH="0" baseline="0" dirty="0">
-                <a:ln>
-                  <a:noFill/>
-                </a:ln>
-                <a:solidFill>
-                  <a:srgbClr val="242729"/>
-                </a:solidFill>
-                <a:effectLst/>
-                <a:latin typeface="inherit"/>
-              </a:rPr>
-              <a:t>), runs Docker on that VM, and helps coordinate between the host OS and the Docker VM. </a:t>
-            </a:r>
-          </a:p>
-          <a:p>
-            <a:pPr marL="342900" indent="-342900" algn="l">
-              <a:buClr>
-                <a:srgbClr val="0070C0"/>
-              </a:buClr>
-              <a:buSzPct val="80000"/>
-              <a:buFont typeface="Wingdings" pitchFamily="2" charset="2"/>
-              <a:buChar char="u"/>
-            </a:pPr>
-            <a:r>
-              <a:rPr kumimoji="0" lang="en-US" altLang="en-US" sz="1800" b="0" i="0" u="none" strike="noStrike" cap="none" normalizeH="0" baseline="0" dirty="0">
-                <a:ln>
-                  <a:noFill/>
-                </a:ln>
-                <a:solidFill>
-                  <a:srgbClr val="242729"/>
-                </a:solidFill>
-                <a:effectLst/>
-                <a:latin typeface="inherit"/>
-              </a:rPr>
-              <a:t>Since Docker isn't running on your actual host OS, </a:t>
-            </a:r>
-            <a:r>
-              <a:rPr kumimoji="0" lang="en-US" altLang="en-US" sz="1800" b="0" i="1" u="none" strike="noStrike" cap="none" normalizeH="0" baseline="0" dirty="0">
-                <a:ln>
-                  <a:noFill/>
-                </a:ln>
-                <a:solidFill>
-                  <a:srgbClr val="242729"/>
-                </a:solidFill>
-                <a:effectLst/>
-                <a:latin typeface="inherit"/>
-              </a:rPr>
-              <a:t>docker-machine</a:t>
-            </a:r>
-            <a:r>
-              <a:rPr kumimoji="0" lang="en-US" altLang="en-US" sz="1800" b="0" i="0" u="none" strike="noStrike" cap="none" normalizeH="0" baseline="0" dirty="0">
-                <a:ln>
-                  <a:noFill/>
-                </a:ln>
-                <a:solidFill>
-                  <a:srgbClr val="242729"/>
-                </a:solidFill>
-                <a:effectLst/>
-                <a:latin typeface="inherit"/>
-              </a:rPr>
-              <a:t> needs to deal with IP addresses and ports and volumes and such. </a:t>
-            </a:r>
-          </a:p>
-          <a:p>
-            <a:pPr marL="342900" indent="-342900" algn="l">
-              <a:buClr>
-                <a:srgbClr val="0070C0"/>
-              </a:buClr>
-              <a:buSzPct val="80000"/>
-              <a:buFont typeface="Wingdings" pitchFamily="2" charset="2"/>
-              <a:buChar char="u"/>
-            </a:pPr>
-            <a:r>
-              <a:rPr kumimoji="0" lang="en-US" altLang="en-US" sz="1800" b="0" i="0" u="none" strike="noStrike" cap="none" normalizeH="0" baseline="0" dirty="0">
-                <a:ln>
-                  <a:noFill/>
-                </a:ln>
-                <a:solidFill>
-                  <a:srgbClr val="242729"/>
-                </a:solidFill>
-                <a:effectLst/>
-                <a:latin typeface="inherit"/>
-              </a:rPr>
-              <a:t>And its settings are saved in environment variables, which means you have to run commands like this every time you open a new shell.</a:t>
-            </a:r>
-            <a:endParaRPr kumimoji="0" lang="en-US" altLang="en-US" sz="3200" b="0" i="0" u="none" strike="noStrike" cap="none" normalizeH="0" baseline="0" dirty="0">
-              <a:ln>
-                <a:noFill/>
-              </a:ln>
-              <a:solidFill>
-                <a:schemeClr val="tx1"/>
-              </a:solidFill>
-              <a:effectLst/>
-              <a:latin typeface="Arial" panose="020B0604020202020204" pitchFamily="34" charset="0"/>
-            </a:endParaRPr>
-          </a:p>
-        </p:txBody>
-      </p:sp>
-      <p:sp>
-        <p:nvSpPr>
-          <p:cNvPr id="4" name="標題 1"/>
-          <p:cNvSpPr txBox="1">
-            <a:spLocks/>
-          </p:cNvSpPr>
-          <p:nvPr/>
-        </p:nvSpPr>
-        <p:spPr>
-          <a:xfrm>
-            <a:off x="0" y="764704"/>
-            <a:ext cx="9144000" cy="360040"/>
-          </a:xfrm>
-          <a:prstGeom prst="rect">
-            <a:avLst/>
-          </a:prstGeom>
-          <a:gradFill flip="none" rotWithShape="1">
-            <a:gsLst>
-              <a:gs pos="0">
-                <a:srgbClr val="00B0F0">
-                  <a:shade val="30000"/>
-                  <a:satMod val="115000"/>
-                </a:srgbClr>
-              </a:gs>
-              <a:gs pos="50000">
-                <a:srgbClr val="00B0F0">
-                  <a:shade val="67500"/>
-                  <a:satMod val="115000"/>
-                </a:srgbClr>
-              </a:gs>
-              <a:gs pos="100000">
-                <a:srgbClr val="00B0F0">
-                  <a:shade val="100000"/>
-                  <a:satMod val="115000"/>
-                </a:srgbClr>
-              </a:gs>
-            </a:gsLst>
-            <a:path path="circle">
-              <a:fillToRect t="100000" r="100000"/>
-            </a:path>
-            <a:tileRect l="-100000" b="-100000"/>
-          </a:gradFill>
-        </p:spPr>
-        <p:txBody>
-          <a:bodyPr vert="horz" lIns="91440" tIns="45720" rIns="91440" bIns="45720" rtlCol="0" anchor="ctr">
-            <a:normAutofit/>
-          </a:bodyPr>
-          <a:lstStyle/>
-          <a:p>
-            <a:pPr lvl="0">
-              <a:spcBef>
-                <a:spcPct val="0"/>
-              </a:spcBef>
-            </a:pPr>
-            <a:r>
-              <a:rPr lang="en-US" sz="1600" dirty="0"/>
-              <a:t>https://www.youtube.com/watch?v=bU2NNFJ-UXA&amp;list=PLhW3qG5bs-L99pQsZ74f-LC-tOEsBp2rK&amp;index=15</a:t>
-            </a:r>
-            <a:endParaRPr kumimoji="0" lang="zh-TW" altLang="en-US" sz="1600" b="0" i="0" u="none" strike="noStrike" kern="1200" cap="none" spc="0" normalizeH="0" baseline="0" noProof="0" dirty="0">
-              <a:ln>
-                <a:noFill/>
-              </a:ln>
-              <a:solidFill>
-                <a:schemeClr val="tx1"/>
-              </a:solidFill>
-              <a:effectLst/>
-              <a:uLnTx/>
-              <a:uFillTx/>
-              <a:latin typeface="+mj-lt"/>
-              <a:ea typeface="+mj-ea"/>
-              <a:cs typeface="+mj-cs"/>
-            </a:endParaRPr>
-          </a:p>
-        </p:txBody>
-      </p:sp>
-      <p:sp>
-        <p:nvSpPr>
-          <p:cNvPr id="5" name="日期版面配置區 4"/>
-          <p:cNvSpPr>
-            <a:spLocks noGrp="1"/>
-          </p:cNvSpPr>
-          <p:nvPr>
-            <p:ph type="dt" sz="half" idx="10"/>
-          </p:nvPr>
-        </p:nvSpPr>
-        <p:spPr/>
-        <p:txBody>
-          <a:bodyPr/>
-          <a:lstStyle/>
-          <a:p>
-            <a:fld id="{A4F910E6-8D00-4BAF-8C48-9688E0B449D3}" type="datetime1">
-              <a:rPr lang="zh-TW" altLang="en-US" smtClean="0"/>
-              <a:pPr/>
-              <a:t>2021/6/18</a:t>
-            </a:fld>
-            <a:endParaRPr lang="zh-TW" altLang="en-US"/>
-          </a:p>
-        </p:txBody>
-      </p:sp>
-      <p:sp>
-        <p:nvSpPr>
-          <p:cNvPr id="6" name="投影片編號版面配置區 5"/>
-          <p:cNvSpPr>
-            <a:spLocks noGrp="1"/>
-          </p:cNvSpPr>
-          <p:nvPr>
-            <p:ph type="sldNum" sz="quarter" idx="12"/>
-          </p:nvPr>
-        </p:nvSpPr>
-        <p:spPr/>
-        <p:txBody>
-          <a:bodyPr/>
-          <a:lstStyle/>
-          <a:p>
-            <a:fld id="{E4D7E63D-91F2-4366-A2C4-1B00C9E2590E}" type="slidenum">
-              <a:rPr lang="zh-TW" altLang="en-US" smtClean="0"/>
-              <a:pPr/>
-              <a:t>18</a:t>
-            </a:fld>
-            <a:endParaRPr lang="zh-TW" altLang="en-US"/>
-          </a:p>
-        </p:txBody>
-      </p:sp>
-    </p:spTree>
-    <p:extLst>
-      <p:ext uri="{BB962C8B-B14F-4D97-AF65-F5344CB8AC3E}">
-        <p14:creationId xmlns:p14="http://schemas.microsoft.com/office/powerpoint/2010/main" val="398542814"/>
+        <p14:creationId xmlns:p14="http://schemas.microsoft.com/office/powerpoint/2010/main" val="1650175897"/>
       </p:ext>
     </p:extLst>
   </p:cSld>
@@ -7948,7 +7929,7 @@
                   <a:srgbClr val="FFFF00"/>
                 </a:solidFill>
               </a:rPr>
-              <a:t>15 Docker Swarm</a:t>
+              <a:t>15.1 Setup Docker Swarm on Ubuntu</a:t>
             </a:r>
             <a:endParaRPr lang="zh-TW" altLang="en-US" b="1" dirty="0">
               <a:solidFill>
@@ -7970,8 +7951,8 @@
         </p:nvSpPr>
         <p:spPr>
           <a:xfrm>
-            <a:off x="467544" y="1268762"/>
-            <a:ext cx="8064896" cy="1224134"/>
+            <a:off x="323528" y="1268760"/>
+            <a:ext cx="8064896" cy="1368152"/>
           </a:xfrm>
           <a:ln>
             <a:solidFill>
@@ -7999,7 +7980,7 @@
                   <a:srgbClr val="C00000"/>
                 </a:solidFill>
               </a:rPr>
-              <a:t>Install Docker Machine for Windows or Macs</a:t>
+              <a:t>Setup Docker Swarm on Ubuntu</a:t>
             </a:r>
           </a:p>
           <a:p>
@@ -8017,22 +7998,8 @@
                   <a:schemeClr val="tx1"/>
                 </a:solidFill>
               </a:rPr>
-              <a:t>Go to </a:t>
-            </a:r>
-            <a:r>
-              <a:rPr lang="en-US" sz="1800" b="1" dirty="0">
-                <a:solidFill>
-                  <a:srgbClr val="C00000"/>
-                </a:solidFill>
-                <a:hlinkClick r:id="rId2"/>
-              </a:rPr>
-              <a:t>https://docs.docker.com/machine/install-machine/</a:t>
-            </a:r>
-            <a:endParaRPr lang="en-US" sz="1800" b="1" dirty="0">
-              <a:solidFill>
-                <a:srgbClr val="C00000"/>
-              </a:solidFill>
-            </a:endParaRPr>
+              <a:t>First, create two virtual machines: One manager and one worker.</a:t>
+            </a:r>
           </a:p>
           <a:p>
             <a:pPr marL="342900" indent="-342900" algn="l">
@@ -8049,7 +8016,25 @@
                   <a:schemeClr val="tx1"/>
                 </a:solidFill>
               </a:rPr>
-              <a:t>If you do not have Docker Machine on Windows and Macs, you can install it from here.</a:t>
+              <a:t>1. Manager </a:t>
+            </a:r>
+          </a:p>
+          <a:p>
+            <a:pPr marL="342900" indent="-342900" algn="l">
+              <a:buClr>
+                <a:srgbClr val="0070C0"/>
+              </a:buClr>
+              <a:buSzPct val="80000"/>
+              <a:buFont typeface="Wingdings" pitchFamily="2" charset="2"/>
+              <a:buChar char="u"/>
+            </a:pPr>
+            <a:r>
+              <a:rPr lang="en-US" sz="1800" b="1" dirty="0">
+                <a:solidFill>
+                  <a:schemeClr val="tx1"/>
+                </a:solidFill>
+              </a:rPr>
+              <a:t>2. Worker</a:t>
             </a:r>
           </a:p>
         </p:txBody>
@@ -8110,7 +8095,7 @@
             </a:pPr>
             <a:r>
               <a:rPr lang="en-US" sz="1600" dirty="0"/>
-              <a:t>https://www.youtube.com/watch?v=bU2NNFJ-UXA&amp;list=PLhW3qG5bs-L99pQsZ74f-LC-tOEsBp2rK&amp;index=15</a:t>
+              <a:t>https://computingforgeeks.com/how-to-install-docker-swarm-on-ubuntu/</a:t>
             </a:r>
             <a:endParaRPr kumimoji="0" lang="zh-TW" altLang="en-US" sz="1600" b="0" i="0" u="none" strike="noStrike" kern="1200" cap="none" spc="0" normalizeH="0" baseline="0" noProof="0" dirty="0">
               <a:ln>
@@ -8147,7 +8132,7 @@
             <a:fld id="{A4F910E6-8D00-4BAF-8C48-9688E0B449D3}" type="datetime1">
               <a:rPr lang="zh-TW" altLang="en-US" smtClean="0"/>
               <a:pPr/>
-              <a:t>2021/6/18</a:t>
+              <a:t>2021/12/13</a:t>
             </a:fld>
             <a:endParaRPr lang="zh-TW" altLang="en-US"/>
           </a:p>
@@ -8179,10 +8164,10 @@
       </p:sp>
       <p:pic>
         <p:nvPicPr>
-          <p:cNvPr id="13" name="Picture 12">
+          <p:cNvPr id="12" name="Picture 11">
             <a:extLst>
               <a:ext uri="{FF2B5EF4-FFF2-40B4-BE49-F238E27FC236}">
-                <a16:creationId xmlns:a16="http://schemas.microsoft.com/office/drawing/2014/main" id="{E2EBC2AF-D75D-4CA5-8AD4-CB477DCEC174}"/>
+                <a16:creationId xmlns:a16="http://schemas.microsoft.com/office/drawing/2014/main" id="{9B2F38A2-FF82-4A46-9C32-7B9020037C4C}"/>
               </a:ext>
             </a:extLst>
           </p:cNvPr>
@@ -8192,15 +8177,15 @@
           <p:nvPr/>
         </p:nvPicPr>
         <p:blipFill>
-          <a:blip r:embed="rId3"/>
+          <a:blip r:embed="rId2"/>
           <a:stretch>
             <a:fillRect/>
           </a:stretch>
         </p:blipFill>
         <p:spPr>
           <a:xfrm>
-            <a:off x="2195736" y="2636912"/>
-            <a:ext cx="4707510" cy="4511611"/>
+            <a:off x="954354" y="2736448"/>
+            <a:ext cx="6803243" cy="3607145"/>
           </a:xfrm>
           <a:prstGeom prst="rect">
             <a:avLst/>
@@ -8215,7 +8200,7 @@
     </p:spTree>
     <p:extLst>
       <p:ext uri="{BB962C8B-B14F-4D97-AF65-F5344CB8AC3E}">
-        <p14:creationId xmlns:p14="http://schemas.microsoft.com/office/powerpoint/2010/main" val="3488759231"/>
+        <p14:creationId xmlns:p14="http://schemas.microsoft.com/office/powerpoint/2010/main" val="2612471058"/>
       </p:ext>
     </p:extLst>
   </p:cSld>
@@ -8381,7 +8366,7 @@
             <a:r>
               <a:rPr lang="en-US" sz="1800" b="1" dirty="0">
                 <a:solidFill>
-                  <a:schemeClr val="tx1"/>
+                  <a:srgbClr val="C00000"/>
                 </a:solidFill>
               </a:rPr>
               <a:t>1. What is Docker Swarm?</a:t>
@@ -8399,7 +8384,7 @@
             <a:r>
               <a:rPr lang="en-US" sz="1800" b="1" dirty="0">
                 <a:solidFill>
-                  <a:schemeClr val="tx1"/>
+                  <a:srgbClr val="C00000"/>
                 </a:solidFill>
               </a:rPr>
               <a:t>2. Why to Use it?</a:t>
@@ -8417,7 +8402,7 @@
             <a:r>
               <a:rPr lang="en-US" sz="1800" b="1" dirty="0">
                 <a:solidFill>
-                  <a:schemeClr val="tx1"/>
+                  <a:srgbClr val="C00000"/>
                 </a:solidFill>
               </a:rPr>
               <a:t>3. How to create and manage Docker Swarm?</a:t>
@@ -8435,7 +8420,7 @@
             <a:r>
               <a:rPr lang="en-US" sz="1800" b="1" dirty="0">
                 <a:solidFill>
-                  <a:schemeClr val="tx1"/>
+                  <a:srgbClr val="C00000"/>
                 </a:solidFill>
               </a:rPr>
               <a:t>4. Scaling Services up and Down</a:t>
@@ -8453,7 +8438,7 @@
             <a:r>
               <a:rPr lang="en-US" sz="1800" b="1" dirty="0">
                 <a:solidFill>
-                  <a:schemeClr val="tx1"/>
+                  <a:srgbClr val="C00000"/>
                 </a:solidFill>
               </a:rPr>
               <a:t>5. Features/Helpful tips</a:t>
@@ -8570,7 +8555,7 @@
             </a:pPr>
             <a:r>
               <a:rPr lang="en-US" sz="1600" dirty="0"/>
-              <a:t>https://www.youtube.com/watch?v=bU2NNFJ-UXA&amp;list=PLhW3qG5bs-L99pQsZ74f-LC-tOEsBp2rK&amp;index=15</a:t>
+              <a:t>https://www.youtube.com/watch?v=Tm0Q5zr3FL4</a:t>
             </a:r>
             <a:endParaRPr kumimoji="0" lang="zh-TW" altLang="en-US" sz="1600" b="0" i="0" u="none" strike="noStrike" kern="1200" cap="none" spc="0" normalizeH="0" baseline="0" noProof="0" dirty="0">
               <a:ln>
@@ -8607,7 +8592,7 @@
             <a:fld id="{A4F910E6-8D00-4BAF-8C48-9688E0B449D3}" type="datetime1">
               <a:rPr lang="zh-TW" altLang="en-US" smtClean="0"/>
               <a:pPr/>
-              <a:t>2021/6/18</a:t>
+              <a:t>2021/12/13</a:t>
             </a:fld>
             <a:endParaRPr lang="zh-TW" altLang="en-US"/>
           </a:p>
@@ -8757,7 +8742,7 @@
                   <a:srgbClr val="FFFF00"/>
                 </a:solidFill>
               </a:rPr>
-              <a:t>15 Docker Swarm</a:t>
+              <a:t>15.1 Setup Docker Swarm on Ubuntu</a:t>
             </a:r>
             <a:endParaRPr lang="zh-TW" altLang="en-US" b="1" dirty="0">
               <a:solidFill>
@@ -8779,8 +8764,8 @@
         </p:nvSpPr>
         <p:spPr>
           <a:xfrm>
-            <a:off x="467544" y="1268762"/>
-            <a:ext cx="8064896" cy="2664294"/>
+            <a:off x="323528" y="1268760"/>
+            <a:ext cx="8064896" cy="792088"/>
           </a:xfrm>
           <a:ln>
             <a:solidFill>
@@ -8808,7 +8793,7 @@
                   <a:srgbClr val="C00000"/>
                 </a:solidFill>
               </a:rPr>
-              <a:t>Install Docker Machine for Windows or Macs</a:t>
+              <a:t>Setup Docker Swarm on Ubuntu</a:t>
             </a:r>
           </a:p>
           <a:p>
@@ -8826,97 +8811,7 @@
                   <a:schemeClr val="tx1"/>
                 </a:solidFill>
               </a:rPr>
-              <a:t>Open the terminal</a:t>
-            </a:r>
-          </a:p>
-          <a:p>
-            <a:pPr marL="342900" indent="-342900" algn="l">
-              <a:buClr>
-                <a:srgbClr val="0070C0"/>
-              </a:buClr>
-              <a:buSzPct val="80000"/>
-              <a:buFont typeface="Wingdings" pitchFamily="2" charset="2"/>
-              <a:buChar char="u"/>
-            </a:pPr>
-            <a:r>
-              <a:rPr lang="en-US" sz="1800" b="1" dirty="0">
-                <a:solidFill>
-                  <a:schemeClr val="tx1"/>
-                </a:solidFill>
-              </a:rPr>
-              <a:t>1. Check for docker version:</a:t>
-            </a:r>
-          </a:p>
-          <a:p>
-            <a:pPr marL="342900" indent="-342900" algn="l">
-              <a:buClr>
-                <a:srgbClr val="0070C0"/>
-              </a:buClr>
-              <a:buSzPct val="80000"/>
-              <a:buFont typeface="Wingdings" pitchFamily="2" charset="2"/>
-              <a:buChar char="u"/>
-            </a:pPr>
-            <a:r>
-              <a:rPr lang="en-US" sz="1800" b="1" dirty="0">
-                <a:solidFill>
-                  <a:schemeClr val="tx1"/>
-                </a:solidFill>
-              </a:rPr>
-              <a:t>&gt; docker -v</a:t>
-            </a:r>
-          </a:p>
-          <a:p>
-            <a:pPr marL="342900" indent="-342900" algn="l">
-              <a:buClr>
-                <a:srgbClr val="0070C0"/>
-              </a:buClr>
-              <a:buSzPct val="80000"/>
-              <a:buFont typeface="Wingdings" pitchFamily="2" charset="2"/>
-              <a:buChar char="u"/>
-            </a:pPr>
-            <a:r>
-              <a:rPr lang="en-US" sz="1800" b="1" dirty="0">
-                <a:solidFill>
-                  <a:schemeClr val="tx1"/>
-                </a:solidFill>
-              </a:rPr>
-              <a:t>2. check for Docker machine:</a:t>
-            </a:r>
-          </a:p>
-          <a:p>
-            <a:pPr marL="342900" indent="-342900" algn="l">
-              <a:buClr>
-                <a:srgbClr val="0070C0"/>
-              </a:buClr>
-              <a:buSzPct val="80000"/>
-              <a:buFont typeface="Wingdings" pitchFamily="2" charset="2"/>
-              <a:buChar char="u"/>
-            </a:pPr>
-            <a:r>
-              <a:rPr lang="en-US" sz="1800" b="1" dirty="0">
-                <a:solidFill>
-                  <a:schemeClr val="tx1"/>
-                </a:solidFill>
-              </a:rPr>
-              <a:t>&gt; docker-machine -v</a:t>
-            </a:r>
-          </a:p>
-          <a:p>
-            <a:pPr marL="342900" indent="-342900" algn="l">
-              <a:buClr>
-                <a:srgbClr val="0070C0"/>
-              </a:buClr>
-              <a:buSzPct val="80000"/>
-              <a:buFont typeface="Wingdings" pitchFamily="2" charset="2"/>
-              <a:buChar char="u"/>
-            </a:pPr>
-            <a:r>
-              <a:rPr lang="en-US" sz="1800" b="1" dirty="0">
-                <a:solidFill>
-                  <a:schemeClr val="tx1"/>
-                </a:solidFill>
-              </a:rPr>
-              <a:t>If you dot have the Docker Machine on Windows or Macs, install the Docker Machine first.</a:t>
+              <a:t>Run the Manager on Ubuntu</a:t>
             </a:r>
           </a:p>
         </p:txBody>
@@ -8977,7 +8872,7 @@
             </a:pPr>
             <a:r>
               <a:rPr lang="en-US" sz="1600" dirty="0"/>
-              <a:t>https://www.youtube.com/watch?v=bU2NNFJ-UXA&amp;list=PLhW3qG5bs-L99pQsZ74f-LC-tOEsBp2rK&amp;index=15</a:t>
+              <a:t>https://computingforgeeks.com/how-to-install-docker-swarm-on-ubuntu/</a:t>
             </a:r>
             <a:endParaRPr kumimoji="0" lang="zh-TW" altLang="en-US" sz="1600" b="0" i="0" u="none" strike="noStrike" kern="1200" cap="none" spc="0" normalizeH="0" baseline="0" noProof="0" dirty="0">
               <a:ln>
@@ -9014,7 +8909,7 @@
             <a:fld id="{A4F910E6-8D00-4BAF-8C48-9688E0B449D3}" type="datetime1">
               <a:rPr lang="zh-TW" altLang="en-US" smtClean="0"/>
               <a:pPr/>
-              <a:t>2021/6/18</a:t>
+              <a:t>2021/12/13</a:t>
             </a:fld>
             <a:endParaRPr lang="zh-TW" altLang="en-US"/>
           </a:p>
@@ -9049,7 +8944,7 @@
           <p:cNvPr id="8" name="Picture 7">
             <a:extLst>
               <a:ext uri="{FF2B5EF4-FFF2-40B4-BE49-F238E27FC236}">
-                <a16:creationId xmlns:a16="http://schemas.microsoft.com/office/drawing/2014/main" id="{1CD54E10-10F9-4BB5-B2A2-27094B668691}"/>
+                <a16:creationId xmlns:a16="http://schemas.microsoft.com/office/drawing/2014/main" id="{9FA9862F-C724-441C-AF42-8B76F65DC455}"/>
               </a:ext>
             </a:extLst>
           </p:cNvPr>
@@ -9066,8 +8961,8 @@
         </p:blipFill>
         <p:spPr>
           <a:xfrm>
-            <a:off x="1403648" y="4149080"/>
-            <a:ext cx="5991225" cy="1181100"/>
+            <a:off x="863588" y="2081063"/>
+            <a:ext cx="6984776" cy="4012233"/>
           </a:xfrm>
           <a:prstGeom prst="rect">
             <a:avLst/>
@@ -9079,10 +8974,62 @@
           </a:ln>
         </p:spPr>
       </p:pic>
+      <p:sp>
+        <p:nvSpPr>
+          <p:cNvPr id="7" name="Rectangle 6">
+            <a:extLst>
+              <a:ext uri="{FF2B5EF4-FFF2-40B4-BE49-F238E27FC236}">
+                <a16:creationId xmlns:a16="http://schemas.microsoft.com/office/drawing/2014/main" id="{3CD25589-B0A3-49F0-AAB3-89916DA1C2AC}"/>
+              </a:ext>
+            </a:extLst>
+          </p:cNvPr>
+          <p:cNvSpPr/>
+          <p:nvPr/>
+        </p:nvSpPr>
+        <p:spPr>
+          <a:xfrm>
+            <a:off x="1043608" y="2420888"/>
+            <a:ext cx="2880320" cy="504056"/>
+          </a:xfrm>
+          <a:prstGeom prst="rect">
+            <a:avLst/>
+          </a:prstGeom>
+          <a:noFill/>
+          <a:ln>
+            <a:solidFill>
+              <a:srgbClr val="C00000"/>
+            </a:solidFill>
+          </a:ln>
+        </p:spPr>
+        <p:style>
+          <a:lnRef idx="2">
+            <a:schemeClr val="accent1">
+              <a:shade val="50000"/>
+            </a:schemeClr>
+          </a:lnRef>
+          <a:fillRef idx="1">
+            <a:schemeClr val="accent1"/>
+          </a:fillRef>
+          <a:effectRef idx="0">
+            <a:schemeClr val="accent1"/>
+          </a:effectRef>
+          <a:fontRef idx="minor">
+            <a:schemeClr val="lt1"/>
+          </a:fontRef>
+        </p:style>
+        <p:txBody>
+          <a:bodyPr rtlCol="0" anchor="ctr"/>
+          <a:lstStyle/>
+          <a:p>
+            <a:pPr algn="ctr"/>
+            <a:endParaRPr lang="en-US"/>
+          </a:p>
+        </p:txBody>
+      </p:sp>
     </p:spTree>
     <p:extLst>
       <p:ext uri="{BB962C8B-B14F-4D97-AF65-F5344CB8AC3E}">
-        <p14:creationId xmlns:p14="http://schemas.microsoft.com/office/powerpoint/2010/main" val="1009336732"/>
+        <p14:creationId xmlns:p14="http://schemas.microsoft.com/office/powerpoint/2010/main" val="3483908720"/>
       </p:ext>
     </p:extLst>
   </p:cSld>
@@ -9164,7 +9111,7 @@
                   <a:srgbClr val="FFFF00"/>
                 </a:solidFill>
               </a:rPr>
-              <a:t>15 Docker Swarm</a:t>
+              <a:t>15.1 Setup Docker Swarm on Ubuntu</a:t>
             </a:r>
             <a:endParaRPr lang="zh-TW" altLang="en-US" b="1" dirty="0">
               <a:solidFill>
@@ -9186,8 +9133,8 @@
         </p:nvSpPr>
         <p:spPr>
           <a:xfrm>
-            <a:off x="467544" y="1268762"/>
-            <a:ext cx="8064896" cy="1872206"/>
+            <a:off x="323528" y="1268758"/>
+            <a:ext cx="8064896" cy="1512169"/>
           </a:xfrm>
           <a:ln>
             <a:solidFill>
@@ -9215,7 +9162,7 @@
                   <a:srgbClr val="C00000"/>
                 </a:solidFill>
               </a:rPr>
-              <a:t>Install Docker Machine for Windows or Macs</a:t>
+              <a:t>Setup Docker Swarm on Ubuntu</a:t>
             </a:r>
           </a:p>
           <a:p>
@@ -9233,7 +9180,7 @@
                   <a:schemeClr val="tx1"/>
                 </a:solidFill>
               </a:rPr>
-              <a:t>For Linux, remove the exiting Docker-machine </a:t>
+              <a:t>On the manager machine.</a:t>
             </a:r>
           </a:p>
           <a:p>
@@ -9250,15 +9197,25 @@
                 <a:solidFill>
                   <a:schemeClr val="tx1"/>
                 </a:solidFill>
-                <a:hlinkClick r:id="rId2"/>
               </a:rPr>
-              <a:t>https://docs.docker.com/machine/install-machine/</a:t>
-            </a:r>
-            <a:endParaRPr lang="en-US" sz="1800" b="1" dirty="0">
-              <a:solidFill>
-                <a:schemeClr val="tx1"/>
-              </a:solidFill>
-            </a:endParaRPr>
+              <a:t>&gt; sudo docker swarm init –advertise-</a:t>
+            </a:r>
+            <a:r>
+              <a:rPr lang="en-US" sz="1800" b="1" dirty="0" err="1">
+                <a:solidFill>
+                  <a:schemeClr val="tx1"/>
+                </a:solidFill>
+              </a:rPr>
+              <a:t>addr</a:t>
+            </a:r>
+            <a:r>
+              <a:rPr lang="en-US" sz="1800" b="1" dirty="0">
+                <a:solidFill>
+                  <a:schemeClr val="tx1"/>
+                </a:solidFill>
+              </a:rPr>
+              <a:t> 192.168.2.151</a:t>
+            </a:r>
           </a:p>
           <a:p>
             <a:pPr marL="342900" indent="-342900" algn="l">
@@ -9270,101 +9227,13 @@
               <a:buChar char="u"/>
             </a:pPr>
             <a:r>
-              <a:rPr kumimoji="0" lang="en-US" altLang="en-US" sz="1800" b="1" i="0" u="none" strike="noStrike" cap="none" normalizeH="0" baseline="0" dirty="0">
-                <a:ln>
-                  <a:noFill/>
-                </a:ln>
+              <a:rPr lang="en-US" sz="1800" b="1" dirty="0">
                 <a:solidFill>
                   <a:schemeClr val="tx1"/>
                 </a:solidFill>
-                <a:effectLst/>
               </a:rPr>
-              <a:t>1. </a:t>
-            </a:r>
-            <a:r>
-              <a:rPr kumimoji="0" lang="en-US" altLang="en-US" sz="1800" b="1" i="0" u="none" strike="noStrike" cap="none" normalizeH="0" baseline="0" dirty="0">
-                <a:ln>
-                  <a:noFill/>
-                </a:ln>
-                <a:solidFill>
-                  <a:srgbClr val="24292E"/>
-                </a:solidFill>
-                <a:effectLst/>
-              </a:rPr>
-              <a:t>Remove docker, installed via snap</a:t>
-            </a:r>
-            <a:r>
-              <a:rPr kumimoji="0" lang="en-US" altLang="en-US" sz="1800" b="0" i="0" u="none" strike="noStrike" cap="none" normalizeH="0" baseline="0" dirty="0">
-                <a:ln>
-                  <a:noFill/>
-                </a:ln>
-                <a:solidFill>
-                  <a:srgbClr val="24292E"/>
-                </a:solidFill>
-                <a:effectLst/>
-              </a:rPr>
-              <a:t>: sudo snap remove docker.</a:t>
-            </a:r>
-          </a:p>
-          <a:p>
-            <a:pPr marL="342900" indent="-342900" algn="l">
-              <a:buClr>
-                <a:srgbClr val="0070C0"/>
-              </a:buClr>
-              <a:buSzPct val="80000"/>
-              <a:buFont typeface="Wingdings" pitchFamily="2" charset="2"/>
-              <a:buChar char="u"/>
-            </a:pPr>
-            <a:r>
-              <a:rPr lang="en-US" sz="1800" dirty="0">
-                <a:solidFill>
-                  <a:srgbClr val="24292E"/>
-                </a:solidFill>
-              </a:rPr>
-              <a:t>2. </a:t>
-            </a:r>
-            <a:r>
-              <a:rPr lang="en-US" sz="1800" b="0" i="0" dirty="0">
-                <a:solidFill>
-                  <a:srgbClr val="24292E"/>
-                </a:solidFill>
-                <a:effectLst/>
-              </a:rPr>
-              <a:t>Install docker-machine with </a:t>
-            </a:r>
-            <a:r>
-              <a:rPr lang="en-US" sz="1800" b="1" i="0" dirty="0">
-                <a:solidFill>
-                  <a:srgbClr val="24292E"/>
-                </a:solidFill>
-                <a:effectLst/>
-              </a:rPr>
-              <a:t>official instructions</a:t>
-            </a:r>
-            <a:r>
-              <a:rPr lang="en-US" sz="1800" b="0" i="0" dirty="0">
-                <a:solidFill>
-                  <a:srgbClr val="24292E"/>
-                </a:solidFill>
-                <a:effectLst/>
-              </a:rPr>
-              <a:t>: </a:t>
-            </a:r>
-            <a:r>
-              <a:rPr lang="en-US" sz="1800" b="0" i="0" u="sng" dirty="0">
-                <a:solidFill>
-                  <a:srgbClr val="24292E"/>
-                </a:solidFill>
-                <a:effectLst/>
-                <a:hlinkClick r:id="rId2"/>
-              </a:rPr>
-              <a:t>https://docs.docker.com/machine/install-machine/</a:t>
-            </a:r>
-            <a:endParaRPr lang="en-US" sz="1800" b="1" dirty="0">
-              <a:solidFill>
-                <a:schemeClr val="tx1"/>
-              </a:solidFill>
-            </a:endParaRPr>
+              <a:t>We use the IP address: 192.168.2.151 for the network we are connecting to.</a:t>
+            </a:r>
           </a:p>
         </p:txBody>
       </p:sp>
@@ -9424,7 +9293,7 @@
             </a:pPr>
             <a:r>
               <a:rPr lang="en-US" sz="1600" dirty="0"/>
-              <a:t>https://www.youtube.com/watch?v=bU2NNFJ-UXA&amp;list=PLhW3qG5bs-L99pQsZ74f-LC-tOEsBp2rK&amp;index=15</a:t>
+              <a:t>https://computingforgeeks.com/how-to-install-docker-swarm-on-ubuntu/</a:t>
             </a:r>
             <a:endParaRPr kumimoji="0" lang="zh-TW" altLang="en-US" sz="1600" b="0" i="0" u="none" strike="noStrike" kern="1200" cap="none" spc="0" normalizeH="0" baseline="0" noProof="0" dirty="0">
               <a:ln>
@@ -9461,7 +9330,7 @@
             <a:fld id="{A4F910E6-8D00-4BAF-8C48-9688E0B449D3}" type="datetime1">
               <a:rPr lang="zh-TW" altLang="en-US" smtClean="0"/>
               <a:pPr/>
-              <a:t>2021/6/18</a:t>
+              <a:t>2021/12/13</a:t>
             </a:fld>
             <a:endParaRPr lang="zh-TW" altLang="en-US"/>
           </a:p>
@@ -9493,10 +9362,10 @@
       </p:sp>
       <p:pic>
         <p:nvPicPr>
-          <p:cNvPr id="11" name="Picture 10">
+          <p:cNvPr id="8" name="Picture 7">
             <a:extLst>
               <a:ext uri="{FF2B5EF4-FFF2-40B4-BE49-F238E27FC236}">
-                <a16:creationId xmlns:a16="http://schemas.microsoft.com/office/drawing/2014/main" id="{8A479A15-C8D1-4D87-BA7F-23FBB3C4721E}"/>
+                <a16:creationId xmlns:a16="http://schemas.microsoft.com/office/drawing/2014/main" id="{C3B305E6-2D09-4118-993A-B0A58237DA0E}"/>
               </a:ext>
             </a:extLst>
           </p:cNvPr>
@@ -9506,15 +9375,15 @@
           <p:nvPr/>
         </p:nvPicPr>
         <p:blipFill>
-          <a:blip r:embed="rId3"/>
+          <a:blip r:embed="rId2"/>
           <a:stretch>
             <a:fillRect/>
           </a:stretch>
         </p:blipFill>
         <p:spPr>
           <a:xfrm>
-            <a:off x="755576" y="3284984"/>
-            <a:ext cx="7286253" cy="2064293"/>
+            <a:off x="1043608" y="2913538"/>
+            <a:ext cx="6553200" cy="3419475"/>
           </a:xfrm>
           <a:prstGeom prst="rect">
             <a:avLst/>
@@ -9529,7 +9398,7 @@
     </p:spTree>
     <p:extLst>
       <p:ext uri="{BB962C8B-B14F-4D97-AF65-F5344CB8AC3E}">
-        <p14:creationId xmlns:p14="http://schemas.microsoft.com/office/powerpoint/2010/main" val="895584140"/>
+        <p14:creationId xmlns:p14="http://schemas.microsoft.com/office/powerpoint/2010/main" val="3325366921"/>
       </p:ext>
     </p:extLst>
   </p:cSld>
@@ -9611,7 +9480,7 @@
                   <a:srgbClr val="FFFF00"/>
                 </a:solidFill>
               </a:rPr>
-              <a:t>15 Docker Swarm</a:t>
+              <a:t>15.1 Setup Docker Swarm on Ubuntu</a:t>
             </a:r>
             <a:endParaRPr lang="zh-TW" altLang="en-US" b="1" dirty="0">
               <a:solidFill>
@@ -9633,8 +9502,8 @@
         </p:nvSpPr>
         <p:spPr>
           <a:xfrm>
-            <a:off x="467544" y="1268762"/>
-            <a:ext cx="8064896" cy="1944214"/>
+            <a:off x="323528" y="1268759"/>
+            <a:ext cx="8064896" cy="1080121"/>
           </a:xfrm>
           <a:ln>
             <a:solidFill>
@@ -9662,7 +9531,7 @@
                   <a:srgbClr val="C00000"/>
                 </a:solidFill>
               </a:rPr>
-              <a:t>Install Docker-machine on Linux:</a:t>
+              <a:t>Setup Docker Swarm on Ubuntu</a:t>
             </a:r>
           </a:p>
           <a:p>
@@ -9679,15 +9548,9 @@
                 <a:solidFill>
                   <a:schemeClr val="tx1"/>
                 </a:solidFill>
-                <a:hlinkClick r:id="rId2"/>
               </a:rPr>
-              <a:t>https://stackoverflow.com/questions/56842036/docker-machine-looks-for-files-in-the-wrong-path</a:t>
-            </a:r>
-            <a:endParaRPr lang="en-US" sz="1800" b="1" dirty="0">
-              <a:solidFill>
-                <a:srgbClr val="C00000"/>
-              </a:solidFill>
-            </a:endParaRPr>
+              <a:t>Enter the password.</a:t>
+            </a:r>
           </a:p>
           <a:p>
             <a:pPr marL="342900" indent="-342900" algn="l">
@@ -9704,75 +9567,7 @@
                   <a:schemeClr val="tx1"/>
                 </a:solidFill>
               </a:rPr>
-              <a:t>Docker machine install the wrong path /</a:t>
-            </a:r>
-            <a:r>
-              <a:rPr lang="en-US" sz="1800" b="1" dirty="0" err="1">
-                <a:solidFill>
-                  <a:schemeClr val="tx1"/>
-                </a:solidFill>
-              </a:rPr>
-              <a:t>usr</a:t>
-            </a:r>
-            <a:r>
-              <a:rPr lang="en-US" sz="1800" b="1" dirty="0">
-                <a:solidFill>
-                  <a:schemeClr val="tx1"/>
-                </a:solidFill>
-              </a:rPr>
-              <a:t>/local/bin.</a:t>
-            </a:r>
-          </a:p>
-          <a:p>
-            <a:pPr marL="342900" indent="-342900" algn="l">
-              <a:buClr>
-                <a:srgbClr val="0070C0"/>
-              </a:buClr>
-              <a:buSzPct val="80000"/>
-              <a:buFont typeface="Wingdings" pitchFamily="2" charset="2"/>
-              <a:buChar char="u"/>
-            </a:pPr>
-            <a:r>
-              <a:rPr lang="en-US" sz="1800" b="1" dirty="0">
-                <a:solidFill>
-                  <a:schemeClr val="tx1"/>
-                </a:solidFill>
-              </a:rPr>
-              <a:t>Use the following command after the installation.</a:t>
-            </a:r>
-          </a:p>
-          <a:p>
-            <a:pPr marL="342900" indent="-342900" algn="l">
-              <a:buClr>
-                <a:srgbClr val="0070C0"/>
-              </a:buClr>
-              <a:buSzPct val="80000"/>
-              <a:buFont typeface="Wingdings" pitchFamily="2" charset="2"/>
-              <a:buChar char="u"/>
-            </a:pPr>
-            <a:r>
-              <a:rPr lang="en-US" sz="1800" b="1" dirty="0">
-                <a:solidFill>
-                  <a:schemeClr val="tx1"/>
-                </a:solidFill>
-              </a:rPr>
-              <a:t>&gt; sudo ln /</a:t>
-            </a:r>
-            <a:r>
-              <a:rPr lang="en-US" sz="1800" b="1" dirty="0" err="1">
-                <a:solidFill>
-                  <a:schemeClr val="tx1"/>
-                </a:solidFill>
-              </a:rPr>
-              <a:t>usr</a:t>
-            </a:r>
-            <a:r>
-              <a:rPr lang="en-US" sz="1800" b="1" dirty="0">
-                <a:solidFill>
-                  <a:schemeClr val="tx1"/>
-                </a:solidFill>
-              </a:rPr>
-              <a:t>/local/bin/docker-machine /snap/bin/docker-machine</a:t>
+              <a:t>Here we are connected.</a:t>
             </a:r>
           </a:p>
         </p:txBody>
@@ -9833,7 +9628,7 @@
             </a:pPr>
             <a:r>
               <a:rPr lang="en-US" sz="1600" dirty="0"/>
-              <a:t>https://www.youtube.com/watch?v=bU2NNFJ-UXA&amp;list=PLhW3qG5bs-L99pQsZ74f-LC-tOEsBp2rK&amp;index=15</a:t>
+              <a:t>https://computingforgeeks.com/how-to-install-docker-swarm-on-ubuntu/</a:t>
             </a:r>
             <a:endParaRPr kumimoji="0" lang="zh-TW" altLang="en-US" sz="1600" b="0" i="0" u="none" strike="noStrike" kern="1200" cap="none" spc="0" normalizeH="0" baseline="0" noProof="0" dirty="0">
               <a:ln>
@@ -9870,7 +9665,7 @@
             <a:fld id="{A4F910E6-8D00-4BAF-8C48-9688E0B449D3}" type="datetime1">
               <a:rPr lang="zh-TW" altLang="en-US" smtClean="0"/>
               <a:pPr/>
-              <a:t>2021/6/18</a:t>
+              <a:t>2021/12/13</a:t>
             </a:fld>
             <a:endParaRPr lang="zh-TW" altLang="en-US"/>
           </a:p>
@@ -9902,10 +9697,10 @@
       </p:sp>
       <p:pic>
         <p:nvPicPr>
-          <p:cNvPr id="8" name="Picture 7">
+          <p:cNvPr id="9" name="Picture 8">
             <a:extLst>
               <a:ext uri="{FF2B5EF4-FFF2-40B4-BE49-F238E27FC236}">
-                <a16:creationId xmlns:a16="http://schemas.microsoft.com/office/drawing/2014/main" id="{9A6FCB5B-658A-4A8B-AD64-D3CB8643B07B}"/>
+                <a16:creationId xmlns:a16="http://schemas.microsoft.com/office/drawing/2014/main" id="{EE79DEFB-7997-4E90-BD95-A5F479344473}"/>
               </a:ext>
             </a:extLst>
           </p:cNvPr>
@@ -9915,15 +9710,15 @@
           <p:nvPr/>
         </p:nvPicPr>
         <p:blipFill>
-          <a:blip r:embed="rId3"/>
+          <a:blip r:embed="rId2"/>
           <a:stretch>
             <a:fillRect/>
           </a:stretch>
         </p:blipFill>
         <p:spPr>
           <a:xfrm>
-            <a:off x="611560" y="3573016"/>
-            <a:ext cx="7905750" cy="809625"/>
+            <a:off x="457200" y="2492895"/>
+            <a:ext cx="7919864" cy="2822679"/>
           </a:xfrm>
           <a:prstGeom prst="rect">
             <a:avLst/>
@@ -9938,7 +9733,7 @@
     </p:spTree>
     <p:extLst>
       <p:ext uri="{BB962C8B-B14F-4D97-AF65-F5344CB8AC3E}">
-        <p14:creationId xmlns:p14="http://schemas.microsoft.com/office/powerpoint/2010/main" val="2240945967"/>
+        <p14:creationId xmlns:p14="http://schemas.microsoft.com/office/powerpoint/2010/main" val="3593085110"/>
       </p:ext>
     </p:extLst>
   </p:cSld>
@@ -10020,7 +9815,7 @@
                   <a:srgbClr val="FFFF00"/>
                 </a:solidFill>
               </a:rPr>
-              <a:t>15 Docker Swarm</a:t>
+              <a:t>15.1 Setup Docker Swarm on Ubuntu</a:t>
             </a:r>
             <a:endParaRPr lang="zh-TW" altLang="en-US" b="1" dirty="0">
               <a:solidFill>
@@ -10042,8 +9837,8 @@
         </p:nvSpPr>
         <p:spPr>
           <a:xfrm>
-            <a:off x="467544" y="1268762"/>
-            <a:ext cx="8280920" cy="2088230"/>
+            <a:off x="323528" y="1268759"/>
+            <a:ext cx="8064896" cy="1296145"/>
           </a:xfrm>
           <a:ln>
             <a:solidFill>
@@ -10071,7 +9866,7 @@
                   <a:srgbClr val="C00000"/>
                 </a:solidFill>
               </a:rPr>
-              <a:t>Install Docker-machine on Linux:</a:t>
+              <a:t>Setup Docker Swarm on Ubuntu (11:08/15:41)</a:t>
             </a:r>
           </a:p>
           <a:p>
@@ -10088,15 +9883,9 @@
                 <a:solidFill>
                   <a:schemeClr val="tx1"/>
                 </a:solidFill>
-                <a:hlinkClick r:id="rId2"/>
               </a:rPr>
-              <a:t>https://www.youtube.com/watch?v=RG4Y8ZYbuEU</a:t>
-            </a:r>
-            <a:endParaRPr lang="en-US" sz="1800" b="1" dirty="0">
-              <a:solidFill>
-                <a:schemeClr val="tx1"/>
-              </a:solidFill>
-            </a:endParaRPr>
+              <a:t>This is the manager node.</a:t>
+            </a:r>
           </a:p>
           <a:p>
             <a:pPr marL="342900" indent="-342900" algn="l">
@@ -10113,61 +9902,7 @@
                   <a:schemeClr val="tx1"/>
                 </a:solidFill>
               </a:rPr>
-              <a:t>Turn on Virtualization.</a:t>
-            </a:r>
-          </a:p>
-          <a:p>
-            <a:pPr marL="342900" indent="-342900" algn="l">
-              <a:buClr>
-                <a:srgbClr val="0070C0"/>
-              </a:buClr>
-              <a:buSzPct val="80000"/>
-              <a:buFont typeface="Wingdings" pitchFamily="2" charset="2"/>
-              <a:buChar char="u"/>
-            </a:pPr>
-            <a:r>
-              <a:rPr lang="en-US" sz="1800" b="1" dirty="0">
-                <a:solidFill>
-                  <a:schemeClr val="tx1"/>
-                </a:solidFill>
-              </a:rPr>
-              <a:t>&gt; Start &gt; Settings &gt;  Update &amp; Security</a:t>
-            </a:r>
-          </a:p>
-          <a:p>
-            <a:pPr marL="342900" indent="-342900" algn="l">
-              <a:buClr>
-                <a:srgbClr val="0070C0"/>
-              </a:buClr>
-              <a:buSzPct val="80000"/>
-              <a:buFont typeface="Wingdings" pitchFamily="2" charset="2"/>
-              <a:buChar char="u"/>
-            </a:pPr>
-            <a:r>
-              <a:rPr lang="en-US" sz="1800" b="1" dirty="0">
-                <a:solidFill>
-                  <a:schemeClr val="tx1"/>
-                </a:solidFill>
-              </a:rPr>
-              <a:t>&gt; Recovery</a:t>
-            </a:r>
-          </a:p>
-          <a:p>
-            <a:pPr marL="342900" indent="-342900" algn="l">
-              <a:buClr>
-                <a:srgbClr val="0070C0"/>
-              </a:buClr>
-              <a:buSzPct val="80000"/>
-              <a:buFont typeface="Wingdings" pitchFamily="2" charset="2"/>
-              <a:buChar char="u"/>
-            </a:pPr>
-            <a:r>
-              <a:rPr lang="en-US" sz="1800" b="1" dirty="0">
-                <a:solidFill>
-                  <a:schemeClr val="tx1"/>
-                </a:solidFill>
-              </a:rPr>
-              <a:t>&gt;Advanced start &gt; Restart now</a:t>
+              <a:t>…and what we want to be able to highlight is the specific token which identifies the docker swarm environment and this is our token.</a:t>
             </a:r>
           </a:p>
         </p:txBody>
@@ -10228,7 +9963,7 @@
             </a:pPr>
             <a:r>
               <a:rPr lang="en-US" sz="1600" dirty="0"/>
-              <a:t>https://www.youtube.com/watch?v=bU2NNFJ-UXA&amp;list=PLhW3qG5bs-L99pQsZ74f-LC-tOEsBp2rK&amp;index=15</a:t>
+              <a:t>https://computingforgeeks.com/how-to-install-docker-swarm-on-ubuntu/</a:t>
             </a:r>
             <a:endParaRPr kumimoji="0" lang="zh-TW" altLang="en-US" sz="1600" b="0" i="0" u="none" strike="noStrike" kern="1200" cap="none" spc="0" normalizeH="0" baseline="0" noProof="0" dirty="0">
               <a:ln>
@@ -10265,7 +10000,7 @@
             <a:fld id="{A4F910E6-8D00-4BAF-8C48-9688E0B449D3}" type="datetime1">
               <a:rPr lang="zh-TW" altLang="en-US" smtClean="0"/>
               <a:pPr/>
-              <a:t>2021/6/18</a:t>
+              <a:t>2021/12/13</a:t>
             </a:fld>
             <a:endParaRPr lang="zh-TW" altLang="en-US"/>
           </a:p>
@@ -10300,7 +10035,7 @@
           <p:cNvPr id="8" name="Picture 7">
             <a:extLst>
               <a:ext uri="{FF2B5EF4-FFF2-40B4-BE49-F238E27FC236}">
-                <a16:creationId xmlns:a16="http://schemas.microsoft.com/office/drawing/2014/main" id="{B9B0ABBD-7198-4046-A4FE-83F88F46E029}"/>
+                <a16:creationId xmlns:a16="http://schemas.microsoft.com/office/drawing/2014/main" id="{AD74867D-A412-48FA-8C96-6CE0D5B28A97}"/>
               </a:ext>
             </a:extLst>
           </p:cNvPr>
@@ -10310,22 +10045,19 @@
           <p:nvPr/>
         </p:nvPicPr>
         <p:blipFill>
-          <a:blip r:embed="rId3"/>
+          <a:blip r:embed="rId2"/>
           <a:stretch>
             <a:fillRect/>
           </a:stretch>
         </p:blipFill>
         <p:spPr>
           <a:xfrm>
-            <a:off x="395536" y="3501008"/>
-            <a:ext cx="3037912" cy="2820054"/>
+            <a:off x="621904" y="3229851"/>
+            <a:ext cx="8064896" cy="2852321"/>
           </a:xfrm>
           <a:prstGeom prst="rect">
             <a:avLst/>
           </a:prstGeom>
-          <a:solidFill>
-            <a:schemeClr val="accent2"/>
-          </a:solidFill>
           <a:ln>
             <a:solidFill>
               <a:srgbClr val="C00000"/>
@@ -10338,7 +10070,7 @@
           <p:cNvPr id="10" name="Rectangle 9">
             <a:extLst>
               <a:ext uri="{FF2B5EF4-FFF2-40B4-BE49-F238E27FC236}">
-                <a16:creationId xmlns:a16="http://schemas.microsoft.com/office/drawing/2014/main" id="{604184AA-72B2-457F-A2AA-FF539E9EDDBF}"/>
+                <a16:creationId xmlns:a16="http://schemas.microsoft.com/office/drawing/2014/main" id="{39729D04-7902-46A6-9C6C-096AD8B3C664}"/>
               </a:ext>
             </a:extLst>
           </p:cNvPr>
@@ -10347,8 +10079,8 @@
         </p:nvSpPr>
         <p:spPr>
           <a:xfrm>
-            <a:off x="1619672" y="5373216"/>
-            <a:ext cx="1800200" cy="936104"/>
+            <a:off x="755576" y="3970756"/>
+            <a:ext cx="4968552" cy="288032"/>
           </a:xfrm>
           <a:prstGeom prst="rect">
             <a:avLst/>
@@ -10388,7 +10120,7 @@
     </p:spTree>
     <p:extLst>
       <p:ext uri="{BB962C8B-B14F-4D97-AF65-F5344CB8AC3E}">
-        <p14:creationId xmlns:p14="http://schemas.microsoft.com/office/powerpoint/2010/main" val="1400183391"/>
+        <p14:creationId xmlns:p14="http://schemas.microsoft.com/office/powerpoint/2010/main" val="2169394774"/>
       </p:ext>
     </p:extLst>
   </p:cSld>
@@ -10415,6 +10147,36 @@
           <a:chExt cx="0" cy="0"/>
         </a:xfrm>
       </p:grpSpPr>
+      <p:pic>
+        <p:nvPicPr>
+          <p:cNvPr id="9" name="Picture 8">
+            <a:extLst>
+              <a:ext uri="{FF2B5EF4-FFF2-40B4-BE49-F238E27FC236}">
+                <a16:creationId xmlns:a16="http://schemas.microsoft.com/office/drawing/2014/main" id="{226D6D51-39BA-431D-A299-9DE858E6A353}"/>
+              </a:ext>
+            </a:extLst>
+          </p:cNvPr>
+          <p:cNvPicPr>
+            <a:picLocks noChangeAspect="1"/>
+          </p:cNvPicPr>
+          <p:nvPr/>
+        </p:nvPicPr>
+        <p:blipFill>
+          <a:blip r:embed="rId2"/>
+          <a:stretch>
+            <a:fillRect/>
+          </a:stretch>
+        </p:blipFill>
+        <p:spPr>
+          <a:xfrm>
+            <a:off x="225696" y="2258601"/>
+            <a:ext cx="8567936" cy="3007230"/>
+          </a:xfrm>
+          <a:prstGeom prst="rect">
+            <a:avLst/>
+          </a:prstGeom>
+        </p:spPr>
+      </p:pic>
       <p:sp>
         <p:nvSpPr>
           <p:cNvPr id="2" name="標題 1"/>
@@ -10470,7 +10232,7 @@
                   <a:srgbClr val="FFFF00"/>
                 </a:solidFill>
               </a:rPr>
-              <a:t>15 Docker Swarm</a:t>
+              <a:t>15.1 Setup Docker Swarm on Ubuntu</a:t>
             </a:r>
             <a:endParaRPr lang="zh-TW" altLang="en-US" b="1" dirty="0">
               <a:solidFill>
@@ -10492,8 +10254,8 @@
         </p:nvSpPr>
         <p:spPr>
           <a:xfrm>
-            <a:off x="467544" y="1268762"/>
-            <a:ext cx="8280920" cy="2016222"/>
+            <a:off x="323528" y="1268759"/>
+            <a:ext cx="8064896" cy="882368"/>
           </a:xfrm>
           <a:ln>
             <a:solidFill>
@@ -10521,7 +10283,7 @@
                   <a:srgbClr val="C00000"/>
                 </a:solidFill>
               </a:rPr>
-              <a:t>Install Docker-machine on Linux:</a:t>
+              <a:t>Setup Docker Swarm on Ubuntu (11:20/15:41)</a:t>
             </a:r>
           </a:p>
           <a:p>
@@ -10538,86 +10300,8 @@
                 <a:solidFill>
                   <a:schemeClr val="tx1"/>
                 </a:solidFill>
-                <a:hlinkClick r:id="rId2"/>
               </a:rPr>
-              <a:t>https://www.youtube.com/watch?v=RG4Y8ZYbuEU</a:t>
-            </a:r>
-            <a:endParaRPr lang="en-US" sz="1800" b="1" dirty="0">
-              <a:solidFill>
-                <a:schemeClr val="tx1"/>
-              </a:solidFill>
-            </a:endParaRPr>
-          </a:p>
-          <a:p>
-            <a:pPr marL="342900" indent="-342900" algn="l">
-              <a:buClr>
-                <a:srgbClr val="0070C0"/>
-              </a:buClr>
-              <a:buSzPct val="80000"/>
-              <a:buFont typeface="Wingdings" pitchFamily="2" charset="2"/>
-              <a:buChar char="u"/>
-            </a:pPr>
-            <a:r>
-              <a:rPr lang="en-US" sz="1800" b="1" dirty="0">
-                <a:solidFill>
-                  <a:schemeClr val="tx1"/>
-                </a:solidFill>
-              </a:rPr>
-              <a:t>Restart computer</a:t>
-            </a:r>
-          </a:p>
-          <a:p>
-            <a:pPr marL="342900" indent="-342900" algn="l">
-              <a:buClr>
-                <a:srgbClr val="0070C0"/>
-              </a:buClr>
-              <a:buSzPct val="80000"/>
-              <a:buFont typeface="Wingdings" pitchFamily="2" charset="2"/>
-              <a:buChar char="u"/>
-            </a:pPr>
-            <a:r>
-              <a:rPr lang="en-US" sz="1800" b="1" dirty="0">
-                <a:solidFill>
-                  <a:schemeClr val="tx1"/>
-                </a:solidFill>
-              </a:rPr>
-              <a:t>&gt; Trouble Shooting </a:t>
-            </a:r>
-          </a:p>
-          <a:p>
-            <a:pPr marL="342900" indent="-342900" algn="l">
-              <a:buClr>
-                <a:srgbClr val="0070C0"/>
-              </a:buClr>
-              <a:buSzPct val="80000"/>
-              <a:buFont typeface="Wingdings" pitchFamily="2" charset="2"/>
-              <a:buChar char="u"/>
-            </a:pPr>
-            <a:r>
-              <a:rPr lang="en-US" sz="1800" b="1" dirty="0">
-                <a:solidFill>
-                  <a:schemeClr val="tx1"/>
-                </a:solidFill>
-              </a:rPr>
-              <a:t>&gt; Advanced options</a:t>
-            </a:r>
-          </a:p>
-          <a:p>
-            <a:pPr marL="342900" indent="-342900" algn="l">
-              <a:buClr>
-                <a:srgbClr val="0070C0"/>
-              </a:buClr>
-              <a:buSzPct val="80000"/>
-              <a:buFont typeface="Wingdings" pitchFamily="2" charset="2"/>
-              <a:buChar char="u"/>
-            </a:pPr>
-            <a:r>
-              <a:rPr lang="en-US" sz="1800" b="1" dirty="0">
-                <a:solidFill>
-                  <a:schemeClr val="tx1"/>
-                </a:solidFill>
-              </a:rPr>
-              <a:t>&gt; Setting</a:t>
+              <a:t>We are going to copy this because we will need to use that for our work environment.</a:t>
             </a:r>
           </a:p>
         </p:txBody>
@@ -10678,7 +10362,7 @@
             </a:pPr>
             <a:r>
               <a:rPr lang="en-US" sz="1600" dirty="0"/>
-              <a:t>https://www.youtube.com/watch?v=bU2NNFJ-UXA&amp;list=PLhW3qG5bs-L99pQsZ74f-LC-tOEsBp2rK&amp;index=15</a:t>
+              <a:t>https://computingforgeeks.com/how-to-install-docker-swarm-on-ubuntu/</a:t>
             </a:r>
             <a:endParaRPr kumimoji="0" lang="zh-TW" altLang="en-US" sz="1600" b="0" i="0" u="none" strike="noStrike" kern="1200" cap="none" spc="0" normalizeH="0" baseline="0" noProof="0" dirty="0">
               <a:ln>
@@ -10715,7 +10399,7 @@
             <a:fld id="{A4F910E6-8D00-4BAF-8C48-9688E0B449D3}" type="datetime1">
               <a:rPr lang="zh-TW" altLang="en-US" smtClean="0"/>
               <a:pPr/>
-              <a:t>2021/6/18</a:t>
+              <a:t>2021/12/13</a:t>
             </a:fld>
             <a:endParaRPr lang="zh-TW" altLang="en-US"/>
           </a:p>
@@ -10745,10 +10429,62 @@
           </a:p>
         </p:txBody>
       </p:sp>
+      <p:sp>
+        <p:nvSpPr>
+          <p:cNvPr id="10" name="Rectangle 9">
+            <a:extLst>
+              <a:ext uri="{FF2B5EF4-FFF2-40B4-BE49-F238E27FC236}">
+                <a16:creationId xmlns:a16="http://schemas.microsoft.com/office/drawing/2014/main" id="{39729D04-7902-46A6-9C6C-096AD8B3C664}"/>
+              </a:ext>
+            </a:extLst>
+          </p:cNvPr>
+          <p:cNvSpPr/>
+          <p:nvPr/>
+        </p:nvSpPr>
+        <p:spPr>
+          <a:xfrm>
+            <a:off x="457200" y="3284984"/>
+            <a:ext cx="8336432" cy="576064"/>
+          </a:xfrm>
+          <a:prstGeom prst="rect">
+            <a:avLst/>
+          </a:prstGeom>
+          <a:noFill/>
+          <a:ln>
+            <a:solidFill>
+              <a:srgbClr val="C00000"/>
+            </a:solidFill>
+          </a:ln>
+        </p:spPr>
+        <p:style>
+          <a:lnRef idx="2">
+            <a:schemeClr val="accent1">
+              <a:shade val="50000"/>
+            </a:schemeClr>
+          </a:lnRef>
+          <a:fillRef idx="1">
+            <a:schemeClr val="accent1"/>
+          </a:fillRef>
+          <a:effectRef idx="0">
+            <a:schemeClr val="accent1"/>
+          </a:effectRef>
+          <a:fontRef idx="minor">
+            <a:schemeClr val="lt1"/>
+          </a:fontRef>
+        </p:style>
+        <p:txBody>
+          <a:bodyPr rtlCol="0" anchor="ctr"/>
+          <a:lstStyle/>
+          <a:p>
+            <a:pPr algn="ctr"/>
+            <a:endParaRPr lang="en-US"/>
+          </a:p>
+        </p:txBody>
+      </p:sp>
     </p:spTree>
     <p:extLst>
       <p:ext uri="{BB962C8B-B14F-4D97-AF65-F5344CB8AC3E}">
-        <p14:creationId xmlns:p14="http://schemas.microsoft.com/office/powerpoint/2010/main" val="1365504802"/>
+        <p14:creationId xmlns:p14="http://schemas.microsoft.com/office/powerpoint/2010/main" val="680011258"/>
       </p:ext>
     </p:extLst>
   </p:cSld>
@@ -10775,101 +10511,12 @@
           <a:chExt cx="0" cy="0"/>
         </a:xfrm>
       </p:grpSpPr>
-      <p:sp>
-        <p:nvSpPr>
-          <p:cNvPr id="2" name="標題 1"/>
-          <p:cNvSpPr>
-            <a:spLocks noGrp="1"/>
-          </p:cNvSpPr>
-          <p:nvPr>
-            <p:ph type="ctrTitle"/>
-          </p:nvPr>
-        </p:nvSpPr>
-        <p:spPr>
-          <a:xfrm>
-            <a:off x="0" y="2132856"/>
-            <a:ext cx="9144000" cy="1470025"/>
-          </a:xfrm>
-          <a:solidFill>
-            <a:srgbClr val="00B0F0"/>
-          </a:solidFill>
-        </p:spPr>
-        <p:txBody>
-          <a:bodyPr>
-            <a:normAutofit/>
-          </a:bodyPr>
-          <a:lstStyle/>
-          <a:p>
-            <a:r>
-              <a:rPr lang="en-US" altLang="zh-TW" sz="4800" b="1" dirty="0">
-                <a:solidFill>
-                  <a:srgbClr val="FFFF00"/>
-                </a:solidFill>
-              </a:rPr>
-              <a:t>15.1 Create Docker Machine </a:t>
-            </a:r>
-            <a:endParaRPr lang="zh-TW" altLang="en-US" sz="4800" b="1" dirty="0">
-              <a:solidFill>
-                <a:srgbClr val="FFFF00"/>
-              </a:solidFill>
-            </a:endParaRPr>
-          </a:p>
-        </p:txBody>
-      </p:sp>
-      <p:sp>
-        <p:nvSpPr>
-          <p:cNvPr id="5" name="日期版面配置區 4"/>
-          <p:cNvSpPr>
-            <a:spLocks noGrp="1"/>
-          </p:cNvSpPr>
-          <p:nvPr>
-            <p:ph type="dt" sz="half" idx="10"/>
-          </p:nvPr>
-        </p:nvSpPr>
-        <p:spPr/>
-        <p:txBody>
-          <a:bodyPr/>
-          <a:lstStyle/>
-          <a:p>
-            <a:fld id="{C389EDC9-19E3-47AC-9C57-C6A24DEA81AD}" type="datetime1">
-              <a:rPr lang="zh-TW" altLang="en-US" smtClean="0"/>
-              <a:pPr/>
-              <a:t>2021/6/18</a:t>
-            </a:fld>
-            <a:endParaRPr lang="zh-TW" altLang="en-US"/>
-          </a:p>
-        </p:txBody>
-      </p:sp>
-      <p:sp>
-        <p:nvSpPr>
-          <p:cNvPr id="6" name="投影片編號版面配置區 5"/>
-          <p:cNvSpPr>
-            <a:spLocks noGrp="1"/>
-          </p:cNvSpPr>
-          <p:nvPr>
-            <p:ph type="sldNum" sz="quarter" idx="12"/>
-          </p:nvPr>
-        </p:nvSpPr>
-        <p:spPr/>
-        <p:txBody>
-          <a:bodyPr/>
-          <a:lstStyle/>
-          <a:p>
-            <a:fld id="{E4D7E63D-91F2-4366-A2C4-1B00C9E2590E}" type="slidenum">
-              <a:rPr lang="zh-TW" altLang="en-US" smtClean="0"/>
-              <a:pPr/>
-              <a:t>25</a:t>
-            </a:fld>
-            <a:endParaRPr lang="zh-TW" altLang="en-US"/>
-          </a:p>
-        </p:txBody>
-      </p:sp>
       <p:pic>
         <p:nvPicPr>
-          <p:cNvPr id="4" name="Picture 3">
+          <p:cNvPr id="11" name="Picture 10">
             <a:extLst>
               <a:ext uri="{FF2B5EF4-FFF2-40B4-BE49-F238E27FC236}">
-                <a16:creationId xmlns:a16="http://schemas.microsoft.com/office/drawing/2014/main" id="{BA95816A-DA60-4F4F-A8F7-8C670708D156}"/>
+                <a16:creationId xmlns:a16="http://schemas.microsoft.com/office/drawing/2014/main" id="{644B260E-5C81-4CE7-B312-8974ECFBCAAA}"/>
               </a:ext>
             </a:extLst>
           </p:cNvPr>
@@ -10886,18 +10533,327 @@
         </p:blipFill>
         <p:spPr>
           <a:xfrm>
-            <a:off x="3707904" y="3717032"/>
-            <a:ext cx="1404739" cy="936493"/>
+            <a:off x="816757" y="2450166"/>
+            <a:ext cx="6803243" cy="3607145"/>
           </a:xfrm>
           <a:prstGeom prst="rect">
             <a:avLst/>
           </a:prstGeom>
+          <a:ln>
+            <a:solidFill>
+              <a:srgbClr val="C00000"/>
+            </a:solidFill>
+          </a:ln>
         </p:spPr>
       </p:pic>
+      <p:sp>
+        <p:nvSpPr>
+          <p:cNvPr id="2" name="標題 1"/>
+          <p:cNvSpPr>
+            <a:spLocks noGrp="1"/>
+          </p:cNvSpPr>
+          <p:nvPr>
+            <p:ph type="ctrTitle"/>
+          </p:nvPr>
+        </p:nvSpPr>
+        <p:spPr>
+          <a:xfrm>
+            <a:off x="0" y="1"/>
+            <a:ext cx="9144000" cy="764704"/>
+          </a:xfrm>
+          <a:gradFill flip="none" rotWithShape="1">
+            <a:gsLst>
+              <a:gs pos="0">
+                <a:srgbClr val="C00000">
+                  <a:shade val="30000"/>
+                  <a:satMod val="115000"/>
+                </a:srgbClr>
+              </a:gs>
+              <a:gs pos="50000">
+                <a:srgbClr val="C00000">
+                  <a:shade val="67500"/>
+                  <a:satMod val="115000"/>
+                </a:srgbClr>
+              </a:gs>
+              <a:gs pos="100000">
+                <a:srgbClr val="C00000">
+                  <a:shade val="100000"/>
+                  <a:satMod val="115000"/>
+                </a:srgbClr>
+              </a:gs>
+            </a:gsLst>
+            <a:path path="circle">
+              <a:fillToRect t="100000" r="100000"/>
+            </a:path>
+            <a:tileRect l="-100000" b="-100000"/>
+          </a:gradFill>
+        </p:spPr>
+        <p:txBody>
+          <a:bodyPr>
+            <a:normAutofit/>
+          </a:bodyPr>
+          <a:lstStyle/>
+          <a:p>
+            <a:pPr algn="l"/>
+            <a:r>
+              <a:rPr lang="en-US" altLang="zh-TW" sz="4400" b="1" dirty="0">
+                <a:solidFill>
+                  <a:srgbClr val="FFFF00"/>
+                </a:solidFill>
+              </a:rPr>
+              <a:t>15.1 Setup Docker Swarm on Ubuntu</a:t>
+            </a:r>
+            <a:endParaRPr lang="zh-TW" altLang="en-US" b="1" dirty="0">
+              <a:solidFill>
+                <a:srgbClr val="FFFF00"/>
+              </a:solidFill>
+            </a:endParaRPr>
+          </a:p>
+        </p:txBody>
+      </p:sp>
+      <p:sp>
+        <p:nvSpPr>
+          <p:cNvPr id="3" name="副標題 2"/>
+          <p:cNvSpPr>
+            <a:spLocks noGrp="1"/>
+          </p:cNvSpPr>
+          <p:nvPr>
+            <p:ph type="subTitle" idx="1"/>
+          </p:nvPr>
+        </p:nvSpPr>
+        <p:spPr>
+          <a:xfrm>
+            <a:off x="323528" y="1268759"/>
+            <a:ext cx="8064896" cy="882368"/>
+          </a:xfrm>
+          <a:ln>
+            <a:solidFill>
+              <a:srgbClr val="C00000"/>
+            </a:solidFill>
+          </a:ln>
+        </p:spPr>
+        <p:txBody>
+          <a:bodyPr>
+            <a:noAutofit/>
+          </a:bodyPr>
+          <a:lstStyle/>
+          <a:p>
+            <a:pPr marL="342900" indent="-342900" algn="l">
+              <a:buClr>
+                <a:srgbClr val="0070C0"/>
+              </a:buClr>
+              <a:buSzPct val="80000"/>
+              <a:buFont typeface="Wingdings" pitchFamily="2" charset="2"/>
+              <a:buChar char="u"/>
+            </a:pPr>
+            <a:r>
+              <a:rPr lang="en-US" sz="1800" b="1" dirty="0">
+                <a:solidFill>
+                  <a:srgbClr val="C00000"/>
+                </a:solidFill>
+              </a:rPr>
+              <a:t>Setup Docker Swarm on Ubuntu (11:22/15:41)</a:t>
+            </a:r>
+          </a:p>
+          <a:p>
+            <a:pPr marL="342900" indent="-342900" algn="l">
+              <a:buClr>
+                <a:srgbClr val="0070C0"/>
+              </a:buClr>
+              <a:buSzPct val="80000"/>
+              <a:buFont typeface="Wingdings" pitchFamily="2" charset="2"/>
+              <a:buChar char="u"/>
+            </a:pPr>
+            <a:r>
+              <a:rPr lang="en-US" sz="1800" b="1" dirty="0">
+                <a:solidFill>
+                  <a:schemeClr val="tx1"/>
+                </a:solidFill>
+              </a:rPr>
+              <a:t>Then, we open the worker environment.</a:t>
+            </a:r>
+          </a:p>
+        </p:txBody>
+      </p:sp>
+      <p:sp>
+        <p:nvSpPr>
+          <p:cNvPr id="4" name="標題 1"/>
+          <p:cNvSpPr txBox="1">
+            <a:spLocks/>
+          </p:cNvSpPr>
+          <p:nvPr/>
+        </p:nvSpPr>
+        <p:spPr>
+          <a:xfrm>
+            <a:off x="0" y="764704"/>
+            <a:ext cx="9144000" cy="360040"/>
+          </a:xfrm>
+          <a:prstGeom prst="rect">
+            <a:avLst/>
+          </a:prstGeom>
+          <a:gradFill flip="none" rotWithShape="1">
+            <a:gsLst>
+              <a:gs pos="0">
+                <a:srgbClr val="00B0F0">
+                  <a:shade val="30000"/>
+                  <a:satMod val="115000"/>
+                </a:srgbClr>
+              </a:gs>
+              <a:gs pos="50000">
+                <a:srgbClr val="00B0F0">
+                  <a:shade val="67500"/>
+                  <a:satMod val="115000"/>
+                </a:srgbClr>
+              </a:gs>
+              <a:gs pos="100000">
+                <a:srgbClr val="00B0F0">
+                  <a:shade val="100000"/>
+                  <a:satMod val="115000"/>
+                </a:srgbClr>
+              </a:gs>
+            </a:gsLst>
+            <a:path path="circle">
+              <a:fillToRect t="100000" r="100000"/>
+            </a:path>
+            <a:tileRect l="-100000" b="-100000"/>
+          </a:gradFill>
+        </p:spPr>
+        <p:txBody>
+          <a:bodyPr vert="horz" lIns="91440" tIns="45720" rIns="91440" bIns="45720" rtlCol="0" anchor="ctr">
+            <a:normAutofit/>
+          </a:bodyPr>
+          <a:lstStyle/>
+          <a:p>
+            <a:pPr lvl="0">
+              <a:spcBef>
+                <a:spcPct val="0"/>
+              </a:spcBef>
+            </a:pPr>
+            <a:r>
+              <a:rPr lang="en-US" sz="1600" dirty="0"/>
+              <a:t>https://computingforgeeks.com/how-to-install-docker-swarm-on-ubuntu/</a:t>
+            </a:r>
+            <a:endParaRPr kumimoji="0" lang="zh-TW" altLang="en-US" sz="1600" b="0" i="0" u="none" strike="noStrike" kern="1200" cap="none" spc="0" normalizeH="0" baseline="0" noProof="0" dirty="0">
+              <a:ln>
+                <a:noFill/>
+              </a:ln>
+              <a:solidFill>
+                <a:schemeClr val="tx1"/>
+              </a:solidFill>
+              <a:effectLst/>
+              <a:uLnTx/>
+              <a:uFillTx/>
+              <a:latin typeface="+mj-lt"/>
+              <a:ea typeface="+mj-ea"/>
+              <a:cs typeface="+mj-cs"/>
+            </a:endParaRPr>
+          </a:p>
+        </p:txBody>
+      </p:sp>
+      <p:sp>
+        <p:nvSpPr>
+          <p:cNvPr id="5" name="日期版面配置區 4"/>
+          <p:cNvSpPr>
+            <a:spLocks noGrp="1"/>
+          </p:cNvSpPr>
+          <p:nvPr>
+            <p:ph type="dt" sz="half" idx="10"/>
+          </p:nvPr>
+        </p:nvSpPr>
+        <p:spPr/>
+        <p:txBody>
+          <a:bodyPr/>
+          <a:lstStyle/>
+          <a:p>
+            <a:fld id="{A4F910E6-8D00-4BAF-8C48-9688E0B449D3}" type="datetime1">
+              <a:rPr lang="zh-TW" altLang="en-US" smtClean="0"/>
+              <a:pPr/>
+              <a:t>2021/12/13</a:t>
+            </a:fld>
+            <a:endParaRPr lang="zh-TW" altLang="en-US"/>
+          </a:p>
+        </p:txBody>
+      </p:sp>
+      <p:sp>
+        <p:nvSpPr>
+          <p:cNvPr id="6" name="投影片編號版面配置區 5"/>
+          <p:cNvSpPr>
+            <a:spLocks noGrp="1"/>
+          </p:cNvSpPr>
+          <p:nvPr>
+            <p:ph type="sldNum" sz="quarter" idx="12"/>
+          </p:nvPr>
+        </p:nvSpPr>
+        <p:spPr/>
+        <p:txBody>
+          <a:bodyPr/>
+          <a:lstStyle/>
+          <a:p>
+            <a:fld id="{E4D7E63D-91F2-4366-A2C4-1B00C9E2590E}" type="slidenum">
+              <a:rPr lang="zh-TW" altLang="en-US" smtClean="0"/>
+              <a:pPr/>
+              <a:t>25</a:t>
+            </a:fld>
+            <a:endParaRPr lang="zh-TW" altLang="en-US"/>
+          </a:p>
+        </p:txBody>
+      </p:sp>
+      <p:sp>
+        <p:nvSpPr>
+          <p:cNvPr id="10" name="Rectangle 9">
+            <a:extLst>
+              <a:ext uri="{FF2B5EF4-FFF2-40B4-BE49-F238E27FC236}">
+                <a16:creationId xmlns:a16="http://schemas.microsoft.com/office/drawing/2014/main" id="{39729D04-7902-46A6-9C6C-096AD8B3C664}"/>
+              </a:ext>
+            </a:extLst>
+          </p:cNvPr>
+          <p:cNvSpPr/>
+          <p:nvPr/>
+        </p:nvSpPr>
+        <p:spPr>
+          <a:xfrm>
+            <a:off x="832600" y="2939323"/>
+            <a:ext cx="2659280" cy="489677"/>
+          </a:xfrm>
+          <a:prstGeom prst="rect">
+            <a:avLst/>
+          </a:prstGeom>
+          <a:noFill/>
+          <a:ln>
+            <a:solidFill>
+              <a:srgbClr val="C00000"/>
+            </a:solidFill>
+          </a:ln>
+        </p:spPr>
+        <p:style>
+          <a:lnRef idx="2">
+            <a:schemeClr val="accent1">
+              <a:shade val="50000"/>
+            </a:schemeClr>
+          </a:lnRef>
+          <a:fillRef idx="1">
+            <a:schemeClr val="accent1"/>
+          </a:fillRef>
+          <a:effectRef idx="0">
+            <a:schemeClr val="accent1"/>
+          </a:effectRef>
+          <a:fontRef idx="minor">
+            <a:schemeClr val="lt1"/>
+          </a:fontRef>
+        </p:style>
+        <p:txBody>
+          <a:bodyPr rtlCol="0" anchor="ctr"/>
+          <a:lstStyle/>
+          <a:p>
+            <a:pPr algn="ctr"/>
+            <a:endParaRPr lang="en-US"/>
+          </a:p>
+        </p:txBody>
+      </p:sp>
     </p:spTree>
     <p:extLst>
       <p:ext uri="{BB962C8B-B14F-4D97-AF65-F5344CB8AC3E}">
-        <p14:creationId xmlns:p14="http://schemas.microsoft.com/office/powerpoint/2010/main" val="2194048700"/>
+        <p14:creationId xmlns:p14="http://schemas.microsoft.com/office/powerpoint/2010/main" val="2036353804"/>
       </p:ext>
     </p:extLst>
   </p:cSld>
@@ -10924,6 +10880,36 @@
           <a:chExt cx="0" cy="0"/>
         </a:xfrm>
       </p:grpSpPr>
+      <p:pic>
+        <p:nvPicPr>
+          <p:cNvPr id="8" name="Picture 7">
+            <a:extLst>
+              <a:ext uri="{FF2B5EF4-FFF2-40B4-BE49-F238E27FC236}">
+                <a16:creationId xmlns:a16="http://schemas.microsoft.com/office/drawing/2014/main" id="{C5791D99-8FF9-4335-9068-7B6686691FA7}"/>
+              </a:ext>
+            </a:extLst>
+          </p:cNvPr>
+          <p:cNvPicPr>
+            <a:picLocks noChangeAspect="1"/>
+          </p:cNvPicPr>
+          <p:nvPr/>
+        </p:nvPicPr>
+        <p:blipFill>
+          <a:blip r:embed="rId2"/>
+          <a:stretch>
+            <a:fillRect/>
+          </a:stretch>
+        </p:blipFill>
+        <p:spPr>
+          <a:xfrm>
+            <a:off x="457200" y="2295142"/>
+            <a:ext cx="8410575" cy="3295650"/>
+          </a:xfrm>
+          <a:prstGeom prst="rect">
+            <a:avLst/>
+          </a:prstGeom>
+        </p:spPr>
+      </p:pic>
       <p:sp>
         <p:nvSpPr>
           <p:cNvPr id="2" name="標題 1"/>
@@ -10979,7 +10965,7 @@
                   <a:srgbClr val="FFFF00"/>
                 </a:solidFill>
               </a:rPr>
-              <a:t>15.1 Create Docker Machine</a:t>
+              <a:t>15.1 Setup Docker Swarm on Ubuntu</a:t>
             </a:r>
             <a:endParaRPr lang="zh-TW" altLang="en-US" b="1" dirty="0">
               <a:solidFill>
@@ -11001,8 +10987,8 @@
         </p:nvSpPr>
         <p:spPr>
           <a:xfrm>
-            <a:off x="395536" y="1268760"/>
-            <a:ext cx="8064896" cy="1368152"/>
+            <a:off x="323527" y="1268759"/>
+            <a:ext cx="8544247" cy="882368"/>
           </a:xfrm>
           <a:ln>
             <a:solidFill>
@@ -11030,7 +11016,7 @@
                   <a:srgbClr val="C00000"/>
                 </a:solidFill>
               </a:rPr>
-              <a:t>Create Docker Machine</a:t>
+              <a:t>Setup Docker Swarm on Ubuntu (11:22/15:41)</a:t>
             </a:r>
           </a:p>
           <a:p>
@@ -11048,43 +11034,7 @@
                   <a:schemeClr val="tx1"/>
                 </a:solidFill>
               </a:rPr>
-              <a:t>We have to create Docker Machine to access the a node for Docker Swarm.</a:t>
-            </a:r>
-          </a:p>
-          <a:p>
-            <a:pPr marL="342900" indent="-342900" algn="l">
-              <a:buClr>
-                <a:srgbClr val="0070C0"/>
-              </a:buClr>
-              <a:buSzPct val="80000"/>
-              <a:buFont typeface="Wingdings" pitchFamily="2" charset="2"/>
-              <a:buChar char="u"/>
-            </a:pPr>
-            <a:r>
-              <a:rPr lang="en-US" sz="1800" b="1" dirty="0">
-                <a:solidFill>
-                  <a:schemeClr val="tx1"/>
-                </a:solidFill>
-              </a:rPr>
-              <a:t>We are going to create multiple machines as in the right below diagram.</a:t>
-            </a:r>
-          </a:p>
-          <a:p>
-            <a:pPr marL="342900" indent="-342900" algn="l">
-              <a:buClr>
-                <a:srgbClr val="0070C0"/>
-              </a:buClr>
-              <a:buSzPct val="80000"/>
-              <a:buFont typeface="Wingdings" pitchFamily="2" charset="2"/>
-              <a:buChar char="u"/>
-            </a:pPr>
-            <a:r>
-              <a:rPr lang="en-US" sz="1800" b="1" dirty="0">
-                <a:solidFill>
-                  <a:schemeClr val="tx1"/>
-                </a:solidFill>
-              </a:rPr>
-              <a:t>One machine is the manager and other machines are the workers.</a:t>
+              <a:t>Here, we are in working environment.</a:t>
             </a:r>
           </a:p>
         </p:txBody>
@@ -11145,7 +11095,7 @@
             </a:pPr>
             <a:r>
               <a:rPr lang="en-US" sz="1600" dirty="0"/>
-              <a:t>https://www.youtube.com/watch?v=bU2NNFJ-UXA&amp;list=PLhW3qG5bs-L99pQsZ74f-LC-tOEsBp2rK&amp;index=15</a:t>
+              <a:t>https://computingforgeeks.com/how-to-install-docker-swarm-on-ubuntu/</a:t>
             </a:r>
             <a:endParaRPr kumimoji="0" lang="zh-TW" altLang="en-US" sz="1600" b="0" i="0" u="none" strike="noStrike" kern="1200" cap="none" spc="0" normalizeH="0" baseline="0" noProof="0" dirty="0">
               <a:ln>
@@ -11182,7 +11132,7 @@
             <a:fld id="{A4F910E6-8D00-4BAF-8C48-9688E0B449D3}" type="datetime1">
               <a:rPr lang="zh-TW" altLang="en-US" smtClean="0"/>
               <a:pPr/>
-              <a:t>2021/6/18</a:t>
+              <a:t>2021/12/13</a:t>
             </a:fld>
             <a:endParaRPr lang="zh-TW" altLang="en-US"/>
           </a:p>
@@ -11212,122 +11162,62 @@
           </a:p>
         </p:txBody>
       </p:sp>
-      <p:pic>
-        <p:nvPicPr>
-          <p:cNvPr id="8" name="Picture 7">
+      <p:sp>
+        <p:nvSpPr>
+          <p:cNvPr id="10" name="Rectangle 9">
             <a:extLst>
               <a:ext uri="{FF2B5EF4-FFF2-40B4-BE49-F238E27FC236}">
-                <a16:creationId xmlns:a16="http://schemas.microsoft.com/office/drawing/2014/main" id="{F907B24C-7F9A-4C1A-A758-851D6FA50991}"/>
+                <a16:creationId xmlns:a16="http://schemas.microsoft.com/office/drawing/2014/main" id="{39729D04-7902-46A6-9C6C-096AD8B3C664}"/>
               </a:ext>
             </a:extLst>
           </p:cNvPr>
-          <p:cNvPicPr>
-            <a:picLocks noChangeAspect="1"/>
-          </p:cNvPicPr>
+          <p:cNvSpPr/>
           <p:nvPr/>
-        </p:nvPicPr>
-        <p:blipFill>
-          <a:blip r:embed="rId2"/>
-          <a:stretch>
-            <a:fillRect/>
-          </a:stretch>
-        </p:blipFill>
-        <p:spPr>
-          <a:xfrm>
-            <a:off x="395536" y="3501008"/>
-            <a:ext cx="4429125" cy="2038350"/>
+        </p:nvSpPr>
+        <p:spPr>
+          <a:xfrm>
+            <a:off x="755576" y="2845153"/>
+            <a:ext cx="2376264" cy="382202"/>
           </a:xfrm>
           <a:prstGeom prst="rect">
             <a:avLst/>
           </a:prstGeom>
+          <a:noFill/>
           <a:ln>
             <a:solidFill>
               <a:srgbClr val="C00000"/>
             </a:solidFill>
           </a:ln>
         </p:spPr>
-      </p:pic>
-      <p:pic>
-        <p:nvPicPr>
-          <p:cNvPr id="10" name="Picture 9">
-            <a:extLst>
-              <a:ext uri="{FF2B5EF4-FFF2-40B4-BE49-F238E27FC236}">
-                <a16:creationId xmlns:a16="http://schemas.microsoft.com/office/drawing/2014/main" id="{79CF54AA-D00B-498F-AA45-9BA4F4C47E82}"/>
-              </a:ext>
-            </a:extLst>
-          </p:cNvPr>
-          <p:cNvPicPr>
-            <a:picLocks noChangeAspect="1"/>
-          </p:cNvPicPr>
-          <p:nvPr/>
-        </p:nvPicPr>
-        <p:blipFill>
-          <a:blip r:embed="rId3"/>
-          <a:stretch>
-            <a:fillRect/>
-          </a:stretch>
-        </p:blipFill>
-        <p:spPr>
-          <a:xfrm>
-            <a:off x="5004048" y="3429000"/>
-            <a:ext cx="3912089" cy="2932742"/>
-          </a:xfrm>
-          <a:prstGeom prst="rect">
-            <a:avLst/>
-          </a:prstGeom>
-          <a:ln>
-            <a:solidFill>
-              <a:srgbClr val="C00000"/>
-            </a:solidFill>
-          </a:ln>
-        </p:spPr>
-      </p:pic>
-      <p:cxnSp>
-        <p:nvCxnSpPr>
-          <p:cNvPr id="12" name="Straight Arrow Connector 11">
-            <a:extLst>
-              <a:ext uri="{FF2B5EF4-FFF2-40B4-BE49-F238E27FC236}">
-                <a16:creationId xmlns:a16="http://schemas.microsoft.com/office/drawing/2014/main" id="{3EDD320E-D9EC-4FE9-92E3-0DE27B0262E7}"/>
-              </a:ext>
-            </a:extLst>
-          </p:cNvPr>
-          <p:cNvCxnSpPr>
-            <a:stCxn id="3" idx="2"/>
-            <a:endCxn id="10" idx="0"/>
-          </p:cNvCxnSpPr>
-          <p:nvPr/>
-        </p:nvCxnSpPr>
-        <p:spPr>
-          <a:xfrm>
-            <a:off x="4427984" y="2636912"/>
-            <a:ext cx="2532109" cy="792088"/>
-          </a:xfrm>
-          <a:prstGeom prst="straightConnector1">
-            <a:avLst/>
-          </a:prstGeom>
-          <a:ln>
-            <a:tailEnd type="triangle"/>
-          </a:ln>
-        </p:spPr>
         <p:style>
-          <a:lnRef idx="1">
-            <a:schemeClr val="accent2"/>
+          <a:lnRef idx="2">
+            <a:schemeClr val="accent1">
+              <a:shade val="50000"/>
+            </a:schemeClr>
           </a:lnRef>
-          <a:fillRef idx="0">
-            <a:schemeClr val="accent2"/>
+          <a:fillRef idx="1">
+            <a:schemeClr val="accent1"/>
           </a:fillRef>
           <a:effectRef idx="0">
-            <a:schemeClr val="accent2"/>
+            <a:schemeClr val="accent1"/>
           </a:effectRef>
           <a:fontRef idx="minor">
-            <a:schemeClr val="tx1"/>
+            <a:schemeClr val="lt1"/>
           </a:fontRef>
         </p:style>
-      </p:cxnSp>
+        <p:txBody>
+          <a:bodyPr rtlCol="0" anchor="ctr"/>
+          <a:lstStyle/>
+          <a:p>
+            <a:pPr algn="ctr"/>
+            <a:endParaRPr lang="en-US"/>
+          </a:p>
+        </p:txBody>
+      </p:sp>
     </p:spTree>
     <p:extLst>
       <p:ext uri="{BB962C8B-B14F-4D97-AF65-F5344CB8AC3E}">
-        <p14:creationId xmlns:p14="http://schemas.microsoft.com/office/powerpoint/2010/main" val="895190502"/>
+        <p14:creationId xmlns:p14="http://schemas.microsoft.com/office/powerpoint/2010/main" val="334570230"/>
       </p:ext>
     </p:extLst>
   </p:cSld>
@@ -11354,6 +11244,36 @@
           <a:chExt cx="0" cy="0"/>
         </a:xfrm>
       </p:grpSpPr>
+      <p:pic>
+        <p:nvPicPr>
+          <p:cNvPr id="9" name="Picture 8">
+            <a:extLst>
+              <a:ext uri="{FF2B5EF4-FFF2-40B4-BE49-F238E27FC236}">
+                <a16:creationId xmlns:a16="http://schemas.microsoft.com/office/drawing/2014/main" id="{5BCD04E8-7978-4B61-9888-6842C35AF33F}"/>
+              </a:ext>
+            </a:extLst>
+          </p:cNvPr>
+          <p:cNvPicPr>
+            <a:picLocks noChangeAspect="1"/>
+          </p:cNvPicPr>
+          <p:nvPr/>
+        </p:nvPicPr>
+        <p:blipFill>
+          <a:blip r:embed="rId2"/>
+          <a:stretch>
+            <a:fillRect/>
+          </a:stretch>
+        </p:blipFill>
+        <p:spPr>
+          <a:xfrm>
+            <a:off x="339969" y="3031572"/>
+            <a:ext cx="8496944" cy="3061724"/>
+          </a:xfrm>
+          <a:prstGeom prst="rect">
+            <a:avLst/>
+          </a:prstGeom>
+        </p:spPr>
+      </p:pic>
       <p:sp>
         <p:nvSpPr>
           <p:cNvPr id="2" name="標題 1"/>
@@ -11409,7 +11329,7 @@
                   <a:srgbClr val="FFFF00"/>
                 </a:solidFill>
               </a:rPr>
-              <a:t>15.1 Create Docker Machine</a:t>
+              <a:t>15.1 Setup Docker Swarm on Ubuntu</a:t>
             </a:r>
             <a:endParaRPr lang="zh-TW" altLang="en-US" b="1" dirty="0">
               <a:solidFill>
@@ -11431,8 +11351,8 @@
         </p:nvSpPr>
         <p:spPr>
           <a:xfrm>
-            <a:off x="395536" y="1268760"/>
-            <a:ext cx="8064896" cy="1440160"/>
+            <a:off x="323528" y="1268758"/>
+            <a:ext cx="8496944" cy="1656186"/>
           </a:xfrm>
           <a:ln>
             <a:solidFill>
@@ -11460,7 +11380,7 @@
                   <a:srgbClr val="C00000"/>
                 </a:solidFill>
               </a:rPr>
-              <a:t>Create Docker Machine</a:t>
+              <a:t>Setup Docker Swarm on Ubuntu (11:26/15:41)</a:t>
             </a:r>
           </a:p>
           <a:p>
@@ -11478,7 +11398,7 @@
                   <a:schemeClr val="tx1"/>
                 </a:solidFill>
               </a:rPr>
-              <a:t>Linux</a:t>
+              <a:t>We will use the token we just copied as a way to connect the manager </a:t>
             </a:r>
           </a:p>
           <a:p>
@@ -11496,7 +11416,7 @@
                   <a:schemeClr val="tx1"/>
                 </a:solidFill>
               </a:rPr>
-              <a:t>&gt; sudo apt-get install virtualbox</a:t>
+              <a:t>…and connect to docker swarm environment</a:t>
             </a:r>
           </a:p>
           <a:p>
@@ -11514,7 +11434,25 @@
                   <a:schemeClr val="tx1"/>
                 </a:solidFill>
               </a:rPr>
-              <a:t>&gt; docker-machine create --driver virtualbox manager1</a:t>
+              <a:t>&gt; sudo &lt;paste the command from manager terminal&gt;</a:t>
+            </a:r>
+          </a:p>
+          <a:p>
+            <a:pPr marL="342900" indent="-342900" algn="l">
+              <a:buClr>
+                <a:srgbClr val="0070C0"/>
+              </a:buClr>
+              <a:buSzPct val="80000"/>
+              <a:buFont typeface="Wingdings" pitchFamily="2" charset="2"/>
+              <a:buChar char="u"/>
+            </a:pPr>
+            <a:r>
+              <a:rPr lang="en-US" sz="1800" b="1" dirty="0">
+                <a:solidFill>
+                  <a:schemeClr val="tx1"/>
+                </a:solidFill>
+              </a:rPr>
+              <a:t>Then, the worker join the swarm environment which is created by manager.</a:t>
             </a:r>
           </a:p>
         </p:txBody>
@@ -11575,7 +11513,7 @@
             </a:pPr>
             <a:r>
               <a:rPr lang="en-US" sz="1600" dirty="0"/>
-              <a:t>https://www.youtube.com/watch?v=bU2NNFJ-UXA&amp;list=PLhW3qG5bs-L99pQsZ74f-LC-tOEsBp2rK&amp;index=15</a:t>
+              <a:t>https://computingforgeeks.com/how-to-install-docker-swarm-on-ubuntu/</a:t>
             </a:r>
             <a:endParaRPr kumimoji="0" lang="zh-TW" altLang="en-US" sz="1600" b="0" i="0" u="none" strike="noStrike" kern="1200" cap="none" spc="0" normalizeH="0" baseline="0" noProof="0" dirty="0">
               <a:ln>
@@ -11612,7 +11550,7 @@
             <a:fld id="{A4F910E6-8D00-4BAF-8C48-9688E0B449D3}" type="datetime1">
               <a:rPr lang="zh-TW" altLang="en-US" smtClean="0"/>
               <a:pPr/>
-              <a:t>2021/6/18</a:t>
+              <a:t>2021/12/13</a:t>
             </a:fld>
             <a:endParaRPr lang="zh-TW" altLang="en-US"/>
           </a:p>
@@ -11642,45 +11580,62 @@
           </a:p>
         </p:txBody>
       </p:sp>
-      <p:pic>
-        <p:nvPicPr>
-          <p:cNvPr id="15" name="Picture 14">
+      <p:sp>
+        <p:nvSpPr>
+          <p:cNvPr id="10" name="Rectangle 9">
             <a:extLst>
               <a:ext uri="{FF2B5EF4-FFF2-40B4-BE49-F238E27FC236}">
-                <a16:creationId xmlns:a16="http://schemas.microsoft.com/office/drawing/2014/main" id="{8BCF4C2A-6053-4B40-AE96-DFD620395DC9}"/>
+                <a16:creationId xmlns:a16="http://schemas.microsoft.com/office/drawing/2014/main" id="{39729D04-7902-46A6-9C6C-096AD8B3C664}"/>
               </a:ext>
             </a:extLst>
           </p:cNvPr>
-          <p:cNvPicPr>
-            <a:picLocks noChangeAspect="1"/>
-          </p:cNvPicPr>
+          <p:cNvSpPr/>
           <p:nvPr/>
-        </p:nvPicPr>
-        <p:blipFill>
-          <a:blip r:embed="rId2"/>
-          <a:stretch>
-            <a:fillRect/>
-          </a:stretch>
-        </p:blipFill>
-        <p:spPr>
-          <a:xfrm>
-            <a:off x="827584" y="3068960"/>
-            <a:ext cx="5838825" cy="685800"/>
+        </p:nvSpPr>
+        <p:spPr>
+          <a:xfrm>
+            <a:off x="550367" y="3628398"/>
+            <a:ext cx="8286546" cy="479133"/>
           </a:xfrm>
           <a:prstGeom prst="rect">
             <a:avLst/>
           </a:prstGeom>
+          <a:noFill/>
           <a:ln>
             <a:solidFill>
               <a:srgbClr val="C00000"/>
             </a:solidFill>
           </a:ln>
         </p:spPr>
-      </p:pic>
+        <p:style>
+          <a:lnRef idx="2">
+            <a:schemeClr val="accent1">
+              <a:shade val="50000"/>
+            </a:schemeClr>
+          </a:lnRef>
+          <a:fillRef idx="1">
+            <a:schemeClr val="accent1"/>
+          </a:fillRef>
+          <a:effectRef idx="0">
+            <a:schemeClr val="accent1"/>
+          </a:effectRef>
+          <a:fontRef idx="minor">
+            <a:schemeClr val="lt1"/>
+          </a:fontRef>
+        </p:style>
+        <p:txBody>
+          <a:bodyPr rtlCol="0" anchor="ctr"/>
+          <a:lstStyle/>
+          <a:p>
+            <a:pPr algn="ctr"/>
+            <a:endParaRPr lang="en-US"/>
+          </a:p>
+        </p:txBody>
+      </p:sp>
     </p:spTree>
     <p:extLst>
       <p:ext uri="{BB962C8B-B14F-4D97-AF65-F5344CB8AC3E}">
-        <p14:creationId xmlns:p14="http://schemas.microsoft.com/office/powerpoint/2010/main" val="3413383186"/>
+        <p14:creationId xmlns:p14="http://schemas.microsoft.com/office/powerpoint/2010/main" val="3818725429"/>
       </p:ext>
     </p:extLst>
   </p:cSld>
@@ -11707,6 +11662,36 @@
           <a:chExt cx="0" cy="0"/>
         </a:xfrm>
       </p:grpSpPr>
+      <p:pic>
+        <p:nvPicPr>
+          <p:cNvPr id="8" name="Picture 7">
+            <a:extLst>
+              <a:ext uri="{FF2B5EF4-FFF2-40B4-BE49-F238E27FC236}">
+                <a16:creationId xmlns:a16="http://schemas.microsoft.com/office/drawing/2014/main" id="{E295F897-358B-490B-A195-C724E51E3082}"/>
+              </a:ext>
+            </a:extLst>
+          </p:cNvPr>
+          <p:cNvPicPr>
+            <a:picLocks noChangeAspect="1"/>
+          </p:cNvPicPr>
+          <p:nvPr/>
+        </p:nvPicPr>
+        <p:blipFill>
+          <a:blip r:embed="rId2"/>
+          <a:stretch>
+            <a:fillRect/>
+          </a:stretch>
+        </p:blipFill>
+        <p:spPr>
+          <a:xfrm>
+            <a:off x="332783" y="2150465"/>
+            <a:ext cx="8487689" cy="3041931"/>
+          </a:xfrm>
+          <a:prstGeom prst="rect">
+            <a:avLst/>
+          </a:prstGeom>
+        </p:spPr>
+      </p:pic>
       <p:sp>
         <p:nvSpPr>
           <p:cNvPr id="2" name="標題 1"/>
@@ -11719,25 +11704,25 @@
         </p:nvSpPr>
         <p:spPr>
           <a:xfrm>
-            <a:off x="0" y="2130425"/>
-            <a:ext cx="9144000" cy="1470025"/>
+            <a:off x="0" y="1"/>
+            <a:ext cx="9144000" cy="764704"/>
           </a:xfrm>
           <a:gradFill flip="none" rotWithShape="1">
             <a:gsLst>
               <a:gs pos="0">
-                <a:srgbClr val="00B0F0">
+                <a:srgbClr val="C00000">
                   <a:shade val="30000"/>
                   <a:satMod val="115000"/>
                 </a:srgbClr>
               </a:gs>
               <a:gs pos="50000">
-                <a:srgbClr val="00B0F0">
+                <a:srgbClr val="C00000">
                   <a:shade val="67500"/>
                   <a:satMod val="115000"/>
                 </a:srgbClr>
               </a:gs>
               <a:gs pos="100000">
-                <a:srgbClr val="00B0F0">
+                <a:srgbClr val="C00000">
                   <a:shade val="100000"/>
                   <a:satMod val="115000"/>
                 </a:srgbClr>
@@ -11755,15 +11740,16 @@
           </a:bodyPr>
           <a:lstStyle/>
           <a:p>
-            <a:r>
-              <a:rPr lang="en-US" altLang="zh-TW" sz="6000" b="1" dirty="0">
+            <a:pPr algn="l"/>
+            <a:r>
+              <a:rPr lang="en-US" altLang="zh-TW" sz="4400" b="1" dirty="0">
                 <a:solidFill>
                   <a:srgbClr val="FFFF00"/>
                 </a:solidFill>
               </a:rPr>
-              <a:t>End of Chapter</a:t>
-            </a:r>
-            <a:endParaRPr lang="zh-TW" altLang="en-US" sz="6000" b="1" dirty="0">
+              <a:t>15.1 Setup Docker Swarm on Ubuntu</a:t>
+            </a:r>
+            <a:endParaRPr lang="zh-TW" altLang="en-US" b="1" dirty="0">
               <a:solidFill>
                 <a:srgbClr val="FFFF00"/>
               </a:solidFill>
@@ -11773,6 +11759,145 @@
       </p:sp>
       <p:sp>
         <p:nvSpPr>
+          <p:cNvPr id="3" name="副標題 2"/>
+          <p:cNvSpPr>
+            <a:spLocks noGrp="1"/>
+          </p:cNvSpPr>
+          <p:nvPr>
+            <p:ph type="subTitle" idx="1"/>
+          </p:nvPr>
+        </p:nvSpPr>
+        <p:spPr>
+          <a:xfrm>
+            <a:off x="323528" y="1268758"/>
+            <a:ext cx="8496944" cy="792090"/>
+          </a:xfrm>
+          <a:ln>
+            <a:solidFill>
+              <a:srgbClr val="C00000"/>
+            </a:solidFill>
+          </a:ln>
+        </p:spPr>
+        <p:txBody>
+          <a:bodyPr>
+            <a:noAutofit/>
+          </a:bodyPr>
+          <a:lstStyle/>
+          <a:p>
+            <a:pPr marL="342900" indent="-342900" algn="l">
+              <a:buClr>
+                <a:srgbClr val="0070C0"/>
+              </a:buClr>
+              <a:buSzPct val="80000"/>
+              <a:buFont typeface="Wingdings" pitchFamily="2" charset="2"/>
+              <a:buChar char="u"/>
+            </a:pPr>
+            <a:r>
+              <a:rPr lang="en-US" sz="1800" b="1" dirty="0">
+                <a:solidFill>
+                  <a:srgbClr val="C00000"/>
+                </a:solidFill>
+              </a:rPr>
+              <a:t>Setup Docker Swarm on Ubuntu (11:45/15:41)</a:t>
+            </a:r>
+          </a:p>
+          <a:p>
+            <a:pPr marL="342900" indent="-342900" algn="l">
+              <a:buClr>
+                <a:srgbClr val="0070C0"/>
+              </a:buClr>
+              <a:buSzPct val="80000"/>
+              <a:buFont typeface="Wingdings" pitchFamily="2" charset="2"/>
+              <a:buChar char="u"/>
+            </a:pPr>
+            <a:r>
+              <a:rPr lang="en-US" sz="1800" b="1" dirty="0">
+                <a:solidFill>
+                  <a:schemeClr val="tx1"/>
+                </a:solidFill>
+              </a:rPr>
+              <a:t>We see the message below that we join the swarm environment as a worker.</a:t>
+            </a:r>
+          </a:p>
+        </p:txBody>
+      </p:sp>
+      <p:sp>
+        <p:nvSpPr>
+          <p:cNvPr id="4" name="標題 1"/>
+          <p:cNvSpPr txBox="1">
+            <a:spLocks/>
+          </p:cNvSpPr>
+          <p:nvPr/>
+        </p:nvSpPr>
+        <p:spPr>
+          <a:xfrm>
+            <a:off x="0" y="764704"/>
+            <a:ext cx="9144000" cy="360040"/>
+          </a:xfrm>
+          <a:prstGeom prst="rect">
+            <a:avLst/>
+          </a:prstGeom>
+          <a:gradFill flip="none" rotWithShape="1">
+            <a:gsLst>
+              <a:gs pos="0">
+                <a:srgbClr val="00B0F0">
+                  <a:shade val="30000"/>
+                  <a:satMod val="115000"/>
+                </a:srgbClr>
+              </a:gs>
+              <a:gs pos="50000">
+                <a:srgbClr val="00B0F0">
+                  <a:shade val="67500"/>
+                  <a:satMod val="115000"/>
+                </a:srgbClr>
+              </a:gs>
+              <a:gs pos="100000">
+                <a:srgbClr val="00B0F0">
+                  <a:shade val="100000"/>
+                  <a:satMod val="115000"/>
+                </a:srgbClr>
+              </a:gs>
+            </a:gsLst>
+            <a:path path="circle">
+              <a:fillToRect t="100000" r="100000"/>
+            </a:path>
+            <a:tileRect l="-100000" b="-100000"/>
+          </a:gradFill>
+        </p:spPr>
+        <p:txBody>
+          <a:bodyPr vert="horz" lIns="91440" tIns="45720" rIns="91440" bIns="45720" rtlCol="0" anchor="ctr">
+            <a:normAutofit/>
+          </a:bodyPr>
+          <a:lstStyle/>
+          <a:p>
+            <a:pPr lvl="0">
+              <a:spcBef>
+                <a:spcPct val="0"/>
+              </a:spcBef>
+            </a:pPr>
+            <a:r>
+              <a:rPr lang="en-US" sz="1600" dirty="0"/>
+              <a:t>https://computingforgeeks.com/how-to-install-docker-swarm-on-ubuntu/</a:t>
+            </a:r>
+            <a:endParaRPr kumimoji="0" lang="zh-TW" altLang="en-US" sz="1600" b="0" i="0" u="none" strike="noStrike" kern="1200" cap="none" spc="0" normalizeH="0" baseline="0" noProof="0" dirty="0">
+              <a:ln>
+                <a:noFill/>
+              </a:ln>
+              <a:solidFill>
+                <a:schemeClr val="tx1"/>
+              </a:solidFill>
+              <a:effectLst/>
+              <a:uLnTx/>
+              <a:uFillTx/>
+              <a:latin typeface="+mj-lt"/>
+              <a:ea typeface="+mj-ea"/>
+              <a:cs typeface="+mj-cs"/>
+            </a:endParaRPr>
+          </a:p>
+        </p:txBody>
+      </p:sp>
+      <p:sp>
+        <p:nvSpPr>
           <p:cNvPr id="5" name="日期版面配置區 4"/>
           <p:cNvSpPr>
             <a:spLocks noGrp="1"/>
@@ -11786,10 +11911,10 @@
           <a:bodyPr/>
           <a:lstStyle/>
           <a:p>
-            <a:fld id="{4E46BE27-E923-4EC2-B046-3272AE2A3E5C}" type="datetime1">
+            <a:fld id="{A4F910E6-8D00-4BAF-8C48-9688E0B449D3}" type="datetime1">
               <a:rPr lang="zh-TW" altLang="en-US" smtClean="0"/>
               <a:pPr/>
-              <a:t>2021/6/18</a:t>
+              <a:t>2021/12/13</a:t>
             </a:fld>
             <a:endParaRPr lang="zh-TW" altLang="en-US"/>
           </a:p>
@@ -11819,7 +11944,570 @@
           </a:p>
         </p:txBody>
       </p:sp>
+      <p:sp>
+        <p:nvSpPr>
+          <p:cNvPr id="10" name="Rectangle 9">
+            <a:extLst>
+              <a:ext uri="{FF2B5EF4-FFF2-40B4-BE49-F238E27FC236}">
+                <a16:creationId xmlns:a16="http://schemas.microsoft.com/office/drawing/2014/main" id="{39729D04-7902-46A6-9C6C-096AD8B3C664}"/>
+              </a:ext>
+            </a:extLst>
+          </p:cNvPr>
+          <p:cNvSpPr/>
+          <p:nvPr/>
+        </p:nvSpPr>
+        <p:spPr>
+          <a:xfrm>
+            <a:off x="611560" y="2847002"/>
+            <a:ext cx="2736304" cy="599606"/>
+          </a:xfrm>
+          <a:prstGeom prst="rect">
+            <a:avLst/>
+          </a:prstGeom>
+          <a:noFill/>
+          <a:ln>
+            <a:solidFill>
+              <a:srgbClr val="C00000"/>
+            </a:solidFill>
+          </a:ln>
+        </p:spPr>
+        <p:style>
+          <a:lnRef idx="2">
+            <a:schemeClr val="accent1">
+              <a:shade val="50000"/>
+            </a:schemeClr>
+          </a:lnRef>
+          <a:fillRef idx="1">
+            <a:schemeClr val="accent1"/>
+          </a:fillRef>
+          <a:effectRef idx="0">
+            <a:schemeClr val="accent1"/>
+          </a:effectRef>
+          <a:fontRef idx="minor">
+            <a:schemeClr val="lt1"/>
+          </a:fontRef>
+        </p:style>
+        <p:txBody>
+          <a:bodyPr rtlCol="0" anchor="ctr"/>
+          <a:lstStyle/>
+          <a:p>
+            <a:pPr algn="ctr"/>
+            <a:endParaRPr lang="en-US"/>
+          </a:p>
+        </p:txBody>
+      </p:sp>
     </p:spTree>
+    <p:extLst>
+      <p:ext uri="{BB962C8B-B14F-4D97-AF65-F5344CB8AC3E}">
+        <p14:creationId xmlns:p14="http://schemas.microsoft.com/office/powerpoint/2010/main" val="1391532752"/>
+      </p:ext>
+    </p:extLst>
+  </p:cSld>
+  <p:clrMapOvr>
+    <a:masterClrMapping/>
+  </p:clrMapOvr>
+</p:sld>
+</file>
+
+<file path=ppt/slides/slide29.xml><?xml version="1.0" encoding="utf-8"?>
+<p:sld xmlns:a="http://schemas.openxmlformats.org/drawingml/2006/main" xmlns:r="http://schemas.openxmlformats.org/officeDocument/2006/relationships" xmlns:p="http://schemas.openxmlformats.org/presentationml/2006/main">
+  <p:cSld>
+    <p:spTree>
+      <p:nvGrpSpPr>
+        <p:cNvPr id="1" name=""/>
+        <p:cNvGrpSpPr/>
+        <p:nvPr/>
+      </p:nvGrpSpPr>
+      <p:grpSpPr>
+        <a:xfrm>
+          <a:off x="0" y="0"/>
+          <a:ext cx="0" cy="0"/>
+          <a:chOff x="0" y="0"/>
+          <a:chExt cx="0" cy="0"/>
+        </a:xfrm>
+      </p:grpSpPr>
+      <p:pic>
+        <p:nvPicPr>
+          <p:cNvPr id="16" name="Picture 15">
+            <a:extLst>
+              <a:ext uri="{FF2B5EF4-FFF2-40B4-BE49-F238E27FC236}">
+                <a16:creationId xmlns:a16="http://schemas.microsoft.com/office/drawing/2014/main" id="{59C51CBC-B135-4328-99C5-AF1694B589D2}"/>
+              </a:ext>
+            </a:extLst>
+          </p:cNvPr>
+          <p:cNvPicPr>
+            <a:picLocks noChangeAspect="1"/>
+          </p:cNvPicPr>
+          <p:nvPr/>
+        </p:nvPicPr>
+        <p:blipFill>
+          <a:blip r:embed="rId2"/>
+          <a:stretch>
+            <a:fillRect/>
+          </a:stretch>
+        </p:blipFill>
+        <p:spPr>
+          <a:xfrm>
+            <a:off x="457200" y="3675637"/>
+            <a:ext cx="7658100" cy="1543050"/>
+          </a:xfrm>
+          <a:prstGeom prst="rect">
+            <a:avLst/>
+          </a:prstGeom>
+        </p:spPr>
+      </p:pic>
+      <p:sp>
+        <p:nvSpPr>
+          <p:cNvPr id="2" name="標題 1"/>
+          <p:cNvSpPr>
+            <a:spLocks noGrp="1"/>
+          </p:cNvSpPr>
+          <p:nvPr>
+            <p:ph type="ctrTitle"/>
+          </p:nvPr>
+        </p:nvSpPr>
+        <p:spPr>
+          <a:xfrm>
+            <a:off x="0" y="1"/>
+            <a:ext cx="9144000" cy="764704"/>
+          </a:xfrm>
+          <a:gradFill flip="none" rotWithShape="1">
+            <a:gsLst>
+              <a:gs pos="0">
+                <a:srgbClr val="C00000">
+                  <a:shade val="30000"/>
+                  <a:satMod val="115000"/>
+                </a:srgbClr>
+              </a:gs>
+              <a:gs pos="50000">
+                <a:srgbClr val="C00000">
+                  <a:shade val="67500"/>
+                  <a:satMod val="115000"/>
+                </a:srgbClr>
+              </a:gs>
+              <a:gs pos="100000">
+                <a:srgbClr val="C00000">
+                  <a:shade val="100000"/>
+                  <a:satMod val="115000"/>
+                </a:srgbClr>
+              </a:gs>
+            </a:gsLst>
+            <a:path path="circle">
+              <a:fillToRect t="100000" r="100000"/>
+            </a:path>
+            <a:tileRect l="-100000" b="-100000"/>
+          </a:gradFill>
+        </p:spPr>
+        <p:txBody>
+          <a:bodyPr>
+            <a:normAutofit/>
+          </a:bodyPr>
+          <a:lstStyle/>
+          <a:p>
+            <a:pPr algn="l"/>
+            <a:r>
+              <a:rPr lang="en-US" altLang="zh-TW" sz="4400" b="1" dirty="0">
+                <a:solidFill>
+                  <a:srgbClr val="FFFF00"/>
+                </a:solidFill>
+              </a:rPr>
+              <a:t>15.1 Setup Docker Swarm on Ubuntu</a:t>
+            </a:r>
+            <a:endParaRPr lang="zh-TW" altLang="en-US" b="1" dirty="0">
+              <a:solidFill>
+                <a:srgbClr val="FFFF00"/>
+              </a:solidFill>
+            </a:endParaRPr>
+          </a:p>
+        </p:txBody>
+      </p:sp>
+      <p:sp>
+        <p:nvSpPr>
+          <p:cNvPr id="3" name="副標題 2"/>
+          <p:cNvSpPr>
+            <a:spLocks noGrp="1"/>
+          </p:cNvSpPr>
+          <p:nvPr>
+            <p:ph type="subTitle" idx="1"/>
+          </p:nvPr>
+        </p:nvSpPr>
+        <p:spPr>
+          <a:xfrm>
+            <a:off x="323528" y="836709"/>
+            <a:ext cx="8496944" cy="2345653"/>
+          </a:xfrm>
+          <a:ln>
+            <a:solidFill>
+              <a:srgbClr val="C00000"/>
+            </a:solidFill>
+          </a:ln>
+        </p:spPr>
+        <p:txBody>
+          <a:bodyPr>
+            <a:noAutofit/>
+          </a:bodyPr>
+          <a:lstStyle/>
+          <a:p>
+            <a:pPr marL="342900" indent="-342900" algn="l">
+              <a:buClr>
+                <a:srgbClr val="0070C0"/>
+              </a:buClr>
+              <a:buSzPct val="80000"/>
+              <a:buFont typeface="Wingdings" pitchFamily="2" charset="2"/>
+              <a:buChar char="u"/>
+            </a:pPr>
+            <a:r>
+              <a:rPr lang="en-US" sz="1800" b="1" dirty="0">
+                <a:solidFill>
+                  <a:srgbClr val="C00000"/>
+                </a:solidFill>
+              </a:rPr>
+              <a:t>Setup Docker Swarm on Ubuntu (12:20/15:41)</a:t>
+            </a:r>
+          </a:p>
+          <a:p>
+            <a:pPr marL="342900" indent="-342900" algn="l">
+              <a:buClr>
+                <a:srgbClr val="0070C0"/>
+              </a:buClr>
+              <a:buSzPct val="80000"/>
+              <a:buFont typeface="Wingdings" pitchFamily="2" charset="2"/>
+              <a:buChar char="u"/>
+            </a:pPr>
+            <a:r>
+              <a:rPr lang="en-US" sz="1800" b="1" dirty="0">
+                <a:solidFill>
+                  <a:schemeClr val="tx1"/>
+                </a:solidFill>
+              </a:rPr>
+              <a:t>In the manager terminal, </a:t>
+            </a:r>
+          </a:p>
+          <a:p>
+            <a:pPr marL="342900" indent="-342900" algn="l">
+              <a:buClr>
+                <a:srgbClr val="0070C0"/>
+              </a:buClr>
+              <a:buSzPct val="80000"/>
+              <a:buFont typeface="Wingdings" pitchFamily="2" charset="2"/>
+              <a:buChar char="u"/>
+            </a:pPr>
+            <a:r>
+              <a:rPr lang="en-US" sz="1800" b="1" dirty="0">
+                <a:solidFill>
+                  <a:schemeClr val="tx1"/>
+                </a:solidFill>
+              </a:rPr>
+              <a:t>&gt; sudo docker node ls</a:t>
+            </a:r>
+          </a:p>
+          <a:p>
+            <a:pPr marL="342900" indent="-342900" algn="l">
+              <a:buClr>
+                <a:srgbClr val="0070C0"/>
+              </a:buClr>
+              <a:buSzPct val="80000"/>
+              <a:buFont typeface="Wingdings" pitchFamily="2" charset="2"/>
+              <a:buChar char="u"/>
+            </a:pPr>
+            <a:r>
+              <a:rPr lang="en-US" sz="1800" b="1" dirty="0">
+                <a:solidFill>
+                  <a:schemeClr val="tx1"/>
+                </a:solidFill>
+              </a:rPr>
+              <a:t>You can see both the worker node and manager node are running.</a:t>
+            </a:r>
+          </a:p>
+          <a:p>
+            <a:pPr marL="342900" indent="-342900" algn="l">
+              <a:buClr>
+                <a:srgbClr val="0070C0"/>
+              </a:buClr>
+              <a:buSzPct val="80000"/>
+              <a:buFont typeface="Wingdings" pitchFamily="2" charset="2"/>
+              <a:buChar char="u"/>
+            </a:pPr>
+            <a:r>
+              <a:rPr lang="en-US" sz="1800" b="1" dirty="0">
+                <a:solidFill>
+                  <a:schemeClr val="tx1"/>
+                </a:solidFill>
+              </a:rPr>
+              <a:t>Both are active.</a:t>
+            </a:r>
+          </a:p>
+          <a:p>
+            <a:pPr marL="342900" indent="-342900" algn="l">
+              <a:buClr>
+                <a:srgbClr val="0070C0"/>
+              </a:buClr>
+              <a:buSzPct val="80000"/>
+              <a:buFont typeface="Wingdings" pitchFamily="2" charset="2"/>
+              <a:buChar char="u"/>
+            </a:pPr>
+            <a:r>
+              <a:rPr lang="en-US" sz="1800" b="1" dirty="0">
+                <a:solidFill>
+                  <a:schemeClr val="tx1"/>
+                </a:solidFill>
+              </a:rPr>
+              <a:t>…and manager is the leader. </a:t>
+            </a:r>
+          </a:p>
+          <a:p>
+            <a:pPr marL="342900" indent="-342900" algn="l">
+              <a:buClr>
+                <a:srgbClr val="0070C0"/>
+              </a:buClr>
+              <a:buSzPct val="80000"/>
+              <a:buFont typeface="Wingdings" pitchFamily="2" charset="2"/>
+              <a:buChar char="u"/>
+            </a:pPr>
+            <a:r>
+              <a:rPr lang="en-US" sz="1800" b="1" dirty="0">
+                <a:solidFill>
+                  <a:schemeClr val="tx1"/>
+                </a:solidFill>
+              </a:rPr>
+              <a:t>…and worker is in the swarm. </a:t>
+            </a:r>
+          </a:p>
+        </p:txBody>
+      </p:sp>
+      <p:sp>
+        <p:nvSpPr>
+          <p:cNvPr id="4" name="標題 1"/>
+          <p:cNvSpPr txBox="1">
+            <a:spLocks/>
+          </p:cNvSpPr>
+          <p:nvPr/>
+        </p:nvSpPr>
+        <p:spPr>
+          <a:xfrm>
+            <a:off x="0" y="764704"/>
+            <a:ext cx="9144000" cy="360040"/>
+          </a:xfrm>
+          <a:prstGeom prst="rect">
+            <a:avLst/>
+          </a:prstGeom>
+          <a:gradFill flip="none" rotWithShape="1">
+            <a:gsLst>
+              <a:gs pos="0">
+                <a:srgbClr val="00B0F0">
+                  <a:shade val="30000"/>
+                  <a:satMod val="115000"/>
+                </a:srgbClr>
+              </a:gs>
+              <a:gs pos="50000">
+                <a:srgbClr val="00B0F0">
+                  <a:shade val="67500"/>
+                  <a:satMod val="115000"/>
+                </a:srgbClr>
+              </a:gs>
+              <a:gs pos="100000">
+                <a:srgbClr val="00B0F0">
+                  <a:shade val="100000"/>
+                  <a:satMod val="115000"/>
+                </a:srgbClr>
+              </a:gs>
+            </a:gsLst>
+            <a:path path="circle">
+              <a:fillToRect t="100000" r="100000"/>
+            </a:path>
+            <a:tileRect l="-100000" b="-100000"/>
+          </a:gradFill>
+        </p:spPr>
+        <p:txBody>
+          <a:bodyPr vert="horz" lIns="91440" tIns="45720" rIns="91440" bIns="45720" rtlCol="0" anchor="ctr">
+            <a:normAutofit/>
+          </a:bodyPr>
+          <a:lstStyle/>
+          <a:p>
+            <a:pPr lvl="0">
+              <a:spcBef>
+                <a:spcPct val="0"/>
+              </a:spcBef>
+            </a:pPr>
+            <a:r>
+              <a:rPr lang="en-US" sz="1600" dirty="0"/>
+              <a:t>https://computingforgeeks.com/how-to-install-docker-swarm-on-ubuntu/</a:t>
+            </a:r>
+            <a:endParaRPr kumimoji="0" lang="zh-TW" altLang="en-US" sz="1600" b="0" i="0" u="none" strike="noStrike" kern="1200" cap="none" spc="0" normalizeH="0" baseline="0" noProof="0" dirty="0">
+              <a:ln>
+                <a:noFill/>
+              </a:ln>
+              <a:solidFill>
+                <a:schemeClr val="tx1"/>
+              </a:solidFill>
+              <a:effectLst/>
+              <a:uLnTx/>
+              <a:uFillTx/>
+              <a:latin typeface="+mj-lt"/>
+              <a:ea typeface="+mj-ea"/>
+              <a:cs typeface="+mj-cs"/>
+            </a:endParaRPr>
+          </a:p>
+        </p:txBody>
+      </p:sp>
+      <p:sp>
+        <p:nvSpPr>
+          <p:cNvPr id="5" name="日期版面配置區 4"/>
+          <p:cNvSpPr>
+            <a:spLocks noGrp="1"/>
+          </p:cNvSpPr>
+          <p:nvPr>
+            <p:ph type="dt" sz="half" idx="10"/>
+          </p:nvPr>
+        </p:nvSpPr>
+        <p:spPr/>
+        <p:txBody>
+          <a:bodyPr/>
+          <a:lstStyle/>
+          <a:p>
+            <a:fld id="{A4F910E6-8D00-4BAF-8C48-9688E0B449D3}" type="datetime1">
+              <a:rPr lang="zh-TW" altLang="en-US" smtClean="0"/>
+              <a:pPr/>
+              <a:t>2021/12/13</a:t>
+            </a:fld>
+            <a:endParaRPr lang="zh-TW" altLang="en-US"/>
+          </a:p>
+        </p:txBody>
+      </p:sp>
+      <p:sp>
+        <p:nvSpPr>
+          <p:cNvPr id="6" name="投影片編號版面配置區 5"/>
+          <p:cNvSpPr>
+            <a:spLocks noGrp="1"/>
+          </p:cNvSpPr>
+          <p:nvPr>
+            <p:ph type="sldNum" sz="quarter" idx="12"/>
+          </p:nvPr>
+        </p:nvSpPr>
+        <p:spPr/>
+        <p:txBody>
+          <a:bodyPr/>
+          <a:lstStyle/>
+          <a:p>
+            <a:fld id="{E4D7E63D-91F2-4366-A2C4-1B00C9E2590E}" type="slidenum">
+              <a:rPr lang="zh-TW" altLang="en-US" smtClean="0"/>
+              <a:pPr/>
+              <a:t>29</a:t>
+            </a:fld>
+            <a:endParaRPr lang="zh-TW" altLang="en-US"/>
+          </a:p>
+        </p:txBody>
+      </p:sp>
+      <p:sp>
+        <p:nvSpPr>
+          <p:cNvPr id="10" name="Rectangle 9">
+            <a:extLst>
+              <a:ext uri="{FF2B5EF4-FFF2-40B4-BE49-F238E27FC236}">
+                <a16:creationId xmlns:a16="http://schemas.microsoft.com/office/drawing/2014/main" id="{39729D04-7902-46A6-9C6C-096AD8B3C664}"/>
+              </a:ext>
+            </a:extLst>
+          </p:cNvPr>
+          <p:cNvSpPr/>
+          <p:nvPr/>
+        </p:nvSpPr>
+        <p:spPr>
+          <a:xfrm>
+            <a:off x="716051" y="4268806"/>
+            <a:ext cx="4402832" cy="360040"/>
+          </a:xfrm>
+          <a:prstGeom prst="rect">
+            <a:avLst/>
+          </a:prstGeom>
+          <a:noFill/>
+          <a:ln>
+            <a:solidFill>
+              <a:srgbClr val="C00000"/>
+            </a:solidFill>
+          </a:ln>
+        </p:spPr>
+        <p:style>
+          <a:lnRef idx="2">
+            <a:schemeClr val="accent1">
+              <a:shade val="50000"/>
+            </a:schemeClr>
+          </a:lnRef>
+          <a:fillRef idx="1">
+            <a:schemeClr val="accent1"/>
+          </a:fillRef>
+          <a:effectRef idx="0">
+            <a:schemeClr val="accent1"/>
+          </a:effectRef>
+          <a:fontRef idx="minor">
+            <a:schemeClr val="lt1"/>
+          </a:fontRef>
+        </p:style>
+        <p:txBody>
+          <a:bodyPr rtlCol="0" anchor="ctr"/>
+          <a:lstStyle/>
+          <a:p>
+            <a:pPr algn="ctr"/>
+            <a:endParaRPr lang="en-US" dirty="0"/>
+          </a:p>
+        </p:txBody>
+      </p:sp>
+      <p:sp>
+        <p:nvSpPr>
+          <p:cNvPr id="19" name="Rectangle 18">
+            <a:extLst>
+              <a:ext uri="{FF2B5EF4-FFF2-40B4-BE49-F238E27FC236}">
+                <a16:creationId xmlns:a16="http://schemas.microsoft.com/office/drawing/2014/main" id="{4064960E-C981-42F9-891B-32F4153D9C30}"/>
+              </a:ext>
+            </a:extLst>
+          </p:cNvPr>
+          <p:cNvSpPr/>
+          <p:nvPr/>
+        </p:nvSpPr>
+        <p:spPr>
+          <a:xfrm>
+            <a:off x="2615045" y="4683984"/>
+            <a:ext cx="1549152" cy="360040"/>
+          </a:xfrm>
+          <a:prstGeom prst="rect">
+            <a:avLst/>
+          </a:prstGeom>
+          <a:noFill/>
+          <a:ln>
+            <a:solidFill>
+              <a:srgbClr val="C00000"/>
+            </a:solidFill>
+          </a:ln>
+        </p:spPr>
+        <p:style>
+          <a:lnRef idx="2">
+            <a:schemeClr val="accent1">
+              <a:shade val="50000"/>
+            </a:schemeClr>
+          </a:lnRef>
+          <a:fillRef idx="1">
+            <a:schemeClr val="accent1"/>
+          </a:fillRef>
+          <a:effectRef idx="0">
+            <a:schemeClr val="accent1"/>
+          </a:effectRef>
+          <a:fontRef idx="minor">
+            <a:schemeClr val="lt1"/>
+          </a:fontRef>
+        </p:style>
+        <p:txBody>
+          <a:bodyPr rtlCol="0" anchor="ctr"/>
+          <a:lstStyle/>
+          <a:p>
+            <a:pPr algn="ctr"/>
+            <a:endParaRPr lang="en-US" dirty="0"/>
+          </a:p>
+        </p:txBody>
+      </p:sp>
+    </p:spTree>
+    <p:extLst>
+      <p:ext uri="{BB962C8B-B14F-4D97-AF65-F5344CB8AC3E}">
+        <p14:creationId xmlns:p14="http://schemas.microsoft.com/office/powerpoint/2010/main" val="1176679585"/>
+      </p:ext>
+    </p:extLst>
   </p:cSld>
   <p:clrMapOvr>
     <a:masterClrMapping/>
@@ -12049,7 +12737,7 @@
             </a:pPr>
             <a:r>
               <a:rPr lang="en-US" sz="1600" dirty="0"/>
-              <a:t>https://www.youtube.com/watch?v=bU2NNFJ-UXA&amp;list=PLhW3qG5bs-L99pQsZ74f-LC-tOEsBp2rK&amp;index=15</a:t>
+              <a:t>https://www.youtube.com/watch?v=Tm0Q5zr3FL4</a:t>
             </a:r>
             <a:endParaRPr kumimoji="0" lang="zh-TW" altLang="en-US" sz="1600" b="0" i="0" u="none" strike="noStrike" kern="1200" cap="none" spc="0" normalizeH="0" baseline="0" noProof="0" dirty="0">
               <a:ln>
@@ -12086,7 +12774,7 @@
             <a:fld id="{A4F910E6-8D00-4BAF-8C48-9688E0B449D3}" type="datetime1">
               <a:rPr lang="zh-TW" altLang="en-US" smtClean="0"/>
               <a:pPr/>
-              <a:t>2021/6/18</a:t>
+              <a:t>2021/12/13</a:t>
             </a:fld>
             <a:endParaRPr lang="zh-TW" altLang="en-US"/>
           </a:p>
@@ -12293,6 +12981,3723 @@
 </p:sld>
 </file>
 
+<file path=ppt/slides/slide30.xml><?xml version="1.0" encoding="utf-8"?>
+<p:sld xmlns:a="http://schemas.openxmlformats.org/drawingml/2006/main" xmlns:r="http://schemas.openxmlformats.org/officeDocument/2006/relationships" xmlns:p="http://schemas.openxmlformats.org/presentationml/2006/main">
+  <p:cSld>
+    <p:spTree>
+      <p:nvGrpSpPr>
+        <p:cNvPr id="1" name=""/>
+        <p:cNvGrpSpPr/>
+        <p:nvPr/>
+      </p:nvGrpSpPr>
+      <p:grpSpPr>
+        <a:xfrm>
+          <a:off x="0" y="0"/>
+          <a:ext cx="0" cy="0"/>
+          <a:chOff x="0" y="0"/>
+          <a:chExt cx="0" cy="0"/>
+        </a:xfrm>
+      </p:grpSpPr>
+      <p:pic>
+        <p:nvPicPr>
+          <p:cNvPr id="8" name="Picture 7">
+            <a:extLst>
+              <a:ext uri="{FF2B5EF4-FFF2-40B4-BE49-F238E27FC236}">
+                <a16:creationId xmlns:a16="http://schemas.microsoft.com/office/drawing/2014/main" id="{757A7D3D-DF38-45A7-BCAD-FD340E400CBB}"/>
+              </a:ext>
+            </a:extLst>
+          </p:cNvPr>
+          <p:cNvPicPr>
+            <a:picLocks noChangeAspect="1"/>
+          </p:cNvPicPr>
+          <p:nvPr/>
+        </p:nvPicPr>
+        <p:blipFill>
+          <a:blip r:embed="rId2"/>
+          <a:stretch>
+            <a:fillRect/>
+          </a:stretch>
+        </p:blipFill>
+        <p:spPr>
+          <a:xfrm>
+            <a:off x="716051" y="3375688"/>
+            <a:ext cx="7439025" cy="1619250"/>
+          </a:xfrm>
+          <a:prstGeom prst="rect">
+            <a:avLst/>
+          </a:prstGeom>
+          <a:ln>
+            <a:solidFill>
+              <a:srgbClr val="C00000"/>
+            </a:solidFill>
+          </a:ln>
+        </p:spPr>
+      </p:pic>
+      <p:sp>
+        <p:nvSpPr>
+          <p:cNvPr id="2" name="標題 1"/>
+          <p:cNvSpPr>
+            <a:spLocks noGrp="1"/>
+          </p:cNvSpPr>
+          <p:nvPr>
+            <p:ph type="ctrTitle"/>
+          </p:nvPr>
+        </p:nvSpPr>
+        <p:spPr>
+          <a:xfrm>
+            <a:off x="0" y="1"/>
+            <a:ext cx="9144000" cy="764704"/>
+          </a:xfrm>
+          <a:gradFill flip="none" rotWithShape="1">
+            <a:gsLst>
+              <a:gs pos="0">
+                <a:srgbClr val="C00000">
+                  <a:shade val="30000"/>
+                  <a:satMod val="115000"/>
+                </a:srgbClr>
+              </a:gs>
+              <a:gs pos="50000">
+                <a:srgbClr val="C00000">
+                  <a:shade val="67500"/>
+                  <a:satMod val="115000"/>
+                </a:srgbClr>
+              </a:gs>
+              <a:gs pos="100000">
+                <a:srgbClr val="C00000">
+                  <a:shade val="100000"/>
+                  <a:satMod val="115000"/>
+                </a:srgbClr>
+              </a:gs>
+            </a:gsLst>
+            <a:path path="circle">
+              <a:fillToRect t="100000" r="100000"/>
+            </a:path>
+            <a:tileRect l="-100000" b="-100000"/>
+          </a:gradFill>
+        </p:spPr>
+        <p:txBody>
+          <a:bodyPr>
+            <a:normAutofit/>
+          </a:bodyPr>
+          <a:lstStyle/>
+          <a:p>
+            <a:pPr algn="l"/>
+            <a:r>
+              <a:rPr lang="en-US" altLang="zh-TW" sz="4400" b="1" dirty="0">
+                <a:solidFill>
+                  <a:srgbClr val="FFFF00"/>
+                </a:solidFill>
+              </a:rPr>
+              <a:t>15.1 Setup Docker Swarm on Ubuntu</a:t>
+            </a:r>
+            <a:endParaRPr lang="zh-TW" altLang="en-US" b="1" dirty="0">
+              <a:solidFill>
+                <a:srgbClr val="FFFF00"/>
+              </a:solidFill>
+            </a:endParaRPr>
+          </a:p>
+        </p:txBody>
+      </p:sp>
+      <p:sp>
+        <p:nvSpPr>
+          <p:cNvPr id="3" name="副標題 2"/>
+          <p:cNvSpPr>
+            <a:spLocks noGrp="1"/>
+          </p:cNvSpPr>
+          <p:nvPr>
+            <p:ph type="subTitle" idx="1"/>
+          </p:nvPr>
+        </p:nvSpPr>
+        <p:spPr>
+          <a:xfrm>
+            <a:off x="323528" y="1368475"/>
+            <a:ext cx="8496944" cy="1772493"/>
+          </a:xfrm>
+          <a:ln>
+            <a:solidFill>
+              <a:srgbClr val="C00000"/>
+            </a:solidFill>
+          </a:ln>
+        </p:spPr>
+        <p:txBody>
+          <a:bodyPr>
+            <a:noAutofit/>
+          </a:bodyPr>
+          <a:lstStyle/>
+          <a:p>
+            <a:pPr marL="342900" indent="-342900" algn="l">
+              <a:buClr>
+                <a:srgbClr val="0070C0"/>
+              </a:buClr>
+              <a:buSzPct val="80000"/>
+              <a:buFont typeface="Wingdings" pitchFamily="2" charset="2"/>
+              <a:buChar char="u"/>
+            </a:pPr>
+            <a:r>
+              <a:rPr lang="en-US" sz="1800" b="1" dirty="0">
+                <a:solidFill>
+                  <a:srgbClr val="C00000"/>
+                </a:solidFill>
+              </a:rPr>
+              <a:t>Setup Docker Swarm on Ubuntu (12:20/15:41)</a:t>
+            </a:r>
+          </a:p>
+          <a:p>
+            <a:pPr marL="342900" indent="-342900" algn="l">
+              <a:buClr>
+                <a:srgbClr val="0070C0"/>
+              </a:buClr>
+              <a:buSzPct val="80000"/>
+              <a:buFont typeface="Wingdings" pitchFamily="2" charset="2"/>
+              <a:buChar char="u"/>
+            </a:pPr>
+            <a:r>
+              <a:rPr lang="en-US" sz="1800" b="1" dirty="0">
+                <a:solidFill>
+                  <a:schemeClr val="tx1"/>
+                </a:solidFill>
+              </a:rPr>
+              <a:t>In the manager terminal, </a:t>
+            </a:r>
+          </a:p>
+          <a:p>
+            <a:pPr marL="342900" indent="-342900" algn="l">
+              <a:buClr>
+                <a:srgbClr val="0070C0"/>
+              </a:buClr>
+              <a:buSzPct val="80000"/>
+              <a:buFont typeface="Wingdings" pitchFamily="2" charset="2"/>
+              <a:buChar char="u"/>
+            </a:pPr>
+            <a:r>
+              <a:rPr lang="en-US" sz="1800" b="1" dirty="0">
+                <a:solidFill>
+                  <a:schemeClr val="tx1"/>
+                </a:solidFill>
+              </a:rPr>
+              <a:t>In the manger platform, we create a new service</a:t>
+            </a:r>
+          </a:p>
+          <a:p>
+            <a:pPr marL="342900" indent="-342900" algn="l">
+              <a:buClr>
+                <a:srgbClr val="0070C0"/>
+              </a:buClr>
+              <a:buSzPct val="80000"/>
+              <a:buFont typeface="Wingdings" pitchFamily="2" charset="2"/>
+              <a:buChar char="u"/>
+            </a:pPr>
+            <a:r>
+              <a:rPr lang="en-US" sz="1800" b="1" dirty="0">
+                <a:solidFill>
+                  <a:schemeClr val="tx1"/>
+                </a:solidFill>
+              </a:rPr>
+              <a:t>…so we create a </a:t>
+            </a:r>
+            <a:r>
+              <a:rPr lang="en-US" sz="1800" b="1" dirty="0" err="1">
+                <a:solidFill>
+                  <a:schemeClr val="tx1"/>
+                </a:solidFill>
+              </a:rPr>
+              <a:t>helloworld</a:t>
+            </a:r>
+            <a:r>
+              <a:rPr lang="en-US" sz="1800" b="1" dirty="0">
+                <a:solidFill>
+                  <a:schemeClr val="tx1"/>
+                </a:solidFill>
+              </a:rPr>
+              <a:t> and we use alpine image from docker.com</a:t>
+            </a:r>
+          </a:p>
+          <a:p>
+            <a:pPr marL="342900" indent="-342900" algn="l">
+              <a:buClr>
+                <a:srgbClr val="0070C0"/>
+              </a:buClr>
+              <a:buSzPct val="80000"/>
+              <a:buFont typeface="Wingdings" pitchFamily="2" charset="2"/>
+              <a:buChar char="u"/>
+            </a:pPr>
+            <a:r>
+              <a:rPr lang="en-US" sz="1800" b="1" dirty="0">
+                <a:solidFill>
+                  <a:schemeClr val="tx1"/>
+                </a:solidFill>
+              </a:rPr>
+              <a:t>&gt; sudo docker service create --name </a:t>
+            </a:r>
+            <a:r>
+              <a:rPr lang="en-US" sz="1800" b="1" dirty="0" err="1">
+                <a:solidFill>
+                  <a:schemeClr val="tx1"/>
+                </a:solidFill>
+              </a:rPr>
+              <a:t>helloworld</a:t>
+            </a:r>
+            <a:r>
+              <a:rPr lang="en-US" sz="1800" b="1" dirty="0">
+                <a:solidFill>
+                  <a:schemeClr val="tx1"/>
+                </a:solidFill>
+              </a:rPr>
+              <a:t> alpine ping docer.com</a:t>
+            </a:r>
+          </a:p>
+        </p:txBody>
+      </p:sp>
+      <p:sp>
+        <p:nvSpPr>
+          <p:cNvPr id="4" name="標題 1"/>
+          <p:cNvSpPr txBox="1">
+            <a:spLocks/>
+          </p:cNvSpPr>
+          <p:nvPr/>
+        </p:nvSpPr>
+        <p:spPr>
+          <a:xfrm>
+            <a:off x="0" y="764704"/>
+            <a:ext cx="9144000" cy="360040"/>
+          </a:xfrm>
+          <a:prstGeom prst="rect">
+            <a:avLst/>
+          </a:prstGeom>
+          <a:gradFill flip="none" rotWithShape="1">
+            <a:gsLst>
+              <a:gs pos="0">
+                <a:srgbClr val="00B0F0">
+                  <a:shade val="30000"/>
+                  <a:satMod val="115000"/>
+                </a:srgbClr>
+              </a:gs>
+              <a:gs pos="50000">
+                <a:srgbClr val="00B0F0">
+                  <a:shade val="67500"/>
+                  <a:satMod val="115000"/>
+                </a:srgbClr>
+              </a:gs>
+              <a:gs pos="100000">
+                <a:srgbClr val="00B0F0">
+                  <a:shade val="100000"/>
+                  <a:satMod val="115000"/>
+                </a:srgbClr>
+              </a:gs>
+            </a:gsLst>
+            <a:path path="circle">
+              <a:fillToRect t="100000" r="100000"/>
+            </a:path>
+            <a:tileRect l="-100000" b="-100000"/>
+          </a:gradFill>
+        </p:spPr>
+        <p:txBody>
+          <a:bodyPr vert="horz" lIns="91440" tIns="45720" rIns="91440" bIns="45720" rtlCol="0" anchor="ctr">
+            <a:normAutofit/>
+          </a:bodyPr>
+          <a:lstStyle/>
+          <a:p>
+            <a:pPr lvl="0">
+              <a:spcBef>
+                <a:spcPct val="0"/>
+              </a:spcBef>
+            </a:pPr>
+            <a:r>
+              <a:rPr lang="en-US" sz="1600" dirty="0"/>
+              <a:t>https://computingforgeeks.com/how-to-install-docker-swarm-on-ubuntu/</a:t>
+            </a:r>
+            <a:endParaRPr kumimoji="0" lang="zh-TW" altLang="en-US" sz="1600" b="0" i="0" u="none" strike="noStrike" kern="1200" cap="none" spc="0" normalizeH="0" baseline="0" noProof="0" dirty="0">
+              <a:ln>
+                <a:noFill/>
+              </a:ln>
+              <a:solidFill>
+                <a:schemeClr val="tx1"/>
+              </a:solidFill>
+              <a:effectLst/>
+              <a:uLnTx/>
+              <a:uFillTx/>
+              <a:latin typeface="+mj-lt"/>
+              <a:ea typeface="+mj-ea"/>
+              <a:cs typeface="+mj-cs"/>
+            </a:endParaRPr>
+          </a:p>
+        </p:txBody>
+      </p:sp>
+      <p:sp>
+        <p:nvSpPr>
+          <p:cNvPr id="5" name="日期版面配置區 4"/>
+          <p:cNvSpPr>
+            <a:spLocks noGrp="1"/>
+          </p:cNvSpPr>
+          <p:nvPr>
+            <p:ph type="dt" sz="half" idx="10"/>
+          </p:nvPr>
+        </p:nvSpPr>
+        <p:spPr/>
+        <p:txBody>
+          <a:bodyPr/>
+          <a:lstStyle/>
+          <a:p>
+            <a:fld id="{A4F910E6-8D00-4BAF-8C48-9688E0B449D3}" type="datetime1">
+              <a:rPr lang="zh-TW" altLang="en-US" smtClean="0"/>
+              <a:pPr/>
+              <a:t>2021/12/13</a:t>
+            </a:fld>
+            <a:endParaRPr lang="zh-TW" altLang="en-US"/>
+          </a:p>
+        </p:txBody>
+      </p:sp>
+      <p:sp>
+        <p:nvSpPr>
+          <p:cNvPr id="6" name="投影片編號版面配置區 5"/>
+          <p:cNvSpPr>
+            <a:spLocks noGrp="1"/>
+          </p:cNvSpPr>
+          <p:nvPr>
+            <p:ph type="sldNum" sz="quarter" idx="12"/>
+          </p:nvPr>
+        </p:nvSpPr>
+        <p:spPr/>
+        <p:txBody>
+          <a:bodyPr/>
+          <a:lstStyle/>
+          <a:p>
+            <a:fld id="{E4D7E63D-91F2-4366-A2C4-1B00C9E2590E}" type="slidenum">
+              <a:rPr lang="zh-TW" altLang="en-US" smtClean="0"/>
+              <a:pPr/>
+              <a:t>30</a:t>
+            </a:fld>
+            <a:endParaRPr lang="zh-TW" altLang="en-US"/>
+          </a:p>
+        </p:txBody>
+      </p:sp>
+      <p:sp>
+        <p:nvSpPr>
+          <p:cNvPr id="10" name="Rectangle 9">
+            <a:extLst>
+              <a:ext uri="{FF2B5EF4-FFF2-40B4-BE49-F238E27FC236}">
+                <a16:creationId xmlns:a16="http://schemas.microsoft.com/office/drawing/2014/main" id="{39729D04-7902-46A6-9C6C-096AD8B3C664}"/>
+              </a:ext>
+            </a:extLst>
+          </p:cNvPr>
+          <p:cNvSpPr/>
+          <p:nvPr/>
+        </p:nvSpPr>
+        <p:spPr>
+          <a:xfrm>
+            <a:off x="2483768" y="4502380"/>
+            <a:ext cx="5544616" cy="294772"/>
+          </a:xfrm>
+          <a:prstGeom prst="rect">
+            <a:avLst/>
+          </a:prstGeom>
+          <a:noFill/>
+          <a:ln>
+            <a:solidFill>
+              <a:srgbClr val="C00000"/>
+            </a:solidFill>
+          </a:ln>
+        </p:spPr>
+        <p:style>
+          <a:lnRef idx="2">
+            <a:schemeClr val="accent1">
+              <a:shade val="50000"/>
+            </a:schemeClr>
+          </a:lnRef>
+          <a:fillRef idx="1">
+            <a:schemeClr val="accent1"/>
+          </a:fillRef>
+          <a:effectRef idx="0">
+            <a:schemeClr val="accent1"/>
+          </a:effectRef>
+          <a:fontRef idx="minor">
+            <a:schemeClr val="lt1"/>
+          </a:fontRef>
+        </p:style>
+        <p:txBody>
+          <a:bodyPr rtlCol="0" anchor="ctr"/>
+          <a:lstStyle/>
+          <a:p>
+            <a:pPr algn="ctr"/>
+            <a:endParaRPr lang="en-US" dirty="0"/>
+          </a:p>
+        </p:txBody>
+      </p:sp>
+    </p:spTree>
+    <p:extLst>
+      <p:ext uri="{BB962C8B-B14F-4D97-AF65-F5344CB8AC3E}">
+        <p14:creationId xmlns:p14="http://schemas.microsoft.com/office/powerpoint/2010/main" val="3363240389"/>
+      </p:ext>
+    </p:extLst>
+  </p:cSld>
+  <p:clrMapOvr>
+    <a:masterClrMapping/>
+  </p:clrMapOvr>
+</p:sld>
+</file>
+
+<file path=ppt/slides/slide31.xml><?xml version="1.0" encoding="utf-8"?>
+<p:sld xmlns:a="http://schemas.openxmlformats.org/drawingml/2006/main" xmlns:r="http://schemas.openxmlformats.org/officeDocument/2006/relationships" xmlns:p="http://schemas.openxmlformats.org/presentationml/2006/main">
+  <p:cSld>
+    <p:spTree>
+      <p:nvGrpSpPr>
+        <p:cNvPr id="1" name=""/>
+        <p:cNvGrpSpPr/>
+        <p:nvPr/>
+      </p:nvGrpSpPr>
+      <p:grpSpPr>
+        <a:xfrm>
+          <a:off x="0" y="0"/>
+          <a:ext cx="0" cy="0"/>
+          <a:chOff x="0" y="0"/>
+          <a:chExt cx="0" cy="0"/>
+        </a:xfrm>
+      </p:grpSpPr>
+      <p:pic>
+        <p:nvPicPr>
+          <p:cNvPr id="9" name="Picture 8">
+            <a:extLst>
+              <a:ext uri="{FF2B5EF4-FFF2-40B4-BE49-F238E27FC236}">
+                <a16:creationId xmlns:a16="http://schemas.microsoft.com/office/drawing/2014/main" id="{FF5EB162-5616-429E-8E37-1D39D6458EEC}"/>
+              </a:ext>
+            </a:extLst>
+          </p:cNvPr>
+          <p:cNvPicPr>
+            <a:picLocks noChangeAspect="1"/>
+          </p:cNvPicPr>
+          <p:nvPr/>
+        </p:nvPicPr>
+        <p:blipFill>
+          <a:blip r:embed="rId2"/>
+          <a:stretch>
+            <a:fillRect/>
+          </a:stretch>
+        </p:blipFill>
+        <p:spPr>
+          <a:xfrm>
+            <a:off x="611560" y="3007354"/>
+            <a:ext cx="7581900" cy="1952625"/>
+          </a:xfrm>
+          <a:prstGeom prst="rect">
+            <a:avLst/>
+          </a:prstGeom>
+          <a:ln>
+            <a:solidFill>
+              <a:srgbClr val="C00000"/>
+            </a:solidFill>
+          </a:ln>
+        </p:spPr>
+      </p:pic>
+      <p:sp>
+        <p:nvSpPr>
+          <p:cNvPr id="2" name="標題 1"/>
+          <p:cNvSpPr>
+            <a:spLocks noGrp="1"/>
+          </p:cNvSpPr>
+          <p:nvPr>
+            <p:ph type="ctrTitle"/>
+          </p:nvPr>
+        </p:nvSpPr>
+        <p:spPr>
+          <a:xfrm>
+            <a:off x="0" y="1"/>
+            <a:ext cx="9144000" cy="764704"/>
+          </a:xfrm>
+          <a:gradFill flip="none" rotWithShape="1">
+            <a:gsLst>
+              <a:gs pos="0">
+                <a:srgbClr val="C00000">
+                  <a:shade val="30000"/>
+                  <a:satMod val="115000"/>
+                </a:srgbClr>
+              </a:gs>
+              <a:gs pos="50000">
+                <a:srgbClr val="C00000">
+                  <a:shade val="67500"/>
+                  <a:satMod val="115000"/>
+                </a:srgbClr>
+              </a:gs>
+              <a:gs pos="100000">
+                <a:srgbClr val="C00000">
+                  <a:shade val="100000"/>
+                  <a:satMod val="115000"/>
+                </a:srgbClr>
+              </a:gs>
+            </a:gsLst>
+            <a:path path="circle">
+              <a:fillToRect t="100000" r="100000"/>
+            </a:path>
+            <a:tileRect l="-100000" b="-100000"/>
+          </a:gradFill>
+        </p:spPr>
+        <p:txBody>
+          <a:bodyPr>
+            <a:normAutofit/>
+          </a:bodyPr>
+          <a:lstStyle/>
+          <a:p>
+            <a:pPr algn="l"/>
+            <a:r>
+              <a:rPr lang="en-US" altLang="zh-TW" sz="4400" b="1" dirty="0">
+                <a:solidFill>
+                  <a:srgbClr val="FFFF00"/>
+                </a:solidFill>
+              </a:rPr>
+              <a:t>15.1 Setup Docker Swarm on Ubuntu</a:t>
+            </a:r>
+            <a:endParaRPr lang="zh-TW" altLang="en-US" b="1" dirty="0">
+              <a:solidFill>
+                <a:srgbClr val="FFFF00"/>
+              </a:solidFill>
+            </a:endParaRPr>
+          </a:p>
+        </p:txBody>
+      </p:sp>
+      <p:sp>
+        <p:nvSpPr>
+          <p:cNvPr id="3" name="副標題 2"/>
+          <p:cNvSpPr>
+            <a:spLocks noGrp="1"/>
+          </p:cNvSpPr>
+          <p:nvPr>
+            <p:ph type="subTitle" idx="1"/>
+          </p:nvPr>
+        </p:nvSpPr>
+        <p:spPr>
+          <a:xfrm>
+            <a:off x="323528" y="1368476"/>
+            <a:ext cx="8496944" cy="1484460"/>
+          </a:xfrm>
+          <a:ln>
+            <a:solidFill>
+              <a:srgbClr val="C00000"/>
+            </a:solidFill>
+          </a:ln>
+        </p:spPr>
+        <p:txBody>
+          <a:bodyPr>
+            <a:noAutofit/>
+          </a:bodyPr>
+          <a:lstStyle/>
+          <a:p>
+            <a:pPr marL="342900" indent="-342900" algn="l">
+              <a:buClr>
+                <a:srgbClr val="0070C0"/>
+              </a:buClr>
+              <a:buSzPct val="80000"/>
+              <a:buFont typeface="Wingdings" pitchFamily="2" charset="2"/>
+              <a:buChar char="u"/>
+            </a:pPr>
+            <a:r>
+              <a:rPr lang="en-US" sz="1800" b="1" dirty="0">
+                <a:solidFill>
+                  <a:srgbClr val="C00000"/>
+                </a:solidFill>
+              </a:rPr>
+              <a:t>Setup Docker Swarm on Ubuntu (12:50/15:41)</a:t>
+            </a:r>
+          </a:p>
+          <a:p>
+            <a:pPr marL="342900" indent="-342900" algn="l">
+              <a:buClr>
+                <a:srgbClr val="0070C0"/>
+              </a:buClr>
+              <a:buSzPct val="80000"/>
+              <a:buFont typeface="Wingdings" pitchFamily="2" charset="2"/>
+              <a:buChar char="u"/>
+            </a:pPr>
+            <a:r>
+              <a:rPr lang="en-US" sz="1800" b="1" dirty="0">
+                <a:solidFill>
+                  <a:schemeClr val="tx1"/>
+                </a:solidFill>
+              </a:rPr>
+              <a:t>It takes minute to run.</a:t>
+            </a:r>
+          </a:p>
+          <a:p>
+            <a:pPr marL="342900" indent="-342900" algn="l">
+              <a:buClr>
+                <a:srgbClr val="0070C0"/>
+              </a:buClr>
+              <a:buSzPct val="80000"/>
+              <a:buFont typeface="Wingdings" pitchFamily="2" charset="2"/>
+              <a:buChar char="u"/>
+            </a:pPr>
+            <a:r>
+              <a:rPr lang="en-US" sz="1800" b="1" dirty="0">
+                <a:solidFill>
+                  <a:schemeClr val="tx1"/>
+                </a:solidFill>
+              </a:rPr>
+              <a:t>We see the message “verify: service converged”</a:t>
+            </a:r>
+          </a:p>
+          <a:p>
+            <a:pPr marL="342900" indent="-342900" algn="l">
+              <a:buClr>
+                <a:srgbClr val="0070C0"/>
+              </a:buClr>
+              <a:buSzPct val="80000"/>
+              <a:buFont typeface="Wingdings" pitchFamily="2" charset="2"/>
+              <a:buChar char="u"/>
+            </a:pPr>
+            <a:r>
+              <a:rPr lang="en-US" sz="1800" b="1" dirty="0">
+                <a:solidFill>
+                  <a:schemeClr val="tx1"/>
+                </a:solidFill>
+              </a:rPr>
+              <a:t>Now, we have the new service has been created.</a:t>
+            </a:r>
+          </a:p>
+        </p:txBody>
+      </p:sp>
+      <p:sp>
+        <p:nvSpPr>
+          <p:cNvPr id="4" name="標題 1"/>
+          <p:cNvSpPr txBox="1">
+            <a:spLocks/>
+          </p:cNvSpPr>
+          <p:nvPr/>
+        </p:nvSpPr>
+        <p:spPr>
+          <a:xfrm>
+            <a:off x="0" y="764704"/>
+            <a:ext cx="9144000" cy="360040"/>
+          </a:xfrm>
+          <a:prstGeom prst="rect">
+            <a:avLst/>
+          </a:prstGeom>
+          <a:gradFill flip="none" rotWithShape="1">
+            <a:gsLst>
+              <a:gs pos="0">
+                <a:srgbClr val="00B0F0">
+                  <a:shade val="30000"/>
+                  <a:satMod val="115000"/>
+                </a:srgbClr>
+              </a:gs>
+              <a:gs pos="50000">
+                <a:srgbClr val="00B0F0">
+                  <a:shade val="67500"/>
+                  <a:satMod val="115000"/>
+                </a:srgbClr>
+              </a:gs>
+              <a:gs pos="100000">
+                <a:srgbClr val="00B0F0">
+                  <a:shade val="100000"/>
+                  <a:satMod val="115000"/>
+                </a:srgbClr>
+              </a:gs>
+            </a:gsLst>
+            <a:path path="circle">
+              <a:fillToRect t="100000" r="100000"/>
+            </a:path>
+            <a:tileRect l="-100000" b="-100000"/>
+          </a:gradFill>
+        </p:spPr>
+        <p:txBody>
+          <a:bodyPr vert="horz" lIns="91440" tIns="45720" rIns="91440" bIns="45720" rtlCol="0" anchor="ctr">
+            <a:normAutofit/>
+          </a:bodyPr>
+          <a:lstStyle/>
+          <a:p>
+            <a:pPr lvl="0">
+              <a:spcBef>
+                <a:spcPct val="0"/>
+              </a:spcBef>
+            </a:pPr>
+            <a:r>
+              <a:rPr lang="en-US" sz="1600" dirty="0"/>
+              <a:t>https://computingforgeeks.com/how-to-install-docker-swarm-on-ubuntu/</a:t>
+            </a:r>
+            <a:endParaRPr kumimoji="0" lang="zh-TW" altLang="en-US" sz="1600" b="0" i="0" u="none" strike="noStrike" kern="1200" cap="none" spc="0" normalizeH="0" baseline="0" noProof="0" dirty="0">
+              <a:ln>
+                <a:noFill/>
+              </a:ln>
+              <a:solidFill>
+                <a:schemeClr val="tx1"/>
+              </a:solidFill>
+              <a:effectLst/>
+              <a:uLnTx/>
+              <a:uFillTx/>
+              <a:latin typeface="+mj-lt"/>
+              <a:ea typeface="+mj-ea"/>
+              <a:cs typeface="+mj-cs"/>
+            </a:endParaRPr>
+          </a:p>
+        </p:txBody>
+      </p:sp>
+      <p:sp>
+        <p:nvSpPr>
+          <p:cNvPr id="5" name="日期版面配置區 4"/>
+          <p:cNvSpPr>
+            <a:spLocks noGrp="1"/>
+          </p:cNvSpPr>
+          <p:nvPr>
+            <p:ph type="dt" sz="half" idx="10"/>
+          </p:nvPr>
+        </p:nvSpPr>
+        <p:spPr/>
+        <p:txBody>
+          <a:bodyPr/>
+          <a:lstStyle/>
+          <a:p>
+            <a:fld id="{A4F910E6-8D00-4BAF-8C48-9688E0B449D3}" type="datetime1">
+              <a:rPr lang="zh-TW" altLang="en-US" smtClean="0"/>
+              <a:pPr/>
+              <a:t>2021/12/13</a:t>
+            </a:fld>
+            <a:endParaRPr lang="zh-TW" altLang="en-US"/>
+          </a:p>
+        </p:txBody>
+      </p:sp>
+      <p:sp>
+        <p:nvSpPr>
+          <p:cNvPr id="6" name="投影片編號版面配置區 5"/>
+          <p:cNvSpPr>
+            <a:spLocks noGrp="1"/>
+          </p:cNvSpPr>
+          <p:nvPr>
+            <p:ph type="sldNum" sz="quarter" idx="12"/>
+          </p:nvPr>
+        </p:nvSpPr>
+        <p:spPr/>
+        <p:txBody>
+          <a:bodyPr/>
+          <a:lstStyle/>
+          <a:p>
+            <a:fld id="{E4D7E63D-91F2-4366-A2C4-1B00C9E2590E}" type="slidenum">
+              <a:rPr lang="zh-TW" altLang="en-US" smtClean="0"/>
+              <a:pPr/>
+              <a:t>31</a:t>
+            </a:fld>
+            <a:endParaRPr lang="zh-TW" altLang="en-US"/>
+          </a:p>
+        </p:txBody>
+      </p:sp>
+      <p:sp>
+        <p:nvSpPr>
+          <p:cNvPr id="10" name="Rectangle 9">
+            <a:extLst>
+              <a:ext uri="{FF2B5EF4-FFF2-40B4-BE49-F238E27FC236}">
+                <a16:creationId xmlns:a16="http://schemas.microsoft.com/office/drawing/2014/main" id="{39729D04-7902-46A6-9C6C-096AD8B3C664}"/>
+              </a:ext>
+            </a:extLst>
+          </p:cNvPr>
+          <p:cNvSpPr/>
+          <p:nvPr/>
+        </p:nvSpPr>
+        <p:spPr>
+          <a:xfrm>
+            <a:off x="848924" y="4002979"/>
+            <a:ext cx="7081978" cy="717080"/>
+          </a:xfrm>
+          <a:prstGeom prst="rect">
+            <a:avLst/>
+          </a:prstGeom>
+          <a:noFill/>
+          <a:ln>
+            <a:solidFill>
+              <a:srgbClr val="C00000"/>
+            </a:solidFill>
+          </a:ln>
+        </p:spPr>
+        <p:style>
+          <a:lnRef idx="2">
+            <a:schemeClr val="accent1">
+              <a:shade val="50000"/>
+            </a:schemeClr>
+          </a:lnRef>
+          <a:fillRef idx="1">
+            <a:schemeClr val="accent1"/>
+          </a:fillRef>
+          <a:effectRef idx="0">
+            <a:schemeClr val="accent1"/>
+          </a:effectRef>
+          <a:fontRef idx="minor">
+            <a:schemeClr val="lt1"/>
+          </a:fontRef>
+        </p:style>
+        <p:txBody>
+          <a:bodyPr rtlCol="0" anchor="ctr"/>
+          <a:lstStyle/>
+          <a:p>
+            <a:pPr algn="ctr"/>
+            <a:endParaRPr lang="en-US" dirty="0"/>
+          </a:p>
+        </p:txBody>
+      </p:sp>
+    </p:spTree>
+    <p:extLst>
+      <p:ext uri="{BB962C8B-B14F-4D97-AF65-F5344CB8AC3E}">
+        <p14:creationId xmlns:p14="http://schemas.microsoft.com/office/powerpoint/2010/main" val="4105710782"/>
+      </p:ext>
+    </p:extLst>
+  </p:cSld>
+  <p:clrMapOvr>
+    <a:masterClrMapping/>
+  </p:clrMapOvr>
+</p:sld>
+</file>
+
+<file path=ppt/slides/slide32.xml><?xml version="1.0" encoding="utf-8"?>
+<p:sld xmlns:a="http://schemas.openxmlformats.org/drawingml/2006/main" xmlns:r="http://schemas.openxmlformats.org/officeDocument/2006/relationships" xmlns:p="http://schemas.openxmlformats.org/presentationml/2006/main">
+  <p:cSld>
+    <p:spTree>
+      <p:nvGrpSpPr>
+        <p:cNvPr id="1" name=""/>
+        <p:cNvGrpSpPr/>
+        <p:nvPr/>
+      </p:nvGrpSpPr>
+      <p:grpSpPr>
+        <a:xfrm>
+          <a:off x="0" y="0"/>
+          <a:ext cx="0" cy="0"/>
+          <a:chOff x="0" y="0"/>
+          <a:chExt cx="0" cy="0"/>
+        </a:xfrm>
+      </p:grpSpPr>
+      <p:pic>
+        <p:nvPicPr>
+          <p:cNvPr id="8" name="Picture 7">
+            <a:extLst>
+              <a:ext uri="{FF2B5EF4-FFF2-40B4-BE49-F238E27FC236}">
+                <a16:creationId xmlns:a16="http://schemas.microsoft.com/office/drawing/2014/main" id="{FE886832-6D5E-4933-9AA0-CBA6EB61AB7D}"/>
+              </a:ext>
+            </a:extLst>
+          </p:cNvPr>
+          <p:cNvPicPr>
+            <a:picLocks noChangeAspect="1"/>
+          </p:cNvPicPr>
+          <p:nvPr/>
+        </p:nvPicPr>
+        <p:blipFill>
+          <a:blip r:embed="rId2"/>
+          <a:stretch>
+            <a:fillRect/>
+          </a:stretch>
+        </p:blipFill>
+        <p:spPr>
+          <a:xfrm>
+            <a:off x="722485" y="3096668"/>
+            <a:ext cx="7562850" cy="2571750"/>
+          </a:xfrm>
+          <a:prstGeom prst="rect">
+            <a:avLst/>
+          </a:prstGeom>
+        </p:spPr>
+      </p:pic>
+      <p:sp>
+        <p:nvSpPr>
+          <p:cNvPr id="2" name="標題 1"/>
+          <p:cNvSpPr>
+            <a:spLocks noGrp="1"/>
+          </p:cNvSpPr>
+          <p:nvPr>
+            <p:ph type="ctrTitle"/>
+          </p:nvPr>
+        </p:nvSpPr>
+        <p:spPr>
+          <a:xfrm>
+            <a:off x="0" y="1"/>
+            <a:ext cx="9144000" cy="764704"/>
+          </a:xfrm>
+          <a:gradFill flip="none" rotWithShape="1">
+            <a:gsLst>
+              <a:gs pos="0">
+                <a:srgbClr val="C00000">
+                  <a:shade val="30000"/>
+                  <a:satMod val="115000"/>
+                </a:srgbClr>
+              </a:gs>
+              <a:gs pos="50000">
+                <a:srgbClr val="C00000">
+                  <a:shade val="67500"/>
+                  <a:satMod val="115000"/>
+                </a:srgbClr>
+              </a:gs>
+              <a:gs pos="100000">
+                <a:srgbClr val="C00000">
+                  <a:shade val="100000"/>
+                  <a:satMod val="115000"/>
+                </a:srgbClr>
+              </a:gs>
+            </a:gsLst>
+            <a:path path="circle">
+              <a:fillToRect t="100000" r="100000"/>
+            </a:path>
+            <a:tileRect l="-100000" b="-100000"/>
+          </a:gradFill>
+        </p:spPr>
+        <p:txBody>
+          <a:bodyPr>
+            <a:normAutofit/>
+          </a:bodyPr>
+          <a:lstStyle/>
+          <a:p>
+            <a:pPr algn="l"/>
+            <a:r>
+              <a:rPr lang="en-US" altLang="zh-TW" sz="4400" b="1" dirty="0">
+                <a:solidFill>
+                  <a:srgbClr val="FFFF00"/>
+                </a:solidFill>
+              </a:rPr>
+              <a:t>15.1 Setup Docker Swarm on Ubuntu</a:t>
+            </a:r>
+            <a:endParaRPr lang="zh-TW" altLang="en-US" b="1" dirty="0">
+              <a:solidFill>
+                <a:srgbClr val="FFFF00"/>
+              </a:solidFill>
+            </a:endParaRPr>
+          </a:p>
+        </p:txBody>
+      </p:sp>
+      <p:sp>
+        <p:nvSpPr>
+          <p:cNvPr id="3" name="副標題 2"/>
+          <p:cNvSpPr>
+            <a:spLocks noGrp="1"/>
+          </p:cNvSpPr>
+          <p:nvPr>
+            <p:ph type="subTitle" idx="1"/>
+          </p:nvPr>
+        </p:nvSpPr>
+        <p:spPr>
+          <a:xfrm>
+            <a:off x="323528" y="1368476"/>
+            <a:ext cx="8496944" cy="1484460"/>
+          </a:xfrm>
+          <a:ln>
+            <a:solidFill>
+              <a:srgbClr val="C00000"/>
+            </a:solidFill>
+          </a:ln>
+        </p:spPr>
+        <p:txBody>
+          <a:bodyPr>
+            <a:noAutofit/>
+          </a:bodyPr>
+          <a:lstStyle/>
+          <a:p>
+            <a:pPr marL="342900" indent="-342900" algn="l">
+              <a:buClr>
+                <a:srgbClr val="0070C0"/>
+              </a:buClr>
+              <a:buSzPct val="80000"/>
+              <a:buFont typeface="Wingdings" pitchFamily="2" charset="2"/>
+              <a:buChar char="u"/>
+            </a:pPr>
+            <a:r>
+              <a:rPr lang="en-US" sz="1800" b="1" dirty="0">
+                <a:solidFill>
+                  <a:srgbClr val="C00000"/>
+                </a:solidFill>
+              </a:rPr>
+              <a:t>Setup Docker Swarm on Ubuntu (13:02/15:41)</a:t>
+            </a:r>
+          </a:p>
+          <a:p>
+            <a:pPr marL="342900" indent="-342900" algn="l">
+              <a:buClr>
+                <a:srgbClr val="0070C0"/>
+              </a:buClr>
+              <a:buSzPct val="80000"/>
+              <a:buFont typeface="Wingdings" pitchFamily="2" charset="2"/>
+              <a:buChar char="u"/>
+            </a:pPr>
+            <a:r>
+              <a:rPr lang="en-US" sz="1800" b="1" dirty="0">
+                <a:solidFill>
+                  <a:schemeClr val="tx1"/>
+                </a:solidFill>
+              </a:rPr>
+              <a:t>On the manager terminal,</a:t>
+            </a:r>
+          </a:p>
+          <a:p>
+            <a:pPr marL="342900" indent="-342900" algn="l">
+              <a:buClr>
+                <a:srgbClr val="0070C0"/>
+              </a:buClr>
+              <a:buSzPct val="80000"/>
+              <a:buFont typeface="Wingdings" pitchFamily="2" charset="2"/>
+              <a:buChar char="u"/>
+            </a:pPr>
+            <a:r>
+              <a:rPr lang="en-US" sz="1800" b="1" dirty="0">
+                <a:solidFill>
+                  <a:schemeClr val="tx1"/>
+                </a:solidFill>
+              </a:rPr>
+              <a:t>&gt; sudo docker service ls</a:t>
+            </a:r>
+          </a:p>
+          <a:p>
+            <a:pPr marL="342900" indent="-342900" algn="l">
+              <a:buClr>
+                <a:srgbClr val="0070C0"/>
+              </a:buClr>
+              <a:buSzPct val="80000"/>
+              <a:buFont typeface="Wingdings" pitchFamily="2" charset="2"/>
+              <a:buChar char="u"/>
+            </a:pPr>
+            <a:r>
+              <a:rPr lang="en-US" sz="1800" b="1" dirty="0">
+                <a:solidFill>
+                  <a:schemeClr val="tx1"/>
+                </a:solidFill>
+              </a:rPr>
+              <a:t>We see the </a:t>
+            </a:r>
+            <a:r>
+              <a:rPr lang="en-US" sz="1800" b="1" dirty="0" err="1">
+                <a:solidFill>
+                  <a:schemeClr val="tx1"/>
+                </a:solidFill>
+              </a:rPr>
+              <a:t>helloWorld</a:t>
+            </a:r>
+            <a:r>
+              <a:rPr lang="en-US" sz="1800" b="1" dirty="0">
+                <a:solidFill>
+                  <a:schemeClr val="tx1"/>
+                </a:solidFill>
+              </a:rPr>
+              <a:t> service</a:t>
+            </a:r>
+          </a:p>
+        </p:txBody>
+      </p:sp>
+      <p:sp>
+        <p:nvSpPr>
+          <p:cNvPr id="4" name="標題 1"/>
+          <p:cNvSpPr txBox="1">
+            <a:spLocks/>
+          </p:cNvSpPr>
+          <p:nvPr/>
+        </p:nvSpPr>
+        <p:spPr>
+          <a:xfrm>
+            <a:off x="0" y="764704"/>
+            <a:ext cx="9144000" cy="360040"/>
+          </a:xfrm>
+          <a:prstGeom prst="rect">
+            <a:avLst/>
+          </a:prstGeom>
+          <a:gradFill flip="none" rotWithShape="1">
+            <a:gsLst>
+              <a:gs pos="0">
+                <a:srgbClr val="00B0F0">
+                  <a:shade val="30000"/>
+                  <a:satMod val="115000"/>
+                </a:srgbClr>
+              </a:gs>
+              <a:gs pos="50000">
+                <a:srgbClr val="00B0F0">
+                  <a:shade val="67500"/>
+                  <a:satMod val="115000"/>
+                </a:srgbClr>
+              </a:gs>
+              <a:gs pos="100000">
+                <a:srgbClr val="00B0F0">
+                  <a:shade val="100000"/>
+                  <a:satMod val="115000"/>
+                </a:srgbClr>
+              </a:gs>
+            </a:gsLst>
+            <a:path path="circle">
+              <a:fillToRect t="100000" r="100000"/>
+            </a:path>
+            <a:tileRect l="-100000" b="-100000"/>
+          </a:gradFill>
+        </p:spPr>
+        <p:txBody>
+          <a:bodyPr vert="horz" lIns="91440" tIns="45720" rIns="91440" bIns="45720" rtlCol="0" anchor="ctr">
+            <a:normAutofit/>
+          </a:bodyPr>
+          <a:lstStyle/>
+          <a:p>
+            <a:pPr lvl="0">
+              <a:spcBef>
+                <a:spcPct val="0"/>
+              </a:spcBef>
+            </a:pPr>
+            <a:r>
+              <a:rPr lang="en-US" sz="1600" dirty="0"/>
+              <a:t>https://computingforgeeks.com/how-to-install-docker-swarm-on-ubuntu/</a:t>
+            </a:r>
+            <a:endParaRPr kumimoji="0" lang="zh-TW" altLang="en-US" sz="1600" b="0" i="0" u="none" strike="noStrike" kern="1200" cap="none" spc="0" normalizeH="0" baseline="0" noProof="0" dirty="0">
+              <a:ln>
+                <a:noFill/>
+              </a:ln>
+              <a:solidFill>
+                <a:schemeClr val="tx1"/>
+              </a:solidFill>
+              <a:effectLst/>
+              <a:uLnTx/>
+              <a:uFillTx/>
+              <a:latin typeface="+mj-lt"/>
+              <a:ea typeface="+mj-ea"/>
+              <a:cs typeface="+mj-cs"/>
+            </a:endParaRPr>
+          </a:p>
+        </p:txBody>
+      </p:sp>
+      <p:sp>
+        <p:nvSpPr>
+          <p:cNvPr id="5" name="日期版面配置區 4"/>
+          <p:cNvSpPr>
+            <a:spLocks noGrp="1"/>
+          </p:cNvSpPr>
+          <p:nvPr>
+            <p:ph type="dt" sz="half" idx="10"/>
+          </p:nvPr>
+        </p:nvSpPr>
+        <p:spPr/>
+        <p:txBody>
+          <a:bodyPr/>
+          <a:lstStyle/>
+          <a:p>
+            <a:fld id="{A4F910E6-8D00-4BAF-8C48-9688E0B449D3}" type="datetime1">
+              <a:rPr lang="zh-TW" altLang="en-US" smtClean="0"/>
+              <a:pPr/>
+              <a:t>2021/12/13</a:t>
+            </a:fld>
+            <a:endParaRPr lang="zh-TW" altLang="en-US"/>
+          </a:p>
+        </p:txBody>
+      </p:sp>
+      <p:sp>
+        <p:nvSpPr>
+          <p:cNvPr id="6" name="投影片編號版面配置區 5"/>
+          <p:cNvSpPr>
+            <a:spLocks noGrp="1"/>
+          </p:cNvSpPr>
+          <p:nvPr>
+            <p:ph type="sldNum" sz="quarter" idx="12"/>
+          </p:nvPr>
+        </p:nvSpPr>
+        <p:spPr/>
+        <p:txBody>
+          <a:bodyPr/>
+          <a:lstStyle/>
+          <a:p>
+            <a:fld id="{E4D7E63D-91F2-4366-A2C4-1B00C9E2590E}" type="slidenum">
+              <a:rPr lang="zh-TW" altLang="en-US" smtClean="0"/>
+              <a:pPr/>
+              <a:t>32</a:t>
+            </a:fld>
+            <a:endParaRPr lang="zh-TW" altLang="en-US"/>
+          </a:p>
+        </p:txBody>
+      </p:sp>
+      <p:sp>
+        <p:nvSpPr>
+          <p:cNvPr id="10" name="Rectangle 9">
+            <a:extLst>
+              <a:ext uri="{FF2B5EF4-FFF2-40B4-BE49-F238E27FC236}">
+                <a16:creationId xmlns:a16="http://schemas.microsoft.com/office/drawing/2014/main" id="{39729D04-7902-46A6-9C6C-096AD8B3C664}"/>
+              </a:ext>
+            </a:extLst>
+          </p:cNvPr>
+          <p:cNvSpPr/>
+          <p:nvPr/>
+        </p:nvSpPr>
+        <p:spPr>
+          <a:xfrm>
+            <a:off x="722928" y="4792024"/>
+            <a:ext cx="7449471" cy="717080"/>
+          </a:xfrm>
+          <a:prstGeom prst="rect">
+            <a:avLst/>
+          </a:prstGeom>
+          <a:noFill/>
+          <a:ln>
+            <a:solidFill>
+              <a:srgbClr val="C00000"/>
+            </a:solidFill>
+          </a:ln>
+        </p:spPr>
+        <p:style>
+          <a:lnRef idx="2">
+            <a:schemeClr val="accent1">
+              <a:shade val="50000"/>
+            </a:schemeClr>
+          </a:lnRef>
+          <a:fillRef idx="1">
+            <a:schemeClr val="accent1"/>
+          </a:fillRef>
+          <a:effectRef idx="0">
+            <a:schemeClr val="accent1"/>
+          </a:effectRef>
+          <a:fontRef idx="minor">
+            <a:schemeClr val="lt1"/>
+          </a:fontRef>
+        </p:style>
+        <p:txBody>
+          <a:bodyPr rtlCol="0" anchor="ctr"/>
+          <a:lstStyle/>
+          <a:p>
+            <a:pPr algn="ctr"/>
+            <a:endParaRPr lang="en-US" dirty="0"/>
+          </a:p>
+        </p:txBody>
+      </p:sp>
+    </p:spTree>
+    <p:extLst>
+      <p:ext uri="{BB962C8B-B14F-4D97-AF65-F5344CB8AC3E}">
+        <p14:creationId xmlns:p14="http://schemas.microsoft.com/office/powerpoint/2010/main" val="1170995938"/>
+      </p:ext>
+    </p:extLst>
+  </p:cSld>
+  <p:clrMapOvr>
+    <a:masterClrMapping/>
+  </p:clrMapOvr>
+</p:sld>
+</file>
+
+<file path=ppt/slides/slide33.xml><?xml version="1.0" encoding="utf-8"?>
+<p:sld xmlns:a="http://schemas.openxmlformats.org/drawingml/2006/main" xmlns:r="http://schemas.openxmlformats.org/officeDocument/2006/relationships" xmlns:p="http://schemas.openxmlformats.org/presentationml/2006/main">
+  <p:cSld>
+    <p:spTree>
+      <p:nvGrpSpPr>
+        <p:cNvPr id="1" name=""/>
+        <p:cNvGrpSpPr/>
+        <p:nvPr/>
+      </p:nvGrpSpPr>
+      <p:grpSpPr>
+        <a:xfrm>
+          <a:off x="0" y="0"/>
+          <a:ext cx="0" cy="0"/>
+          <a:chOff x="0" y="0"/>
+          <a:chExt cx="0" cy="0"/>
+        </a:xfrm>
+      </p:grpSpPr>
+      <p:pic>
+        <p:nvPicPr>
+          <p:cNvPr id="9" name="Picture 8">
+            <a:extLst>
+              <a:ext uri="{FF2B5EF4-FFF2-40B4-BE49-F238E27FC236}">
+                <a16:creationId xmlns:a16="http://schemas.microsoft.com/office/drawing/2014/main" id="{3FDA7885-8B31-417C-B8DD-2F5D49D15B31}"/>
+              </a:ext>
+            </a:extLst>
+          </p:cNvPr>
+          <p:cNvPicPr>
+            <a:picLocks noChangeAspect="1"/>
+          </p:cNvPicPr>
+          <p:nvPr/>
+        </p:nvPicPr>
+        <p:blipFill>
+          <a:blip r:embed="rId2"/>
+          <a:stretch>
+            <a:fillRect/>
+          </a:stretch>
+        </p:blipFill>
+        <p:spPr>
+          <a:xfrm>
+            <a:off x="457200" y="3052182"/>
+            <a:ext cx="8363272" cy="2730159"/>
+          </a:xfrm>
+          <a:prstGeom prst="rect">
+            <a:avLst/>
+          </a:prstGeom>
+          <a:ln>
+            <a:solidFill>
+              <a:srgbClr val="C00000"/>
+            </a:solidFill>
+          </a:ln>
+        </p:spPr>
+      </p:pic>
+      <p:sp>
+        <p:nvSpPr>
+          <p:cNvPr id="2" name="標題 1"/>
+          <p:cNvSpPr>
+            <a:spLocks noGrp="1"/>
+          </p:cNvSpPr>
+          <p:nvPr>
+            <p:ph type="ctrTitle"/>
+          </p:nvPr>
+        </p:nvSpPr>
+        <p:spPr>
+          <a:xfrm>
+            <a:off x="0" y="1"/>
+            <a:ext cx="9144000" cy="764704"/>
+          </a:xfrm>
+          <a:gradFill flip="none" rotWithShape="1">
+            <a:gsLst>
+              <a:gs pos="0">
+                <a:srgbClr val="C00000">
+                  <a:shade val="30000"/>
+                  <a:satMod val="115000"/>
+                </a:srgbClr>
+              </a:gs>
+              <a:gs pos="50000">
+                <a:srgbClr val="C00000">
+                  <a:shade val="67500"/>
+                  <a:satMod val="115000"/>
+                </a:srgbClr>
+              </a:gs>
+              <a:gs pos="100000">
+                <a:srgbClr val="C00000">
+                  <a:shade val="100000"/>
+                  <a:satMod val="115000"/>
+                </a:srgbClr>
+              </a:gs>
+            </a:gsLst>
+            <a:path path="circle">
+              <a:fillToRect t="100000" r="100000"/>
+            </a:path>
+            <a:tileRect l="-100000" b="-100000"/>
+          </a:gradFill>
+        </p:spPr>
+        <p:txBody>
+          <a:bodyPr>
+            <a:normAutofit/>
+          </a:bodyPr>
+          <a:lstStyle/>
+          <a:p>
+            <a:pPr algn="l"/>
+            <a:r>
+              <a:rPr lang="en-US" altLang="zh-TW" sz="4400" b="1" dirty="0">
+                <a:solidFill>
+                  <a:srgbClr val="FFFF00"/>
+                </a:solidFill>
+              </a:rPr>
+              <a:t>15.1 Setup Docker Swarm on Ubuntu</a:t>
+            </a:r>
+            <a:endParaRPr lang="zh-TW" altLang="en-US" b="1" dirty="0">
+              <a:solidFill>
+                <a:srgbClr val="FFFF00"/>
+              </a:solidFill>
+            </a:endParaRPr>
+          </a:p>
+        </p:txBody>
+      </p:sp>
+      <p:sp>
+        <p:nvSpPr>
+          <p:cNvPr id="3" name="副標題 2"/>
+          <p:cNvSpPr>
+            <a:spLocks noGrp="1"/>
+          </p:cNvSpPr>
+          <p:nvPr>
+            <p:ph type="subTitle" idx="1"/>
+          </p:nvPr>
+        </p:nvSpPr>
+        <p:spPr>
+          <a:xfrm>
+            <a:off x="323528" y="1368476"/>
+            <a:ext cx="8496944" cy="1628476"/>
+          </a:xfrm>
+          <a:ln>
+            <a:solidFill>
+              <a:srgbClr val="C00000"/>
+            </a:solidFill>
+          </a:ln>
+        </p:spPr>
+        <p:txBody>
+          <a:bodyPr>
+            <a:noAutofit/>
+          </a:bodyPr>
+          <a:lstStyle/>
+          <a:p>
+            <a:pPr marL="342900" indent="-342900" algn="l">
+              <a:buClr>
+                <a:srgbClr val="0070C0"/>
+              </a:buClr>
+              <a:buSzPct val="80000"/>
+              <a:buFont typeface="Wingdings" pitchFamily="2" charset="2"/>
+              <a:buChar char="u"/>
+            </a:pPr>
+            <a:r>
+              <a:rPr lang="en-US" sz="1800" b="1" dirty="0">
+                <a:solidFill>
+                  <a:srgbClr val="C00000"/>
+                </a:solidFill>
+              </a:rPr>
+              <a:t>Setup Docker Swarm on Ubuntu (13:22/15:41)</a:t>
+            </a:r>
+          </a:p>
+          <a:p>
+            <a:pPr marL="342900" indent="-342900" algn="l">
+              <a:buClr>
+                <a:srgbClr val="0070C0"/>
+              </a:buClr>
+              <a:buSzPct val="80000"/>
+              <a:buFont typeface="Wingdings" pitchFamily="2" charset="2"/>
+              <a:buChar char="u"/>
+            </a:pPr>
+            <a:r>
+              <a:rPr lang="en-US" sz="1800" b="1" dirty="0">
+                <a:solidFill>
+                  <a:schemeClr val="tx1"/>
+                </a:solidFill>
+              </a:rPr>
+              <a:t>On the manager terminal,</a:t>
+            </a:r>
+          </a:p>
+          <a:p>
+            <a:pPr marL="342900" indent="-342900" algn="l">
+              <a:buClr>
+                <a:srgbClr val="0070C0"/>
+              </a:buClr>
+              <a:buSzPct val="80000"/>
+              <a:buFont typeface="Wingdings" pitchFamily="2" charset="2"/>
+              <a:buChar char="u"/>
+            </a:pPr>
+            <a:r>
+              <a:rPr lang="en-US" sz="1800" b="1" dirty="0">
+                <a:solidFill>
+                  <a:schemeClr val="tx1"/>
+                </a:solidFill>
+              </a:rPr>
+              <a:t>&gt; sudo docker ps</a:t>
+            </a:r>
+          </a:p>
+          <a:p>
+            <a:pPr marL="342900" indent="-342900" algn="l">
+              <a:buClr>
+                <a:srgbClr val="0070C0"/>
+              </a:buClr>
+              <a:buSzPct val="80000"/>
+              <a:buFont typeface="Wingdings" pitchFamily="2" charset="2"/>
+              <a:buChar char="u"/>
+            </a:pPr>
+            <a:r>
+              <a:rPr lang="en-US" sz="1800" b="1" dirty="0">
+                <a:solidFill>
+                  <a:schemeClr val="tx1"/>
+                </a:solidFill>
+              </a:rPr>
+              <a:t>&gt;&gt; alpine is the latest image and that is the docker container.</a:t>
+            </a:r>
+          </a:p>
+          <a:p>
+            <a:pPr marL="342900" indent="-342900" algn="l">
+              <a:buClr>
+                <a:srgbClr val="0070C0"/>
+              </a:buClr>
+              <a:buSzPct val="80000"/>
+              <a:buFont typeface="Wingdings" pitchFamily="2" charset="2"/>
+              <a:buChar char="u"/>
+            </a:pPr>
+            <a:r>
+              <a:rPr lang="en-US" sz="1800" b="1" dirty="0">
+                <a:solidFill>
+                  <a:schemeClr val="tx1"/>
+                </a:solidFill>
+              </a:rPr>
+              <a:t>We have container ID, and it is just updated. </a:t>
+            </a:r>
+          </a:p>
+        </p:txBody>
+      </p:sp>
+      <p:sp>
+        <p:nvSpPr>
+          <p:cNvPr id="4" name="標題 1"/>
+          <p:cNvSpPr txBox="1">
+            <a:spLocks/>
+          </p:cNvSpPr>
+          <p:nvPr/>
+        </p:nvSpPr>
+        <p:spPr>
+          <a:xfrm>
+            <a:off x="0" y="764704"/>
+            <a:ext cx="9144000" cy="360040"/>
+          </a:xfrm>
+          <a:prstGeom prst="rect">
+            <a:avLst/>
+          </a:prstGeom>
+          <a:gradFill flip="none" rotWithShape="1">
+            <a:gsLst>
+              <a:gs pos="0">
+                <a:srgbClr val="00B0F0">
+                  <a:shade val="30000"/>
+                  <a:satMod val="115000"/>
+                </a:srgbClr>
+              </a:gs>
+              <a:gs pos="50000">
+                <a:srgbClr val="00B0F0">
+                  <a:shade val="67500"/>
+                  <a:satMod val="115000"/>
+                </a:srgbClr>
+              </a:gs>
+              <a:gs pos="100000">
+                <a:srgbClr val="00B0F0">
+                  <a:shade val="100000"/>
+                  <a:satMod val="115000"/>
+                </a:srgbClr>
+              </a:gs>
+            </a:gsLst>
+            <a:path path="circle">
+              <a:fillToRect t="100000" r="100000"/>
+            </a:path>
+            <a:tileRect l="-100000" b="-100000"/>
+          </a:gradFill>
+        </p:spPr>
+        <p:txBody>
+          <a:bodyPr vert="horz" lIns="91440" tIns="45720" rIns="91440" bIns="45720" rtlCol="0" anchor="ctr">
+            <a:normAutofit/>
+          </a:bodyPr>
+          <a:lstStyle/>
+          <a:p>
+            <a:pPr lvl="0">
+              <a:spcBef>
+                <a:spcPct val="0"/>
+              </a:spcBef>
+            </a:pPr>
+            <a:r>
+              <a:rPr lang="en-US" sz="1600" dirty="0"/>
+              <a:t>https://computingforgeeks.com/how-to-install-docker-swarm-on-ubuntu/</a:t>
+            </a:r>
+            <a:endParaRPr kumimoji="0" lang="zh-TW" altLang="en-US" sz="1600" b="0" i="0" u="none" strike="noStrike" kern="1200" cap="none" spc="0" normalizeH="0" baseline="0" noProof="0" dirty="0">
+              <a:ln>
+                <a:noFill/>
+              </a:ln>
+              <a:solidFill>
+                <a:schemeClr val="tx1"/>
+              </a:solidFill>
+              <a:effectLst/>
+              <a:uLnTx/>
+              <a:uFillTx/>
+              <a:latin typeface="+mj-lt"/>
+              <a:ea typeface="+mj-ea"/>
+              <a:cs typeface="+mj-cs"/>
+            </a:endParaRPr>
+          </a:p>
+        </p:txBody>
+      </p:sp>
+      <p:sp>
+        <p:nvSpPr>
+          <p:cNvPr id="5" name="日期版面配置區 4"/>
+          <p:cNvSpPr>
+            <a:spLocks noGrp="1"/>
+          </p:cNvSpPr>
+          <p:nvPr>
+            <p:ph type="dt" sz="half" idx="10"/>
+          </p:nvPr>
+        </p:nvSpPr>
+        <p:spPr/>
+        <p:txBody>
+          <a:bodyPr/>
+          <a:lstStyle/>
+          <a:p>
+            <a:fld id="{A4F910E6-8D00-4BAF-8C48-9688E0B449D3}" type="datetime1">
+              <a:rPr lang="zh-TW" altLang="en-US" smtClean="0"/>
+              <a:pPr/>
+              <a:t>2021/12/13</a:t>
+            </a:fld>
+            <a:endParaRPr lang="zh-TW" altLang="en-US"/>
+          </a:p>
+        </p:txBody>
+      </p:sp>
+      <p:sp>
+        <p:nvSpPr>
+          <p:cNvPr id="6" name="投影片編號版面配置區 5"/>
+          <p:cNvSpPr>
+            <a:spLocks noGrp="1"/>
+          </p:cNvSpPr>
+          <p:nvPr>
+            <p:ph type="sldNum" sz="quarter" idx="12"/>
+          </p:nvPr>
+        </p:nvSpPr>
+        <p:spPr/>
+        <p:txBody>
+          <a:bodyPr/>
+          <a:lstStyle/>
+          <a:p>
+            <a:fld id="{E4D7E63D-91F2-4366-A2C4-1B00C9E2590E}" type="slidenum">
+              <a:rPr lang="zh-TW" altLang="en-US" smtClean="0"/>
+              <a:pPr/>
+              <a:t>33</a:t>
+            </a:fld>
+            <a:endParaRPr lang="zh-TW" altLang="en-US"/>
+          </a:p>
+        </p:txBody>
+      </p:sp>
+      <p:sp>
+        <p:nvSpPr>
+          <p:cNvPr id="10" name="Rectangle 9">
+            <a:extLst>
+              <a:ext uri="{FF2B5EF4-FFF2-40B4-BE49-F238E27FC236}">
+                <a16:creationId xmlns:a16="http://schemas.microsoft.com/office/drawing/2014/main" id="{39729D04-7902-46A6-9C6C-096AD8B3C664}"/>
+              </a:ext>
+            </a:extLst>
+          </p:cNvPr>
+          <p:cNvSpPr/>
+          <p:nvPr/>
+        </p:nvSpPr>
+        <p:spPr>
+          <a:xfrm>
+            <a:off x="2833465" y="5073533"/>
+            <a:ext cx="1224136" cy="216024"/>
+          </a:xfrm>
+          <a:prstGeom prst="rect">
+            <a:avLst/>
+          </a:prstGeom>
+          <a:noFill/>
+          <a:ln>
+            <a:solidFill>
+              <a:srgbClr val="C00000"/>
+            </a:solidFill>
+          </a:ln>
+        </p:spPr>
+        <p:style>
+          <a:lnRef idx="2">
+            <a:schemeClr val="accent1">
+              <a:shade val="50000"/>
+            </a:schemeClr>
+          </a:lnRef>
+          <a:fillRef idx="1">
+            <a:schemeClr val="accent1"/>
+          </a:fillRef>
+          <a:effectRef idx="0">
+            <a:schemeClr val="accent1"/>
+          </a:effectRef>
+          <a:fontRef idx="minor">
+            <a:schemeClr val="lt1"/>
+          </a:fontRef>
+        </p:style>
+        <p:txBody>
+          <a:bodyPr rtlCol="0" anchor="ctr"/>
+          <a:lstStyle/>
+          <a:p>
+            <a:pPr algn="ctr"/>
+            <a:endParaRPr lang="en-US" dirty="0"/>
+          </a:p>
+        </p:txBody>
+      </p:sp>
+    </p:spTree>
+    <p:extLst>
+      <p:ext uri="{BB962C8B-B14F-4D97-AF65-F5344CB8AC3E}">
+        <p14:creationId xmlns:p14="http://schemas.microsoft.com/office/powerpoint/2010/main" val="1738071242"/>
+      </p:ext>
+    </p:extLst>
+  </p:cSld>
+  <p:clrMapOvr>
+    <a:masterClrMapping/>
+  </p:clrMapOvr>
+</p:sld>
+</file>
+
+<file path=ppt/slides/slide34.xml><?xml version="1.0" encoding="utf-8"?>
+<p:sld xmlns:a="http://schemas.openxmlformats.org/drawingml/2006/main" xmlns:r="http://schemas.openxmlformats.org/officeDocument/2006/relationships" xmlns:p="http://schemas.openxmlformats.org/presentationml/2006/main">
+  <p:cSld>
+    <p:spTree>
+      <p:nvGrpSpPr>
+        <p:cNvPr id="1" name=""/>
+        <p:cNvGrpSpPr/>
+        <p:nvPr/>
+      </p:nvGrpSpPr>
+      <p:grpSpPr>
+        <a:xfrm>
+          <a:off x="0" y="0"/>
+          <a:ext cx="0" cy="0"/>
+          <a:chOff x="0" y="0"/>
+          <a:chExt cx="0" cy="0"/>
+        </a:xfrm>
+      </p:grpSpPr>
+      <p:sp>
+        <p:nvSpPr>
+          <p:cNvPr id="2" name="標題 1"/>
+          <p:cNvSpPr>
+            <a:spLocks noGrp="1"/>
+          </p:cNvSpPr>
+          <p:nvPr>
+            <p:ph type="ctrTitle"/>
+          </p:nvPr>
+        </p:nvSpPr>
+        <p:spPr>
+          <a:xfrm>
+            <a:off x="0" y="1"/>
+            <a:ext cx="9144000" cy="764704"/>
+          </a:xfrm>
+          <a:gradFill flip="none" rotWithShape="1">
+            <a:gsLst>
+              <a:gs pos="0">
+                <a:srgbClr val="C00000">
+                  <a:shade val="30000"/>
+                  <a:satMod val="115000"/>
+                </a:srgbClr>
+              </a:gs>
+              <a:gs pos="50000">
+                <a:srgbClr val="C00000">
+                  <a:shade val="67500"/>
+                  <a:satMod val="115000"/>
+                </a:srgbClr>
+              </a:gs>
+              <a:gs pos="100000">
+                <a:srgbClr val="C00000">
+                  <a:shade val="100000"/>
+                  <a:satMod val="115000"/>
+                </a:srgbClr>
+              </a:gs>
+            </a:gsLst>
+            <a:path path="circle">
+              <a:fillToRect t="100000" r="100000"/>
+            </a:path>
+            <a:tileRect l="-100000" b="-100000"/>
+          </a:gradFill>
+        </p:spPr>
+        <p:txBody>
+          <a:bodyPr>
+            <a:normAutofit/>
+          </a:bodyPr>
+          <a:lstStyle/>
+          <a:p>
+            <a:pPr algn="l"/>
+            <a:r>
+              <a:rPr lang="en-US" altLang="zh-TW" sz="4400" b="1" dirty="0">
+                <a:solidFill>
+                  <a:srgbClr val="FFFF00"/>
+                </a:solidFill>
+              </a:rPr>
+              <a:t>15.1 Setup Docker Swarm on Ubuntu</a:t>
+            </a:r>
+            <a:endParaRPr lang="zh-TW" altLang="en-US" b="1" dirty="0">
+              <a:solidFill>
+                <a:srgbClr val="FFFF00"/>
+              </a:solidFill>
+            </a:endParaRPr>
+          </a:p>
+        </p:txBody>
+      </p:sp>
+      <p:sp>
+        <p:nvSpPr>
+          <p:cNvPr id="3" name="副標題 2"/>
+          <p:cNvSpPr>
+            <a:spLocks noGrp="1"/>
+          </p:cNvSpPr>
+          <p:nvPr>
+            <p:ph type="subTitle" idx="1"/>
+          </p:nvPr>
+        </p:nvSpPr>
+        <p:spPr>
+          <a:xfrm>
+            <a:off x="323528" y="1368476"/>
+            <a:ext cx="8496944" cy="1360857"/>
+          </a:xfrm>
+          <a:ln>
+            <a:solidFill>
+              <a:srgbClr val="C00000"/>
+            </a:solidFill>
+          </a:ln>
+        </p:spPr>
+        <p:txBody>
+          <a:bodyPr>
+            <a:noAutofit/>
+          </a:bodyPr>
+          <a:lstStyle/>
+          <a:p>
+            <a:pPr marL="342900" indent="-342900" algn="l">
+              <a:buClr>
+                <a:srgbClr val="0070C0"/>
+              </a:buClr>
+              <a:buSzPct val="80000"/>
+              <a:buFont typeface="Wingdings" pitchFamily="2" charset="2"/>
+              <a:buChar char="u"/>
+            </a:pPr>
+            <a:r>
+              <a:rPr lang="en-US" sz="1800" b="1" dirty="0">
+                <a:solidFill>
+                  <a:srgbClr val="C00000"/>
+                </a:solidFill>
+              </a:rPr>
+              <a:t>Setup Docker Swarm on Ubuntu (13:54/15:41)</a:t>
+            </a:r>
+          </a:p>
+          <a:p>
+            <a:pPr marL="342900" indent="-342900" algn="l">
+              <a:buClr>
+                <a:srgbClr val="0070C0"/>
+              </a:buClr>
+              <a:buSzPct val="80000"/>
+              <a:buFont typeface="Wingdings" pitchFamily="2" charset="2"/>
+              <a:buChar char="u"/>
+            </a:pPr>
+            <a:r>
+              <a:rPr lang="en-US" sz="1800" b="1" dirty="0">
+                <a:solidFill>
+                  <a:schemeClr val="tx1"/>
+                </a:solidFill>
+              </a:rPr>
+              <a:t>Now, on the worker node and make sure everything is working over there.</a:t>
+            </a:r>
+          </a:p>
+          <a:p>
+            <a:pPr marL="342900" indent="-342900" algn="l">
+              <a:buClr>
+                <a:srgbClr val="0070C0"/>
+              </a:buClr>
+              <a:buSzPct val="80000"/>
+              <a:buFont typeface="Wingdings" pitchFamily="2" charset="2"/>
+              <a:buChar char="u"/>
+            </a:pPr>
+            <a:r>
+              <a:rPr lang="en-US" sz="1800" b="1" dirty="0">
+                <a:solidFill>
+                  <a:schemeClr val="tx1"/>
+                </a:solidFill>
+              </a:rPr>
+              <a:t>So, change to the worker terminal and paste the join command.</a:t>
+            </a:r>
+          </a:p>
+          <a:p>
+            <a:pPr marL="342900" indent="-342900" algn="l">
+              <a:buClr>
+                <a:srgbClr val="0070C0"/>
+              </a:buClr>
+              <a:buSzPct val="80000"/>
+              <a:buFont typeface="Wingdings" pitchFamily="2" charset="2"/>
+              <a:buChar char="u"/>
+            </a:pPr>
+            <a:r>
+              <a:rPr lang="en-US" sz="1800" b="1" dirty="0">
+                <a:solidFill>
+                  <a:schemeClr val="tx1"/>
+                </a:solidFill>
+              </a:rPr>
+              <a:t>In the worker node, we do not have any running container yet.</a:t>
+            </a:r>
+          </a:p>
+        </p:txBody>
+      </p:sp>
+      <p:sp>
+        <p:nvSpPr>
+          <p:cNvPr id="4" name="標題 1"/>
+          <p:cNvSpPr txBox="1">
+            <a:spLocks/>
+          </p:cNvSpPr>
+          <p:nvPr/>
+        </p:nvSpPr>
+        <p:spPr>
+          <a:xfrm>
+            <a:off x="0" y="764704"/>
+            <a:ext cx="9144000" cy="360040"/>
+          </a:xfrm>
+          <a:prstGeom prst="rect">
+            <a:avLst/>
+          </a:prstGeom>
+          <a:gradFill flip="none" rotWithShape="1">
+            <a:gsLst>
+              <a:gs pos="0">
+                <a:srgbClr val="00B0F0">
+                  <a:shade val="30000"/>
+                  <a:satMod val="115000"/>
+                </a:srgbClr>
+              </a:gs>
+              <a:gs pos="50000">
+                <a:srgbClr val="00B0F0">
+                  <a:shade val="67500"/>
+                  <a:satMod val="115000"/>
+                </a:srgbClr>
+              </a:gs>
+              <a:gs pos="100000">
+                <a:srgbClr val="00B0F0">
+                  <a:shade val="100000"/>
+                  <a:satMod val="115000"/>
+                </a:srgbClr>
+              </a:gs>
+            </a:gsLst>
+            <a:path path="circle">
+              <a:fillToRect t="100000" r="100000"/>
+            </a:path>
+            <a:tileRect l="-100000" b="-100000"/>
+          </a:gradFill>
+        </p:spPr>
+        <p:txBody>
+          <a:bodyPr vert="horz" lIns="91440" tIns="45720" rIns="91440" bIns="45720" rtlCol="0" anchor="ctr">
+            <a:normAutofit/>
+          </a:bodyPr>
+          <a:lstStyle/>
+          <a:p>
+            <a:pPr lvl="0">
+              <a:spcBef>
+                <a:spcPct val="0"/>
+              </a:spcBef>
+            </a:pPr>
+            <a:r>
+              <a:rPr lang="en-US" sz="1600" dirty="0"/>
+              <a:t>https://computingforgeeks.com/how-to-install-docker-swarm-on-ubuntu/</a:t>
+            </a:r>
+            <a:endParaRPr kumimoji="0" lang="zh-TW" altLang="en-US" sz="1600" b="0" i="0" u="none" strike="noStrike" kern="1200" cap="none" spc="0" normalizeH="0" baseline="0" noProof="0" dirty="0">
+              <a:ln>
+                <a:noFill/>
+              </a:ln>
+              <a:solidFill>
+                <a:schemeClr val="tx1"/>
+              </a:solidFill>
+              <a:effectLst/>
+              <a:uLnTx/>
+              <a:uFillTx/>
+              <a:latin typeface="+mj-lt"/>
+              <a:ea typeface="+mj-ea"/>
+              <a:cs typeface="+mj-cs"/>
+            </a:endParaRPr>
+          </a:p>
+        </p:txBody>
+      </p:sp>
+      <p:sp>
+        <p:nvSpPr>
+          <p:cNvPr id="5" name="日期版面配置區 4"/>
+          <p:cNvSpPr>
+            <a:spLocks noGrp="1"/>
+          </p:cNvSpPr>
+          <p:nvPr>
+            <p:ph type="dt" sz="half" idx="10"/>
+          </p:nvPr>
+        </p:nvSpPr>
+        <p:spPr/>
+        <p:txBody>
+          <a:bodyPr/>
+          <a:lstStyle/>
+          <a:p>
+            <a:fld id="{A4F910E6-8D00-4BAF-8C48-9688E0B449D3}" type="datetime1">
+              <a:rPr lang="zh-TW" altLang="en-US" smtClean="0"/>
+              <a:pPr/>
+              <a:t>2021/12/13</a:t>
+            </a:fld>
+            <a:endParaRPr lang="zh-TW" altLang="en-US"/>
+          </a:p>
+        </p:txBody>
+      </p:sp>
+      <p:sp>
+        <p:nvSpPr>
+          <p:cNvPr id="6" name="投影片編號版面配置區 5"/>
+          <p:cNvSpPr>
+            <a:spLocks noGrp="1"/>
+          </p:cNvSpPr>
+          <p:nvPr>
+            <p:ph type="sldNum" sz="quarter" idx="12"/>
+          </p:nvPr>
+        </p:nvSpPr>
+        <p:spPr/>
+        <p:txBody>
+          <a:bodyPr/>
+          <a:lstStyle/>
+          <a:p>
+            <a:fld id="{E4D7E63D-91F2-4366-A2C4-1B00C9E2590E}" type="slidenum">
+              <a:rPr lang="zh-TW" altLang="en-US" smtClean="0"/>
+              <a:pPr/>
+              <a:t>34</a:t>
+            </a:fld>
+            <a:endParaRPr lang="zh-TW" altLang="en-US"/>
+          </a:p>
+        </p:txBody>
+      </p:sp>
+      <p:sp>
+        <p:nvSpPr>
+          <p:cNvPr id="10" name="Rectangle 9">
+            <a:extLst>
+              <a:ext uri="{FF2B5EF4-FFF2-40B4-BE49-F238E27FC236}">
+                <a16:creationId xmlns:a16="http://schemas.microsoft.com/office/drawing/2014/main" id="{39729D04-7902-46A6-9C6C-096AD8B3C664}"/>
+              </a:ext>
+            </a:extLst>
+          </p:cNvPr>
+          <p:cNvSpPr/>
+          <p:nvPr/>
+        </p:nvSpPr>
+        <p:spPr>
+          <a:xfrm>
+            <a:off x="2833465" y="5073533"/>
+            <a:ext cx="1224136" cy="216024"/>
+          </a:xfrm>
+          <a:prstGeom prst="rect">
+            <a:avLst/>
+          </a:prstGeom>
+          <a:noFill/>
+          <a:ln>
+            <a:solidFill>
+              <a:srgbClr val="C00000"/>
+            </a:solidFill>
+          </a:ln>
+        </p:spPr>
+        <p:style>
+          <a:lnRef idx="2">
+            <a:schemeClr val="accent1">
+              <a:shade val="50000"/>
+            </a:schemeClr>
+          </a:lnRef>
+          <a:fillRef idx="1">
+            <a:schemeClr val="accent1"/>
+          </a:fillRef>
+          <a:effectRef idx="0">
+            <a:schemeClr val="accent1"/>
+          </a:effectRef>
+          <a:fontRef idx="minor">
+            <a:schemeClr val="lt1"/>
+          </a:fontRef>
+        </p:style>
+        <p:txBody>
+          <a:bodyPr rtlCol="0" anchor="ctr"/>
+          <a:lstStyle/>
+          <a:p>
+            <a:pPr algn="ctr"/>
+            <a:endParaRPr lang="en-US" dirty="0"/>
+          </a:p>
+        </p:txBody>
+      </p:sp>
+      <p:pic>
+        <p:nvPicPr>
+          <p:cNvPr id="8" name="Picture 7">
+            <a:extLst>
+              <a:ext uri="{FF2B5EF4-FFF2-40B4-BE49-F238E27FC236}">
+                <a16:creationId xmlns:a16="http://schemas.microsoft.com/office/drawing/2014/main" id="{12264206-8D60-4DD1-8EC2-5E4770C1AD5B}"/>
+              </a:ext>
+            </a:extLst>
+          </p:cNvPr>
+          <p:cNvPicPr>
+            <a:picLocks noChangeAspect="1"/>
+          </p:cNvPicPr>
+          <p:nvPr/>
+        </p:nvPicPr>
+        <p:blipFill>
+          <a:blip r:embed="rId2"/>
+          <a:stretch>
+            <a:fillRect/>
+          </a:stretch>
+        </p:blipFill>
+        <p:spPr>
+          <a:xfrm>
+            <a:off x="323528" y="3089372"/>
+            <a:ext cx="9144000" cy="1907741"/>
+          </a:xfrm>
+          <a:prstGeom prst="rect">
+            <a:avLst/>
+          </a:prstGeom>
+        </p:spPr>
+      </p:pic>
+    </p:spTree>
+    <p:extLst>
+      <p:ext uri="{BB962C8B-B14F-4D97-AF65-F5344CB8AC3E}">
+        <p14:creationId xmlns:p14="http://schemas.microsoft.com/office/powerpoint/2010/main" val="1705278833"/>
+      </p:ext>
+    </p:extLst>
+  </p:cSld>
+  <p:clrMapOvr>
+    <a:masterClrMapping/>
+  </p:clrMapOvr>
+</p:sld>
+</file>
+
+<file path=ppt/slides/slide35.xml><?xml version="1.0" encoding="utf-8"?>
+<p:sld xmlns:a="http://schemas.openxmlformats.org/drawingml/2006/main" xmlns:r="http://schemas.openxmlformats.org/officeDocument/2006/relationships" xmlns:p="http://schemas.openxmlformats.org/presentationml/2006/main">
+  <p:cSld>
+    <p:spTree>
+      <p:nvGrpSpPr>
+        <p:cNvPr id="1" name=""/>
+        <p:cNvGrpSpPr/>
+        <p:nvPr/>
+      </p:nvGrpSpPr>
+      <p:grpSpPr>
+        <a:xfrm>
+          <a:off x="0" y="0"/>
+          <a:ext cx="0" cy="0"/>
+          <a:chOff x="0" y="0"/>
+          <a:chExt cx="0" cy="0"/>
+        </a:xfrm>
+      </p:grpSpPr>
+      <p:pic>
+        <p:nvPicPr>
+          <p:cNvPr id="9" name="Picture 8">
+            <a:extLst>
+              <a:ext uri="{FF2B5EF4-FFF2-40B4-BE49-F238E27FC236}">
+                <a16:creationId xmlns:a16="http://schemas.microsoft.com/office/drawing/2014/main" id="{6AFDBA9C-FE35-408B-8017-537CC94771D0}"/>
+              </a:ext>
+            </a:extLst>
+          </p:cNvPr>
+          <p:cNvPicPr>
+            <a:picLocks noChangeAspect="1"/>
+          </p:cNvPicPr>
+          <p:nvPr/>
+        </p:nvPicPr>
+        <p:blipFill>
+          <a:blip r:embed="rId2"/>
+          <a:stretch>
+            <a:fillRect/>
+          </a:stretch>
+        </p:blipFill>
+        <p:spPr>
+          <a:xfrm>
+            <a:off x="353470" y="2728388"/>
+            <a:ext cx="8477250" cy="1219200"/>
+          </a:xfrm>
+          <a:prstGeom prst="rect">
+            <a:avLst/>
+          </a:prstGeom>
+        </p:spPr>
+      </p:pic>
+      <p:sp>
+        <p:nvSpPr>
+          <p:cNvPr id="2" name="標題 1"/>
+          <p:cNvSpPr>
+            <a:spLocks noGrp="1"/>
+          </p:cNvSpPr>
+          <p:nvPr>
+            <p:ph type="ctrTitle"/>
+          </p:nvPr>
+        </p:nvSpPr>
+        <p:spPr>
+          <a:xfrm>
+            <a:off x="0" y="1"/>
+            <a:ext cx="9144000" cy="764704"/>
+          </a:xfrm>
+          <a:gradFill flip="none" rotWithShape="1">
+            <a:gsLst>
+              <a:gs pos="0">
+                <a:srgbClr val="C00000">
+                  <a:shade val="30000"/>
+                  <a:satMod val="115000"/>
+                </a:srgbClr>
+              </a:gs>
+              <a:gs pos="50000">
+                <a:srgbClr val="C00000">
+                  <a:shade val="67500"/>
+                  <a:satMod val="115000"/>
+                </a:srgbClr>
+              </a:gs>
+              <a:gs pos="100000">
+                <a:srgbClr val="C00000">
+                  <a:shade val="100000"/>
+                  <a:satMod val="115000"/>
+                </a:srgbClr>
+              </a:gs>
+            </a:gsLst>
+            <a:path path="circle">
+              <a:fillToRect t="100000" r="100000"/>
+            </a:path>
+            <a:tileRect l="-100000" b="-100000"/>
+          </a:gradFill>
+        </p:spPr>
+        <p:txBody>
+          <a:bodyPr>
+            <a:normAutofit/>
+          </a:bodyPr>
+          <a:lstStyle/>
+          <a:p>
+            <a:pPr algn="l"/>
+            <a:r>
+              <a:rPr lang="en-US" altLang="zh-TW" sz="4400" b="1" dirty="0">
+                <a:solidFill>
+                  <a:srgbClr val="FFFF00"/>
+                </a:solidFill>
+              </a:rPr>
+              <a:t>15.1 Setup Docker Swarm on Ubuntu</a:t>
+            </a:r>
+            <a:endParaRPr lang="zh-TW" altLang="en-US" b="1" dirty="0">
+              <a:solidFill>
+                <a:srgbClr val="FFFF00"/>
+              </a:solidFill>
+            </a:endParaRPr>
+          </a:p>
+        </p:txBody>
+      </p:sp>
+      <p:sp>
+        <p:nvSpPr>
+          <p:cNvPr id="3" name="副標題 2"/>
+          <p:cNvSpPr>
+            <a:spLocks noGrp="1"/>
+          </p:cNvSpPr>
+          <p:nvPr>
+            <p:ph type="subTitle" idx="1"/>
+          </p:nvPr>
+        </p:nvSpPr>
+        <p:spPr>
+          <a:xfrm>
+            <a:off x="323528" y="1368476"/>
+            <a:ext cx="8496944" cy="980404"/>
+          </a:xfrm>
+          <a:ln>
+            <a:solidFill>
+              <a:srgbClr val="C00000"/>
+            </a:solidFill>
+          </a:ln>
+        </p:spPr>
+        <p:txBody>
+          <a:bodyPr>
+            <a:noAutofit/>
+          </a:bodyPr>
+          <a:lstStyle/>
+          <a:p>
+            <a:pPr marL="342900" indent="-342900" algn="l">
+              <a:buClr>
+                <a:srgbClr val="0070C0"/>
+              </a:buClr>
+              <a:buSzPct val="80000"/>
+              <a:buFont typeface="Wingdings" pitchFamily="2" charset="2"/>
+              <a:buChar char="u"/>
+            </a:pPr>
+            <a:r>
+              <a:rPr lang="en-US" sz="1800" b="1" dirty="0">
+                <a:solidFill>
+                  <a:srgbClr val="C00000"/>
+                </a:solidFill>
+              </a:rPr>
+              <a:t>Setup Docker Swarm on Ubuntu (14:01/15:41)</a:t>
+            </a:r>
+          </a:p>
+          <a:p>
+            <a:pPr marL="342900" indent="-342900" algn="l">
+              <a:buClr>
+                <a:srgbClr val="0070C0"/>
+              </a:buClr>
+              <a:buSzPct val="80000"/>
+              <a:buFont typeface="Wingdings" pitchFamily="2" charset="2"/>
+              <a:buChar char="u"/>
+            </a:pPr>
+            <a:r>
+              <a:rPr lang="en-US" sz="1800" b="1" dirty="0">
+                <a:solidFill>
+                  <a:schemeClr val="tx1"/>
+                </a:solidFill>
+              </a:rPr>
+              <a:t>Now, on the manager node and make sure everything is working over there.</a:t>
+            </a:r>
+          </a:p>
+          <a:p>
+            <a:pPr marL="342900" indent="-342900" algn="l">
+              <a:buClr>
+                <a:srgbClr val="0070C0"/>
+              </a:buClr>
+              <a:buSzPct val="80000"/>
+              <a:buFont typeface="Wingdings" pitchFamily="2" charset="2"/>
+              <a:buChar char="u"/>
+            </a:pPr>
+            <a:r>
+              <a:rPr lang="en-US" sz="1800" b="1" dirty="0">
+                <a:solidFill>
+                  <a:schemeClr val="tx1"/>
+                </a:solidFill>
+              </a:rPr>
+              <a:t>So, change to the worker terminal and paste the join command.</a:t>
+            </a:r>
+          </a:p>
+        </p:txBody>
+      </p:sp>
+      <p:sp>
+        <p:nvSpPr>
+          <p:cNvPr id="4" name="標題 1"/>
+          <p:cNvSpPr txBox="1">
+            <a:spLocks/>
+          </p:cNvSpPr>
+          <p:nvPr/>
+        </p:nvSpPr>
+        <p:spPr>
+          <a:xfrm>
+            <a:off x="0" y="764704"/>
+            <a:ext cx="9144000" cy="360040"/>
+          </a:xfrm>
+          <a:prstGeom prst="rect">
+            <a:avLst/>
+          </a:prstGeom>
+          <a:gradFill flip="none" rotWithShape="1">
+            <a:gsLst>
+              <a:gs pos="0">
+                <a:srgbClr val="00B0F0">
+                  <a:shade val="30000"/>
+                  <a:satMod val="115000"/>
+                </a:srgbClr>
+              </a:gs>
+              <a:gs pos="50000">
+                <a:srgbClr val="00B0F0">
+                  <a:shade val="67500"/>
+                  <a:satMod val="115000"/>
+                </a:srgbClr>
+              </a:gs>
+              <a:gs pos="100000">
+                <a:srgbClr val="00B0F0">
+                  <a:shade val="100000"/>
+                  <a:satMod val="115000"/>
+                </a:srgbClr>
+              </a:gs>
+            </a:gsLst>
+            <a:path path="circle">
+              <a:fillToRect t="100000" r="100000"/>
+            </a:path>
+            <a:tileRect l="-100000" b="-100000"/>
+          </a:gradFill>
+        </p:spPr>
+        <p:txBody>
+          <a:bodyPr vert="horz" lIns="91440" tIns="45720" rIns="91440" bIns="45720" rtlCol="0" anchor="ctr">
+            <a:normAutofit/>
+          </a:bodyPr>
+          <a:lstStyle/>
+          <a:p>
+            <a:pPr lvl="0">
+              <a:spcBef>
+                <a:spcPct val="0"/>
+              </a:spcBef>
+            </a:pPr>
+            <a:r>
+              <a:rPr lang="en-US" sz="1600" dirty="0"/>
+              <a:t>https://computingforgeeks.com/how-to-install-docker-swarm-on-ubuntu/</a:t>
+            </a:r>
+            <a:endParaRPr kumimoji="0" lang="zh-TW" altLang="en-US" sz="1600" b="0" i="0" u="none" strike="noStrike" kern="1200" cap="none" spc="0" normalizeH="0" baseline="0" noProof="0" dirty="0">
+              <a:ln>
+                <a:noFill/>
+              </a:ln>
+              <a:solidFill>
+                <a:schemeClr val="tx1"/>
+              </a:solidFill>
+              <a:effectLst/>
+              <a:uLnTx/>
+              <a:uFillTx/>
+              <a:latin typeface="+mj-lt"/>
+              <a:ea typeface="+mj-ea"/>
+              <a:cs typeface="+mj-cs"/>
+            </a:endParaRPr>
+          </a:p>
+        </p:txBody>
+      </p:sp>
+      <p:sp>
+        <p:nvSpPr>
+          <p:cNvPr id="5" name="日期版面配置區 4"/>
+          <p:cNvSpPr>
+            <a:spLocks noGrp="1"/>
+          </p:cNvSpPr>
+          <p:nvPr>
+            <p:ph type="dt" sz="half" idx="10"/>
+          </p:nvPr>
+        </p:nvSpPr>
+        <p:spPr/>
+        <p:txBody>
+          <a:bodyPr/>
+          <a:lstStyle/>
+          <a:p>
+            <a:fld id="{A4F910E6-8D00-4BAF-8C48-9688E0B449D3}" type="datetime1">
+              <a:rPr lang="zh-TW" altLang="en-US" smtClean="0"/>
+              <a:pPr/>
+              <a:t>2021/12/13</a:t>
+            </a:fld>
+            <a:endParaRPr lang="zh-TW" altLang="en-US"/>
+          </a:p>
+        </p:txBody>
+      </p:sp>
+      <p:sp>
+        <p:nvSpPr>
+          <p:cNvPr id="6" name="投影片編號版面配置區 5"/>
+          <p:cNvSpPr>
+            <a:spLocks noGrp="1"/>
+          </p:cNvSpPr>
+          <p:nvPr>
+            <p:ph type="sldNum" sz="quarter" idx="12"/>
+          </p:nvPr>
+        </p:nvSpPr>
+        <p:spPr/>
+        <p:txBody>
+          <a:bodyPr/>
+          <a:lstStyle/>
+          <a:p>
+            <a:fld id="{E4D7E63D-91F2-4366-A2C4-1B00C9E2590E}" type="slidenum">
+              <a:rPr lang="zh-TW" altLang="en-US" smtClean="0"/>
+              <a:pPr/>
+              <a:t>35</a:t>
+            </a:fld>
+            <a:endParaRPr lang="zh-TW" altLang="en-US"/>
+          </a:p>
+        </p:txBody>
+      </p:sp>
+      <p:sp>
+        <p:nvSpPr>
+          <p:cNvPr id="10" name="Rectangle 9">
+            <a:extLst>
+              <a:ext uri="{FF2B5EF4-FFF2-40B4-BE49-F238E27FC236}">
+                <a16:creationId xmlns:a16="http://schemas.microsoft.com/office/drawing/2014/main" id="{39729D04-7902-46A6-9C6C-096AD8B3C664}"/>
+              </a:ext>
+            </a:extLst>
+          </p:cNvPr>
+          <p:cNvSpPr/>
+          <p:nvPr/>
+        </p:nvSpPr>
+        <p:spPr>
+          <a:xfrm>
+            <a:off x="2926160" y="3337988"/>
+            <a:ext cx="5760640" cy="356694"/>
+          </a:xfrm>
+          <a:prstGeom prst="rect">
+            <a:avLst/>
+          </a:prstGeom>
+          <a:noFill/>
+          <a:ln>
+            <a:solidFill>
+              <a:srgbClr val="C00000"/>
+            </a:solidFill>
+          </a:ln>
+        </p:spPr>
+        <p:style>
+          <a:lnRef idx="2">
+            <a:schemeClr val="accent1">
+              <a:shade val="50000"/>
+            </a:schemeClr>
+          </a:lnRef>
+          <a:fillRef idx="1">
+            <a:schemeClr val="accent1"/>
+          </a:fillRef>
+          <a:effectRef idx="0">
+            <a:schemeClr val="accent1"/>
+          </a:effectRef>
+          <a:fontRef idx="minor">
+            <a:schemeClr val="lt1"/>
+          </a:fontRef>
+        </p:style>
+        <p:txBody>
+          <a:bodyPr rtlCol="0" anchor="ctr"/>
+          <a:lstStyle/>
+          <a:p>
+            <a:pPr algn="ctr"/>
+            <a:endParaRPr lang="en-US" dirty="0"/>
+          </a:p>
+        </p:txBody>
+      </p:sp>
+    </p:spTree>
+    <p:extLst>
+      <p:ext uri="{BB962C8B-B14F-4D97-AF65-F5344CB8AC3E}">
+        <p14:creationId xmlns:p14="http://schemas.microsoft.com/office/powerpoint/2010/main" val="393751010"/>
+      </p:ext>
+    </p:extLst>
+  </p:cSld>
+  <p:clrMapOvr>
+    <a:masterClrMapping/>
+  </p:clrMapOvr>
+</p:sld>
+</file>
+
+<file path=ppt/slides/slide36.xml><?xml version="1.0" encoding="utf-8"?>
+<p:sld xmlns:a="http://schemas.openxmlformats.org/drawingml/2006/main" xmlns:r="http://schemas.openxmlformats.org/officeDocument/2006/relationships" xmlns:p="http://schemas.openxmlformats.org/presentationml/2006/main">
+  <p:cSld>
+    <p:spTree>
+      <p:nvGrpSpPr>
+        <p:cNvPr id="1" name=""/>
+        <p:cNvGrpSpPr/>
+        <p:nvPr/>
+      </p:nvGrpSpPr>
+      <p:grpSpPr>
+        <a:xfrm>
+          <a:off x="0" y="0"/>
+          <a:ext cx="0" cy="0"/>
+          <a:chOff x="0" y="0"/>
+          <a:chExt cx="0" cy="0"/>
+        </a:xfrm>
+      </p:grpSpPr>
+      <p:pic>
+        <p:nvPicPr>
+          <p:cNvPr id="8" name="Picture 7">
+            <a:extLst>
+              <a:ext uri="{FF2B5EF4-FFF2-40B4-BE49-F238E27FC236}">
+                <a16:creationId xmlns:a16="http://schemas.microsoft.com/office/drawing/2014/main" id="{E63ABA7D-320A-463F-B195-FCB36B2BBFE0}"/>
+              </a:ext>
+            </a:extLst>
+          </p:cNvPr>
+          <p:cNvPicPr>
+            <a:picLocks noChangeAspect="1"/>
+          </p:cNvPicPr>
+          <p:nvPr/>
+        </p:nvPicPr>
+        <p:blipFill>
+          <a:blip r:embed="rId2"/>
+          <a:stretch>
+            <a:fillRect/>
+          </a:stretch>
+        </p:blipFill>
+        <p:spPr>
+          <a:xfrm>
+            <a:off x="455411" y="2613603"/>
+            <a:ext cx="8524875" cy="1800225"/>
+          </a:xfrm>
+          <a:prstGeom prst="rect">
+            <a:avLst/>
+          </a:prstGeom>
+        </p:spPr>
+      </p:pic>
+      <p:sp>
+        <p:nvSpPr>
+          <p:cNvPr id="2" name="標題 1"/>
+          <p:cNvSpPr>
+            <a:spLocks noGrp="1"/>
+          </p:cNvSpPr>
+          <p:nvPr>
+            <p:ph type="ctrTitle"/>
+          </p:nvPr>
+        </p:nvSpPr>
+        <p:spPr>
+          <a:xfrm>
+            <a:off x="0" y="1"/>
+            <a:ext cx="9144000" cy="764704"/>
+          </a:xfrm>
+          <a:gradFill flip="none" rotWithShape="1">
+            <a:gsLst>
+              <a:gs pos="0">
+                <a:srgbClr val="C00000">
+                  <a:shade val="30000"/>
+                  <a:satMod val="115000"/>
+                </a:srgbClr>
+              </a:gs>
+              <a:gs pos="50000">
+                <a:srgbClr val="C00000">
+                  <a:shade val="67500"/>
+                  <a:satMod val="115000"/>
+                </a:srgbClr>
+              </a:gs>
+              <a:gs pos="100000">
+                <a:srgbClr val="C00000">
+                  <a:shade val="100000"/>
+                  <a:satMod val="115000"/>
+                </a:srgbClr>
+              </a:gs>
+            </a:gsLst>
+            <a:path path="circle">
+              <a:fillToRect t="100000" r="100000"/>
+            </a:path>
+            <a:tileRect l="-100000" b="-100000"/>
+          </a:gradFill>
+        </p:spPr>
+        <p:txBody>
+          <a:bodyPr>
+            <a:normAutofit/>
+          </a:bodyPr>
+          <a:lstStyle/>
+          <a:p>
+            <a:pPr algn="l"/>
+            <a:r>
+              <a:rPr lang="en-US" altLang="zh-TW" sz="4400" b="1" dirty="0">
+                <a:solidFill>
+                  <a:srgbClr val="FFFF00"/>
+                </a:solidFill>
+              </a:rPr>
+              <a:t>15.1 Setup Docker Swarm on Ubuntu</a:t>
+            </a:r>
+            <a:endParaRPr lang="zh-TW" altLang="en-US" b="1" dirty="0">
+              <a:solidFill>
+                <a:srgbClr val="FFFF00"/>
+              </a:solidFill>
+            </a:endParaRPr>
+          </a:p>
+        </p:txBody>
+      </p:sp>
+      <p:sp>
+        <p:nvSpPr>
+          <p:cNvPr id="3" name="副標題 2"/>
+          <p:cNvSpPr>
+            <a:spLocks noGrp="1"/>
+          </p:cNvSpPr>
+          <p:nvPr>
+            <p:ph type="subTitle" idx="1"/>
+          </p:nvPr>
+        </p:nvSpPr>
+        <p:spPr>
+          <a:xfrm>
+            <a:off x="323528" y="1368476"/>
+            <a:ext cx="8496944" cy="1075697"/>
+          </a:xfrm>
+          <a:ln>
+            <a:solidFill>
+              <a:srgbClr val="C00000"/>
+            </a:solidFill>
+          </a:ln>
+        </p:spPr>
+        <p:txBody>
+          <a:bodyPr>
+            <a:noAutofit/>
+          </a:bodyPr>
+          <a:lstStyle/>
+          <a:p>
+            <a:pPr marL="342900" indent="-342900" algn="l">
+              <a:buClr>
+                <a:srgbClr val="0070C0"/>
+              </a:buClr>
+              <a:buSzPct val="80000"/>
+              <a:buFont typeface="Wingdings" pitchFamily="2" charset="2"/>
+              <a:buChar char="u"/>
+            </a:pPr>
+            <a:r>
+              <a:rPr lang="en-US" sz="1800" b="1" dirty="0">
+                <a:solidFill>
+                  <a:srgbClr val="C00000"/>
+                </a:solidFill>
+              </a:rPr>
+              <a:t>Setup Docker Swarm on Ubuntu (14:10/15:41)</a:t>
+            </a:r>
+          </a:p>
+          <a:p>
+            <a:pPr marL="342900" indent="-342900" algn="l">
+              <a:buClr>
+                <a:srgbClr val="0070C0"/>
+              </a:buClr>
+              <a:buSzPct val="80000"/>
+              <a:buFont typeface="Wingdings" pitchFamily="2" charset="2"/>
+              <a:buChar char="u"/>
+            </a:pPr>
+            <a:r>
+              <a:rPr lang="en-US" sz="1800" b="1" dirty="0">
+                <a:solidFill>
+                  <a:schemeClr val="tx1"/>
+                </a:solidFill>
+              </a:rPr>
+              <a:t>Now, on the worker node, we can see there are two tasks are running on the worker node.</a:t>
+            </a:r>
+          </a:p>
+        </p:txBody>
+      </p:sp>
+      <p:sp>
+        <p:nvSpPr>
+          <p:cNvPr id="4" name="標題 1"/>
+          <p:cNvSpPr txBox="1">
+            <a:spLocks/>
+          </p:cNvSpPr>
+          <p:nvPr/>
+        </p:nvSpPr>
+        <p:spPr>
+          <a:xfrm>
+            <a:off x="0" y="764704"/>
+            <a:ext cx="9144000" cy="360040"/>
+          </a:xfrm>
+          <a:prstGeom prst="rect">
+            <a:avLst/>
+          </a:prstGeom>
+          <a:gradFill flip="none" rotWithShape="1">
+            <a:gsLst>
+              <a:gs pos="0">
+                <a:srgbClr val="00B0F0">
+                  <a:shade val="30000"/>
+                  <a:satMod val="115000"/>
+                </a:srgbClr>
+              </a:gs>
+              <a:gs pos="50000">
+                <a:srgbClr val="00B0F0">
+                  <a:shade val="67500"/>
+                  <a:satMod val="115000"/>
+                </a:srgbClr>
+              </a:gs>
+              <a:gs pos="100000">
+                <a:srgbClr val="00B0F0">
+                  <a:shade val="100000"/>
+                  <a:satMod val="115000"/>
+                </a:srgbClr>
+              </a:gs>
+            </a:gsLst>
+            <a:path path="circle">
+              <a:fillToRect t="100000" r="100000"/>
+            </a:path>
+            <a:tileRect l="-100000" b="-100000"/>
+          </a:gradFill>
+        </p:spPr>
+        <p:txBody>
+          <a:bodyPr vert="horz" lIns="91440" tIns="45720" rIns="91440" bIns="45720" rtlCol="0" anchor="ctr">
+            <a:normAutofit/>
+          </a:bodyPr>
+          <a:lstStyle/>
+          <a:p>
+            <a:pPr lvl="0">
+              <a:spcBef>
+                <a:spcPct val="0"/>
+              </a:spcBef>
+            </a:pPr>
+            <a:r>
+              <a:rPr lang="en-US" sz="1600" dirty="0"/>
+              <a:t>https://computingforgeeks.com/how-to-install-docker-swarm-on-ubuntu/</a:t>
+            </a:r>
+            <a:endParaRPr kumimoji="0" lang="zh-TW" altLang="en-US" sz="1600" b="0" i="0" u="none" strike="noStrike" kern="1200" cap="none" spc="0" normalizeH="0" baseline="0" noProof="0" dirty="0">
+              <a:ln>
+                <a:noFill/>
+              </a:ln>
+              <a:solidFill>
+                <a:schemeClr val="tx1"/>
+              </a:solidFill>
+              <a:effectLst/>
+              <a:uLnTx/>
+              <a:uFillTx/>
+              <a:latin typeface="+mj-lt"/>
+              <a:ea typeface="+mj-ea"/>
+              <a:cs typeface="+mj-cs"/>
+            </a:endParaRPr>
+          </a:p>
+        </p:txBody>
+      </p:sp>
+      <p:sp>
+        <p:nvSpPr>
+          <p:cNvPr id="5" name="日期版面配置區 4"/>
+          <p:cNvSpPr>
+            <a:spLocks noGrp="1"/>
+          </p:cNvSpPr>
+          <p:nvPr>
+            <p:ph type="dt" sz="half" idx="10"/>
+          </p:nvPr>
+        </p:nvSpPr>
+        <p:spPr/>
+        <p:txBody>
+          <a:bodyPr/>
+          <a:lstStyle/>
+          <a:p>
+            <a:fld id="{A4F910E6-8D00-4BAF-8C48-9688E0B449D3}" type="datetime1">
+              <a:rPr lang="zh-TW" altLang="en-US" smtClean="0"/>
+              <a:pPr/>
+              <a:t>2021/12/13</a:t>
+            </a:fld>
+            <a:endParaRPr lang="zh-TW" altLang="en-US"/>
+          </a:p>
+        </p:txBody>
+      </p:sp>
+      <p:sp>
+        <p:nvSpPr>
+          <p:cNvPr id="6" name="投影片編號版面配置區 5"/>
+          <p:cNvSpPr>
+            <a:spLocks noGrp="1"/>
+          </p:cNvSpPr>
+          <p:nvPr>
+            <p:ph type="sldNum" sz="quarter" idx="12"/>
+          </p:nvPr>
+        </p:nvSpPr>
+        <p:spPr/>
+        <p:txBody>
+          <a:bodyPr/>
+          <a:lstStyle/>
+          <a:p>
+            <a:fld id="{E4D7E63D-91F2-4366-A2C4-1B00C9E2590E}" type="slidenum">
+              <a:rPr lang="zh-TW" altLang="en-US" smtClean="0"/>
+              <a:pPr/>
+              <a:t>36</a:t>
+            </a:fld>
+            <a:endParaRPr lang="zh-TW" altLang="en-US"/>
+          </a:p>
+        </p:txBody>
+      </p:sp>
+      <p:sp>
+        <p:nvSpPr>
+          <p:cNvPr id="10" name="Rectangle 9">
+            <a:extLst>
+              <a:ext uri="{FF2B5EF4-FFF2-40B4-BE49-F238E27FC236}">
+                <a16:creationId xmlns:a16="http://schemas.microsoft.com/office/drawing/2014/main" id="{39729D04-7902-46A6-9C6C-096AD8B3C664}"/>
+              </a:ext>
+            </a:extLst>
+          </p:cNvPr>
+          <p:cNvSpPr/>
+          <p:nvPr/>
+        </p:nvSpPr>
+        <p:spPr>
+          <a:xfrm>
+            <a:off x="711499" y="3237955"/>
+            <a:ext cx="5328592" cy="1080120"/>
+          </a:xfrm>
+          <a:prstGeom prst="rect">
+            <a:avLst/>
+          </a:prstGeom>
+          <a:noFill/>
+          <a:ln>
+            <a:solidFill>
+              <a:srgbClr val="C00000"/>
+            </a:solidFill>
+          </a:ln>
+        </p:spPr>
+        <p:style>
+          <a:lnRef idx="2">
+            <a:schemeClr val="accent1">
+              <a:shade val="50000"/>
+            </a:schemeClr>
+          </a:lnRef>
+          <a:fillRef idx="1">
+            <a:schemeClr val="accent1"/>
+          </a:fillRef>
+          <a:effectRef idx="0">
+            <a:schemeClr val="accent1"/>
+          </a:effectRef>
+          <a:fontRef idx="minor">
+            <a:schemeClr val="lt1"/>
+          </a:fontRef>
+        </p:style>
+        <p:txBody>
+          <a:bodyPr rtlCol="0" anchor="ctr"/>
+          <a:lstStyle/>
+          <a:p>
+            <a:pPr algn="ctr"/>
+            <a:endParaRPr lang="en-US" dirty="0"/>
+          </a:p>
+        </p:txBody>
+      </p:sp>
+    </p:spTree>
+    <p:extLst>
+      <p:ext uri="{BB962C8B-B14F-4D97-AF65-F5344CB8AC3E}">
+        <p14:creationId xmlns:p14="http://schemas.microsoft.com/office/powerpoint/2010/main" val="500865345"/>
+      </p:ext>
+    </p:extLst>
+  </p:cSld>
+  <p:clrMapOvr>
+    <a:masterClrMapping/>
+  </p:clrMapOvr>
+</p:sld>
+</file>
+
+<file path=ppt/slides/slide37.xml><?xml version="1.0" encoding="utf-8"?>
+<p:sld xmlns:a="http://schemas.openxmlformats.org/drawingml/2006/main" xmlns:r="http://schemas.openxmlformats.org/officeDocument/2006/relationships" xmlns:p="http://schemas.openxmlformats.org/presentationml/2006/main">
+  <p:cSld>
+    <p:spTree>
+      <p:nvGrpSpPr>
+        <p:cNvPr id="1" name=""/>
+        <p:cNvGrpSpPr/>
+        <p:nvPr/>
+      </p:nvGrpSpPr>
+      <p:grpSpPr>
+        <a:xfrm>
+          <a:off x="0" y="0"/>
+          <a:ext cx="0" cy="0"/>
+          <a:chOff x="0" y="0"/>
+          <a:chExt cx="0" cy="0"/>
+        </a:xfrm>
+      </p:grpSpPr>
+      <p:pic>
+        <p:nvPicPr>
+          <p:cNvPr id="9" name="Picture 8">
+            <a:extLst>
+              <a:ext uri="{FF2B5EF4-FFF2-40B4-BE49-F238E27FC236}">
+                <a16:creationId xmlns:a16="http://schemas.microsoft.com/office/drawing/2014/main" id="{FFB58B98-70AF-4AEE-96D0-772150155989}"/>
+              </a:ext>
+            </a:extLst>
+          </p:cNvPr>
+          <p:cNvPicPr>
+            <a:picLocks noChangeAspect="1"/>
+          </p:cNvPicPr>
+          <p:nvPr/>
+        </p:nvPicPr>
+        <p:blipFill>
+          <a:blip r:embed="rId2"/>
+          <a:stretch>
+            <a:fillRect/>
+          </a:stretch>
+        </p:blipFill>
+        <p:spPr>
+          <a:xfrm>
+            <a:off x="417662" y="3429000"/>
+            <a:ext cx="8308676" cy="1716889"/>
+          </a:xfrm>
+          <a:prstGeom prst="rect">
+            <a:avLst/>
+          </a:prstGeom>
+        </p:spPr>
+      </p:pic>
+      <p:sp>
+        <p:nvSpPr>
+          <p:cNvPr id="2" name="標題 1"/>
+          <p:cNvSpPr>
+            <a:spLocks noGrp="1"/>
+          </p:cNvSpPr>
+          <p:nvPr>
+            <p:ph type="ctrTitle"/>
+          </p:nvPr>
+        </p:nvSpPr>
+        <p:spPr>
+          <a:xfrm>
+            <a:off x="0" y="1"/>
+            <a:ext cx="9144000" cy="764704"/>
+          </a:xfrm>
+          <a:gradFill flip="none" rotWithShape="1">
+            <a:gsLst>
+              <a:gs pos="0">
+                <a:srgbClr val="C00000">
+                  <a:shade val="30000"/>
+                  <a:satMod val="115000"/>
+                </a:srgbClr>
+              </a:gs>
+              <a:gs pos="50000">
+                <a:srgbClr val="C00000">
+                  <a:shade val="67500"/>
+                  <a:satMod val="115000"/>
+                </a:srgbClr>
+              </a:gs>
+              <a:gs pos="100000">
+                <a:srgbClr val="C00000">
+                  <a:shade val="100000"/>
+                  <a:satMod val="115000"/>
+                </a:srgbClr>
+              </a:gs>
+            </a:gsLst>
+            <a:path path="circle">
+              <a:fillToRect t="100000" r="100000"/>
+            </a:path>
+            <a:tileRect l="-100000" b="-100000"/>
+          </a:gradFill>
+        </p:spPr>
+        <p:txBody>
+          <a:bodyPr>
+            <a:normAutofit/>
+          </a:bodyPr>
+          <a:lstStyle/>
+          <a:p>
+            <a:pPr algn="l"/>
+            <a:r>
+              <a:rPr lang="en-US" altLang="zh-TW" sz="4400" b="1" dirty="0">
+                <a:solidFill>
+                  <a:srgbClr val="FFFF00"/>
+                </a:solidFill>
+              </a:rPr>
+              <a:t>15.1 Setup Docker Swarm on Ubuntu</a:t>
+            </a:r>
+            <a:endParaRPr lang="zh-TW" altLang="en-US" b="1" dirty="0">
+              <a:solidFill>
+                <a:srgbClr val="FFFF00"/>
+              </a:solidFill>
+            </a:endParaRPr>
+          </a:p>
+        </p:txBody>
+      </p:sp>
+      <p:sp>
+        <p:nvSpPr>
+          <p:cNvPr id="3" name="副標題 2"/>
+          <p:cNvSpPr>
+            <a:spLocks noGrp="1"/>
+          </p:cNvSpPr>
+          <p:nvPr>
+            <p:ph type="subTitle" idx="1"/>
+          </p:nvPr>
+        </p:nvSpPr>
+        <p:spPr>
+          <a:xfrm>
+            <a:off x="323528" y="1368476"/>
+            <a:ext cx="8496944" cy="1716889"/>
+          </a:xfrm>
+          <a:ln>
+            <a:solidFill>
+              <a:srgbClr val="C00000"/>
+            </a:solidFill>
+          </a:ln>
+        </p:spPr>
+        <p:txBody>
+          <a:bodyPr>
+            <a:noAutofit/>
+          </a:bodyPr>
+          <a:lstStyle/>
+          <a:p>
+            <a:pPr marL="342900" indent="-342900" algn="l">
+              <a:buClr>
+                <a:srgbClr val="0070C0"/>
+              </a:buClr>
+              <a:buSzPct val="80000"/>
+              <a:buFont typeface="Wingdings" pitchFamily="2" charset="2"/>
+              <a:buChar char="u"/>
+            </a:pPr>
+            <a:r>
+              <a:rPr lang="en-US" sz="1800" b="1" dirty="0">
+                <a:solidFill>
+                  <a:srgbClr val="C00000"/>
+                </a:solidFill>
+              </a:rPr>
+              <a:t>Setup Docker Swarm on Ubuntu (14:32/15:41)</a:t>
+            </a:r>
+          </a:p>
+          <a:p>
+            <a:pPr marL="342900" indent="-342900" algn="l">
+              <a:buClr>
+                <a:srgbClr val="0070C0"/>
+              </a:buClr>
+              <a:buSzPct val="80000"/>
+              <a:buFont typeface="Wingdings" pitchFamily="2" charset="2"/>
+              <a:buChar char="u"/>
+            </a:pPr>
+            <a:r>
+              <a:rPr lang="en-US" sz="1800" b="1" dirty="0">
+                <a:solidFill>
+                  <a:schemeClr val="tx1"/>
+                </a:solidFill>
+              </a:rPr>
+              <a:t>We have two different ID for two different services running.</a:t>
+            </a:r>
+          </a:p>
+          <a:p>
+            <a:pPr marL="342900" indent="-342900" algn="l">
+              <a:buClr>
+                <a:srgbClr val="0070C0"/>
+              </a:buClr>
+              <a:buSzPct val="80000"/>
+              <a:buFont typeface="Wingdings" pitchFamily="2" charset="2"/>
+              <a:buChar char="u"/>
+            </a:pPr>
+            <a:r>
+              <a:rPr lang="en-US" sz="1800" b="1" dirty="0">
+                <a:solidFill>
+                  <a:schemeClr val="tx1"/>
+                </a:solidFill>
+              </a:rPr>
+              <a:t>…and if we go back to the worker node and</a:t>
+            </a:r>
+          </a:p>
+          <a:p>
+            <a:pPr marL="342900" indent="-342900" algn="l">
+              <a:buClr>
+                <a:srgbClr val="0070C0"/>
+              </a:buClr>
+              <a:buSzPct val="80000"/>
+              <a:buFont typeface="Wingdings" pitchFamily="2" charset="2"/>
+              <a:buChar char="u"/>
+            </a:pPr>
+            <a:r>
+              <a:rPr lang="en-US" sz="1800" b="1" dirty="0">
+                <a:solidFill>
+                  <a:schemeClr val="tx1"/>
+                </a:solidFill>
+              </a:rPr>
+              <a:t>&gt; sudo docker ps</a:t>
+            </a:r>
+          </a:p>
+        </p:txBody>
+      </p:sp>
+      <p:sp>
+        <p:nvSpPr>
+          <p:cNvPr id="4" name="標題 1"/>
+          <p:cNvSpPr txBox="1">
+            <a:spLocks/>
+          </p:cNvSpPr>
+          <p:nvPr/>
+        </p:nvSpPr>
+        <p:spPr>
+          <a:xfrm>
+            <a:off x="0" y="764704"/>
+            <a:ext cx="9144000" cy="360040"/>
+          </a:xfrm>
+          <a:prstGeom prst="rect">
+            <a:avLst/>
+          </a:prstGeom>
+          <a:gradFill flip="none" rotWithShape="1">
+            <a:gsLst>
+              <a:gs pos="0">
+                <a:srgbClr val="00B0F0">
+                  <a:shade val="30000"/>
+                  <a:satMod val="115000"/>
+                </a:srgbClr>
+              </a:gs>
+              <a:gs pos="50000">
+                <a:srgbClr val="00B0F0">
+                  <a:shade val="67500"/>
+                  <a:satMod val="115000"/>
+                </a:srgbClr>
+              </a:gs>
+              <a:gs pos="100000">
+                <a:srgbClr val="00B0F0">
+                  <a:shade val="100000"/>
+                  <a:satMod val="115000"/>
+                </a:srgbClr>
+              </a:gs>
+            </a:gsLst>
+            <a:path path="circle">
+              <a:fillToRect t="100000" r="100000"/>
+            </a:path>
+            <a:tileRect l="-100000" b="-100000"/>
+          </a:gradFill>
+        </p:spPr>
+        <p:txBody>
+          <a:bodyPr vert="horz" lIns="91440" tIns="45720" rIns="91440" bIns="45720" rtlCol="0" anchor="ctr">
+            <a:normAutofit/>
+          </a:bodyPr>
+          <a:lstStyle/>
+          <a:p>
+            <a:pPr lvl="0">
+              <a:spcBef>
+                <a:spcPct val="0"/>
+              </a:spcBef>
+            </a:pPr>
+            <a:r>
+              <a:rPr lang="en-US" sz="1600" dirty="0"/>
+              <a:t>https://computingforgeeks.com/how-to-install-docker-swarm-on-ubuntu/</a:t>
+            </a:r>
+            <a:endParaRPr kumimoji="0" lang="zh-TW" altLang="en-US" sz="1600" b="0" i="0" u="none" strike="noStrike" kern="1200" cap="none" spc="0" normalizeH="0" baseline="0" noProof="0" dirty="0">
+              <a:ln>
+                <a:noFill/>
+              </a:ln>
+              <a:solidFill>
+                <a:schemeClr val="tx1"/>
+              </a:solidFill>
+              <a:effectLst/>
+              <a:uLnTx/>
+              <a:uFillTx/>
+              <a:latin typeface="+mj-lt"/>
+              <a:ea typeface="+mj-ea"/>
+              <a:cs typeface="+mj-cs"/>
+            </a:endParaRPr>
+          </a:p>
+        </p:txBody>
+      </p:sp>
+      <p:sp>
+        <p:nvSpPr>
+          <p:cNvPr id="5" name="日期版面配置區 4"/>
+          <p:cNvSpPr>
+            <a:spLocks noGrp="1"/>
+          </p:cNvSpPr>
+          <p:nvPr>
+            <p:ph type="dt" sz="half" idx="10"/>
+          </p:nvPr>
+        </p:nvSpPr>
+        <p:spPr/>
+        <p:txBody>
+          <a:bodyPr/>
+          <a:lstStyle/>
+          <a:p>
+            <a:fld id="{A4F910E6-8D00-4BAF-8C48-9688E0B449D3}" type="datetime1">
+              <a:rPr lang="zh-TW" altLang="en-US" smtClean="0"/>
+              <a:pPr/>
+              <a:t>2021/12/13</a:t>
+            </a:fld>
+            <a:endParaRPr lang="zh-TW" altLang="en-US"/>
+          </a:p>
+        </p:txBody>
+      </p:sp>
+      <p:sp>
+        <p:nvSpPr>
+          <p:cNvPr id="6" name="投影片編號版面配置區 5"/>
+          <p:cNvSpPr>
+            <a:spLocks noGrp="1"/>
+          </p:cNvSpPr>
+          <p:nvPr>
+            <p:ph type="sldNum" sz="quarter" idx="12"/>
+          </p:nvPr>
+        </p:nvSpPr>
+        <p:spPr/>
+        <p:txBody>
+          <a:bodyPr/>
+          <a:lstStyle/>
+          <a:p>
+            <a:fld id="{E4D7E63D-91F2-4366-A2C4-1B00C9E2590E}" type="slidenum">
+              <a:rPr lang="zh-TW" altLang="en-US" smtClean="0"/>
+              <a:pPr/>
+              <a:t>37</a:t>
+            </a:fld>
+            <a:endParaRPr lang="zh-TW" altLang="en-US"/>
+          </a:p>
+        </p:txBody>
+      </p:sp>
+      <p:sp>
+        <p:nvSpPr>
+          <p:cNvPr id="10" name="Rectangle 9">
+            <a:extLst>
+              <a:ext uri="{FF2B5EF4-FFF2-40B4-BE49-F238E27FC236}">
+                <a16:creationId xmlns:a16="http://schemas.microsoft.com/office/drawing/2014/main" id="{39729D04-7902-46A6-9C6C-096AD8B3C664}"/>
+              </a:ext>
+            </a:extLst>
+          </p:cNvPr>
+          <p:cNvSpPr/>
+          <p:nvPr/>
+        </p:nvSpPr>
+        <p:spPr>
+          <a:xfrm>
+            <a:off x="323528" y="4221088"/>
+            <a:ext cx="8402810" cy="792088"/>
+          </a:xfrm>
+          <a:prstGeom prst="rect">
+            <a:avLst/>
+          </a:prstGeom>
+          <a:noFill/>
+          <a:ln>
+            <a:solidFill>
+              <a:srgbClr val="C00000"/>
+            </a:solidFill>
+          </a:ln>
+        </p:spPr>
+        <p:style>
+          <a:lnRef idx="2">
+            <a:schemeClr val="accent1">
+              <a:shade val="50000"/>
+            </a:schemeClr>
+          </a:lnRef>
+          <a:fillRef idx="1">
+            <a:schemeClr val="accent1"/>
+          </a:fillRef>
+          <a:effectRef idx="0">
+            <a:schemeClr val="accent1"/>
+          </a:effectRef>
+          <a:fontRef idx="minor">
+            <a:schemeClr val="lt1"/>
+          </a:fontRef>
+        </p:style>
+        <p:txBody>
+          <a:bodyPr rtlCol="0" anchor="ctr"/>
+          <a:lstStyle/>
+          <a:p>
+            <a:pPr algn="ctr"/>
+            <a:endParaRPr lang="en-US" dirty="0"/>
+          </a:p>
+        </p:txBody>
+      </p:sp>
+    </p:spTree>
+    <p:extLst>
+      <p:ext uri="{BB962C8B-B14F-4D97-AF65-F5344CB8AC3E}">
+        <p14:creationId xmlns:p14="http://schemas.microsoft.com/office/powerpoint/2010/main" val="3535731317"/>
+      </p:ext>
+    </p:extLst>
+  </p:cSld>
+  <p:clrMapOvr>
+    <a:masterClrMapping/>
+  </p:clrMapOvr>
+</p:sld>
+</file>
+
+<file path=ppt/slides/slide38.xml><?xml version="1.0" encoding="utf-8"?>
+<p:sld xmlns:a="http://schemas.openxmlformats.org/drawingml/2006/main" xmlns:r="http://schemas.openxmlformats.org/officeDocument/2006/relationships" xmlns:p="http://schemas.openxmlformats.org/presentationml/2006/main">
+  <p:cSld>
+    <p:spTree>
+      <p:nvGrpSpPr>
+        <p:cNvPr id="1" name=""/>
+        <p:cNvGrpSpPr/>
+        <p:nvPr/>
+      </p:nvGrpSpPr>
+      <p:grpSpPr>
+        <a:xfrm>
+          <a:off x="0" y="0"/>
+          <a:ext cx="0" cy="0"/>
+          <a:chOff x="0" y="0"/>
+          <a:chExt cx="0" cy="0"/>
+        </a:xfrm>
+      </p:grpSpPr>
+      <p:sp>
+        <p:nvSpPr>
+          <p:cNvPr id="2" name="標題 1"/>
+          <p:cNvSpPr>
+            <a:spLocks noGrp="1"/>
+          </p:cNvSpPr>
+          <p:nvPr>
+            <p:ph type="ctrTitle"/>
+          </p:nvPr>
+        </p:nvSpPr>
+        <p:spPr>
+          <a:xfrm>
+            <a:off x="0" y="1"/>
+            <a:ext cx="9144000" cy="764704"/>
+          </a:xfrm>
+          <a:gradFill flip="none" rotWithShape="1">
+            <a:gsLst>
+              <a:gs pos="0">
+                <a:srgbClr val="C00000">
+                  <a:shade val="30000"/>
+                  <a:satMod val="115000"/>
+                </a:srgbClr>
+              </a:gs>
+              <a:gs pos="50000">
+                <a:srgbClr val="C00000">
+                  <a:shade val="67500"/>
+                  <a:satMod val="115000"/>
+                </a:srgbClr>
+              </a:gs>
+              <a:gs pos="100000">
+                <a:srgbClr val="C00000">
+                  <a:shade val="100000"/>
+                  <a:satMod val="115000"/>
+                </a:srgbClr>
+              </a:gs>
+            </a:gsLst>
+            <a:path path="circle">
+              <a:fillToRect t="100000" r="100000"/>
+            </a:path>
+            <a:tileRect l="-100000" b="-100000"/>
+          </a:gradFill>
+        </p:spPr>
+        <p:txBody>
+          <a:bodyPr>
+            <a:normAutofit/>
+          </a:bodyPr>
+          <a:lstStyle/>
+          <a:p>
+            <a:pPr algn="l"/>
+            <a:r>
+              <a:rPr lang="en-US" altLang="zh-TW" sz="4400" b="1" dirty="0">
+                <a:solidFill>
+                  <a:srgbClr val="FFFF00"/>
+                </a:solidFill>
+              </a:rPr>
+              <a:t>15.1 Setup Docker Swarm on Ubuntu</a:t>
+            </a:r>
+            <a:endParaRPr lang="zh-TW" altLang="en-US" b="1" dirty="0">
+              <a:solidFill>
+                <a:srgbClr val="FFFF00"/>
+              </a:solidFill>
+            </a:endParaRPr>
+          </a:p>
+        </p:txBody>
+      </p:sp>
+      <p:sp>
+        <p:nvSpPr>
+          <p:cNvPr id="3" name="副標題 2"/>
+          <p:cNvSpPr>
+            <a:spLocks noGrp="1"/>
+          </p:cNvSpPr>
+          <p:nvPr>
+            <p:ph type="subTitle" idx="1"/>
+          </p:nvPr>
+        </p:nvSpPr>
+        <p:spPr>
+          <a:xfrm>
+            <a:off x="323528" y="1368477"/>
+            <a:ext cx="8496944" cy="1340444"/>
+          </a:xfrm>
+          <a:ln>
+            <a:solidFill>
+              <a:srgbClr val="C00000"/>
+            </a:solidFill>
+          </a:ln>
+        </p:spPr>
+        <p:txBody>
+          <a:bodyPr>
+            <a:noAutofit/>
+          </a:bodyPr>
+          <a:lstStyle/>
+          <a:p>
+            <a:pPr marL="342900" indent="-342900" algn="l">
+              <a:buClr>
+                <a:srgbClr val="0070C0"/>
+              </a:buClr>
+              <a:buSzPct val="80000"/>
+              <a:buFont typeface="Wingdings" pitchFamily="2" charset="2"/>
+              <a:buChar char="u"/>
+            </a:pPr>
+            <a:r>
+              <a:rPr lang="en-US" sz="1800" b="1" dirty="0">
+                <a:solidFill>
+                  <a:srgbClr val="C00000"/>
+                </a:solidFill>
+              </a:rPr>
+              <a:t>Setup Docker Swarm on Ubuntu (14:46/15:41)</a:t>
+            </a:r>
+          </a:p>
+          <a:p>
+            <a:pPr marL="342900" indent="-342900" algn="l">
+              <a:buClr>
+                <a:srgbClr val="0070C0"/>
+              </a:buClr>
+              <a:buSzPct val="80000"/>
+              <a:buFont typeface="Wingdings" pitchFamily="2" charset="2"/>
+              <a:buChar char="u"/>
+            </a:pPr>
+            <a:r>
+              <a:rPr lang="en-US" sz="1800" b="1" dirty="0">
+                <a:solidFill>
+                  <a:schemeClr val="tx1"/>
+                </a:solidFill>
+              </a:rPr>
+              <a:t>If we want to kill a node from the swarm </a:t>
+            </a:r>
+          </a:p>
+          <a:p>
+            <a:pPr marL="342900" indent="-342900" algn="l">
+              <a:buClr>
+                <a:srgbClr val="0070C0"/>
+              </a:buClr>
+              <a:buSzPct val="80000"/>
+              <a:buFont typeface="Wingdings" pitchFamily="2" charset="2"/>
+              <a:buChar char="u"/>
+            </a:pPr>
+            <a:r>
+              <a:rPr lang="en-US" sz="1800" b="1" dirty="0">
+                <a:solidFill>
+                  <a:schemeClr val="tx1"/>
+                </a:solidFill>
+              </a:rPr>
+              <a:t>We can use the “leave –force” command which will force the  node to leave the swarm.</a:t>
+            </a:r>
+          </a:p>
+        </p:txBody>
+      </p:sp>
+      <p:sp>
+        <p:nvSpPr>
+          <p:cNvPr id="4" name="標題 1"/>
+          <p:cNvSpPr txBox="1">
+            <a:spLocks/>
+          </p:cNvSpPr>
+          <p:nvPr/>
+        </p:nvSpPr>
+        <p:spPr>
+          <a:xfrm>
+            <a:off x="0" y="764704"/>
+            <a:ext cx="9144000" cy="360040"/>
+          </a:xfrm>
+          <a:prstGeom prst="rect">
+            <a:avLst/>
+          </a:prstGeom>
+          <a:gradFill flip="none" rotWithShape="1">
+            <a:gsLst>
+              <a:gs pos="0">
+                <a:srgbClr val="00B0F0">
+                  <a:shade val="30000"/>
+                  <a:satMod val="115000"/>
+                </a:srgbClr>
+              </a:gs>
+              <a:gs pos="50000">
+                <a:srgbClr val="00B0F0">
+                  <a:shade val="67500"/>
+                  <a:satMod val="115000"/>
+                </a:srgbClr>
+              </a:gs>
+              <a:gs pos="100000">
+                <a:srgbClr val="00B0F0">
+                  <a:shade val="100000"/>
+                  <a:satMod val="115000"/>
+                </a:srgbClr>
+              </a:gs>
+            </a:gsLst>
+            <a:path path="circle">
+              <a:fillToRect t="100000" r="100000"/>
+            </a:path>
+            <a:tileRect l="-100000" b="-100000"/>
+          </a:gradFill>
+        </p:spPr>
+        <p:txBody>
+          <a:bodyPr vert="horz" lIns="91440" tIns="45720" rIns="91440" bIns="45720" rtlCol="0" anchor="ctr">
+            <a:normAutofit/>
+          </a:bodyPr>
+          <a:lstStyle/>
+          <a:p>
+            <a:pPr lvl="0">
+              <a:spcBef>
+                <a:spcPct val="0"/>
+              </a:spcBef>
+            </a:pPr>
+            <a:r>
+              <a:rPr lang="en-US" sz="1600" dirty="0"/>
+              <a:t>https://computingforgeeks.com/how-to-install-docker-swarm-on-ubuntu/</a:t>
+            </a:r>
+            <a:endParaRPr kumimoji="0" lang="zh-TW" altLang="en-US" sz="1600" b="0" i="0" u="none" strike="noStrike" kern="1200" cap="none" spc="0" normalizeH="0" baseline="0" noProof="0" dirty="0">
+              <a:ln>
+                <a:noFill/>
+              </a:ln>
+              <a:solidFill>
+                <a:schemeClr val="tx1"/>
+              </a:solidFill>
+              <a:effectLst/>
+              <a:uLnTx/>
+              <a:uFillTx/>
+              <a:latin typeface="+mj-lt"/>
+              <a:ea typeface="+mj-ea"/>
+              <a:cs typeface="+mj-cs"/>
+            </a:endParaRPr>
+          </a:p>
+        </p:txBody>
+      </p:sp>
+      <p:sp>
+        <p:nvSpPr>
+          <p:cNvPr id="5" name="日期版面配置區 4"/>
+          <p:cNvSpPr>
+            <a:spLocks noGrp="1"/>
+          </p:cNvSpPr>
+          <p:nvPr>
+            <p:ph type="dt" sz="half" idx="10"/>
+          </p:nvPr>
+        </p:nvSpPr>
+        <p:spPr/>
+        <p:txBody>
+          <a:bodyPr/>
+          <a:lstStyle/>
+          <a:p>
+            <a:fld id="{A4F910E6-8D00-4BAF-8C48-9688E0B449D3}" type="datetime1">
+              <a:rPr lang="zh-TW" altLang="en-US" smtClean="0"/>
+              <a:pPr/>
+              <a:t>2021/12/13</a:t>
+            </a:fld>
+            <a:endParaRPr lang="zh-TW" altLang="en-US"/>
+          </a:p>
+        </p:txBody>
+      </p:sp>
+      <p:sp>
+        <p:nvSpPr>
+          <p:cNvPr id="6" name="投影片編號版面配置區 5"/>
+          <p:cNvSpPr>
+            <a:spLocks noGrp="1"/>
+          </p:cNvSpPr>
+          <p:nvPr>
+            <p:ph type="sldNum" sz="quarter" idx="12"/>
+          </p:nvPr>
+        </p:nvSpPr>
+        <p:spPr/>
+        <p:txBody>
+          <a:bodyPr/>
+          <a:lstStyle/>
+          <a:p>
+            <a:fld id="{E4D7E63D-91F2-4366-A2C4-1B00C9E2590E}" type="slidenum">
+              <a:rPr lang="zh-TW" altLang="en-US" smtClean="0"/>
+              <a:pPr/>
+              <a:t>38</a:t>
+            </a:fld>
+            <a:endParaRPr lang="zh-TW" altLang="en-US"/>
+          </a:p>
+        </p:txBody>
+      </p:sp>
+      <p:pic>
+        <p:nvPicPr>
+          <p:cNvPr id="8" name="Picture 7">
+            <a:extLst>
+              <a:ext uri="{FF2B5EF4-FFF2-40B4-BE49-F238E27FC236}">
+                <a16:creationId xmlns:a16="http://schemas.microsoft.com/office/drawing/2014/main" id="{CF59A230-F176-4073-8E89-27E6E248A1A8}"/>
+              </a:ext>
+            </a:extLst>
+          </p:cNvPr>
+          <p:cNvPicPr>
+            <a:picLocks noChangeAspect="1"/>
+          </p:cNvPicPr>
+          <p:nvPr/>
+        </p:nvPicPr>
+        <p:blipFill>
+          <a:blip r:embed="rId2"/>
+          <a:stretch>
+            <a:fillRect/>
+          </a:stretch>
+        </p:blipFill>
+        <p:spPr>
+          <a:xfrm>
+            <a:off x="1115616" y="3067050"/>
+            <a:ext cx="4543425" cy="723900"/>
+          </a:xfrm>
+          <a:prstGeom prst="rect">
+            <a:avLst/>
+          </a:prstGeom>
+          <a:ln>
+            <a:solidFill>
+              <a:srgbClr val="C00000"/>
+            </a:solidFill>
+          </a:ln>
+        </p:spPr>
+      </p:pic>
+    </p:spTree>
+    <p:extLst>
+      <p:ext uri="{BB962C8B-B14F-4D97-AF65-F5344CB8AC3E}">
+        <p14:creationId xmlns:p14="http://schemas.microsoft.com/office/powerpoint/2010/main" val="3289247398"/>
+      </p:ext>
+    </p:extLst>
+  </p:cSld>
+  <p:clrMapOvr>
+    <a:masterClrMapping/>
+  </p:clrMapOvr>
+</p:sld>
+</file>
+
+<file path=ppt/slides/slide39.xml><?xml version="1.0" encoding="utf-8"?>
+<p:sld xmlns:a="http://schemas.openxmlformats.org/drawingml/2006/main" xmlns:r="http://schemas.openxmlformats.org/officeDocument/2006/relationships" xmlns:p="http://schemas.openxmlformats.org/presentationml/2006/main">
+  <p:cSld>
+    <p:spTree>
+      <p:nvGrpSpPr>
+        <p:cNvPr id="1" name=""/>
+        <p:cNvGrpSpPr/>
+        <p:nvPr/>
+      </p:nvGrpSpPr>
+      <p:grpSpPr>
+        <a:xfrm>
+          <a:off x="0" y="0"/>
+          <a:ext cx="0" cy="0"/>
+          <a:chOff x="0" y="0"/>
+          <a:chExt cx="0" cy="0"/>
+        </a:xfrm>
+      </p:grpSpPr>
+      <p:sp>
+        <p:nvSpPr>
+          <p:cNvPr id="2" name="標題 1"/>
+          <p:cNvSpPr>
+            <a:spLocks noGrp="1"/>
+          </p:cNvSpPr>
+          <p:nvPr>
+            <p:ph type="ctrTitle"/>
+          </p:nvPr>
+        </p:nvSpPr>
+        <p:spPr>
+          <a:xfrm>
+            <a:off x="0" y="2130425"/>
+            <a:ext cx="9144000" cy="1470025"/>
+          </a:xfrm>
+          <a:gradFill flip="none" rotWithShape="1">
+            <a:gsLst>
+              <a:gs pos="0">
+                <a:srgbClr val="00B0F0">
+                  <a:shade val="30000"/>
+                  <a:satMod val="115000"/>
+                </a:srgbClr>
+              </a:gs>
+              <a:gs pos="50000">
+                <a:srgbClr val="00B0F0">
+                  <a:shade val="67500"/>
+                  <a:satMod val="115000"/>
+                </a:srgbClr>
+              </a:gs>
+              <a:gs pos="100000">
+                <a:srgbClr val="00B0F0">
+                  <a:shade val="100000"/>
+                  <a:satMod val="115000"/>
+                </a:srgbClr>
+              </a:gs>
+            </a:gsLst>
+            <a:path path="circle">
+              <a:fillToRect t="100000" r="100000"/>
+            </a:path>
+            <a:tileRect l="-100000" b="-100000"/>
+          </a:gradFill>
+        </p:spPr>
+        <p:txBody>
+          <a:bodyPr>
+            <a:normAutofit/>
+          </a:bodyPr>
+          <a:lstStyle/>
+          <a:p>
+            <a:r>
+              <a:rPr lang="en-US" altLang="zh-TW" sz="6000" b="1" dirty="0">
+                <a:solidFill>
+                  <a:srgbClr val="FFFF00"/>
+                </a:solidFill>
+              </a:rPr>
+              <a:t>End</a:t>
+            </a:r>
+            <a:endParaRPr lang="zh-TW" altLang="en-US" sz="6000" b="1" dirty="0">
+              <a:solidFill>
+                <a:srgbClr val="FFFF00"/>
+              </a:solidFill>
+            </a:endParaRPr>
+          </a:p>
+        </p:txBody>
+      </p:sp>
+      <p:sp>
+        <p:nvSpPr>
+          <p:cNvPr id="5" name="日期版面配置區 4"/>
+          <p:cNvSpPr>
+            <a:spLocks noGrp="1"/>
+          </p:cNvSpPr>
+          <p:nvPr>
+            <p:ph type="dt" sz="half" idx="10"/>
+          </p:nvPr>
+        </p:nvSpPr>
+        <p:spPr/>
+        <p:txBody>
+          <a:bodyPr/>
+          <a:lstStyle/>
+          <a:p>
+            <a:fld id="{4E46BE27-E923-4EC2-B046-3272AE2A3E5C}" type="datetime1">
+              <a:rPr lang="zh-TW" altLang="en-US" smtClean="0"/>
+              <a:pPr/>
+              <a:t>2021/12/13</a:t>
+            </a:fld>
+            <a:endParaRPr lang="zh-TW" altLang="en-US"/>
+          </a:p>
+        </p:txBody>
+      </p:sp>
+      <p:sp>
+        <p:nvSpPr>
+          <p:cNvPr id="6" name="投影片編號版面配置區 5"/>
+          <p:cNvSpPr>
+            <a:spLocks noGrp="1"/>
+          </p:cNvSpPr>
+          <p:nvPr>
+            <p:ph type="sldNum" sz="quarter" idx="12"/>
+          </p:nvPr>
+        </p:nvSpPr>
+        <p:spPr/>
+        <p:txBody>
+          <a:bodyPr/>
+          <a:lstStyle/>
+          <a:p>
+            <a:fld id="{E4D7E63D-91F2-4366-A2C4-1B00C9E2590E}" type="slidenum">
+              <a:rPr lang="zh-TW" altLang="en-US" smtClean="0"/>
+              <a:pPr/>
+              <a:t>39</a:t>
+            </a:fld>
+            <a:endParaRPr lang="zh-TW" altLang="en-US"/>
+          </a:p>
+        </p:txBody>
+      </p:sp>
+    </p:spTree>
+  </p:cSld>
+  <p:clrMapOvr>
+    <a:masterClrMapping/>
+  </p:clrMapOvr>
+</p:sld>
+</file>
+
 <file path=ppt/slides/slide4.xml><?xml version="1.0" encoding="utf-8"?>
 <p:sld xmlns:a="http://schemas.openxmlformats.org/drawingml/2006/main" xmlns:r="http://schemas.openxmlformats.org/officeDocument/2006/relationships" xmlns:p="http://schemas.openxmlformats.org/presentationml/2006/main">
   <p:cSld>
@@ -12518,7 +16923,7 @@
             </a:pPr>
             <a:r>
               <a:rPr lang="en-US" sz="1600" dirty="0"/>
-              <a:t>https://www.youtube.com/watch?v=bU2NNFJ-UXA&amp;list=PLhW3qG5bs-L99pQsZ74f-LC-tOEsBp2rK&amp;index=15</a:t>
+              <a:t>https://www.youtube.com/watch?v=Tm0Q5zr3FL4</a:t>
             </a:r>
             <a:endParaRPr kumimoji="0" lang="zh-TW" altLang="en-US" sz="1600" b="0" i="0" u="none" strike="noStrike" kern="1200" cap="none" spc="0" normalizeH="0" baseline="0" noProof="0" dirty="0">
               <a:ln>
@@ -12555,7 +16960,7 @@
             <a:fld id="{A4F910E6-8D00-4BAF-8C48-9688E0B449D3}" type="datetime1">
               <a:rPr lang="zh-TW" altLang="en-US" smtClean="0"/>
               <a:pPr/>
-              <a:t>2021/6/18</a:t>
+              <a:t>2021/12/13</a:t>
             </a:fld>
             <a:endParaRPr lang="zh-TW" altLang="en-US"/>
           </a:p>
@@ -13166,7 +17571,7 @@
             </a:pPr>
             <a:r>
               <a:rPr lang="en-US" sz="1600" dirty="0"/>
-              <a:t>https://www.youtube.com/watch?v=bU2NNFJ-UXA&amp;list=PLhW3qG5bs-L99pQsZ74f-LC-tOEsBp2rK&amp;index=15</a:t>
+              <a:t>https://www.youtube.com/watch?v=Tm0Q5zr3FL4</a:t>
             </a:r>
             <a:endParaRPr kumimoji="0" lang="zh-TW" altLang="en-US" sz="1600" b="0" i="0" u="none" strike="noStrike" kern="1200" cap="none" spc="0" normalizeH="0" baseline="0" noProof="0" dirty="0">
               <a:ln>
@@ -13203,7 +17608,7 @@
             <a:fld id="{A4F910E6-8D00-4BAF-8C48-9688E0B449D3}" type="datetime1">
               <a:rPr lang="zh-TW" altLang="en-US" smtClean="0"/>
               <a:pPr/>
-              <a:t>2021/6/18</a:t>
+              <a:t>2021/12/13</a:t>
             </a:fld>
             <a:endParaRPr lang="zh-TW" altLang="en-US"/>
           </a:p>
@@ -13503,7 +17908,7 @@
             </a:pPr>
             <a:r>
               <a:rPr lang="en-US" sz="1600" dirty="0"/>
-              <a:t>https://www.youtube.com/watch?v=bU2NNFJ-UXA&amp;list=PLhW3qG5bs-L99pQsZ74f-LC-tOEsBp2rK&amp;index=15</a:t>
+              <a:t>https://www.youtube.com/watch?v=Tm0Q5zr3FL4</a:t>
             </a:r>
             <a:endParaRPr kumimoji="0" lang="zh-TW" altLang="en-US" sz="1600" b="0" i="0" u="none" strike="noStrike" kern="1200" cap="none" spc="0" normalizeH="0" baseline="0" noProof="0" dirty="0">
               <a:ln>
@@ -13540,7 +17945,7 @@
             <a:fld id="{A4F910E6-8D00-4BAF-8C48-9688E0B449D3}" type="datetime1">
               <a:rPr lang="zh-TW" altLang="en-US" smtClean="0"/>
               <a:pPr/>
-              <a:t>2021/6/18</a:t>
+              <a:t>2021/12/13</a:t>
             </a:fld>
             <a:endParaRPr lang="zh-TW" altLang="en-US"/>
           </a:p>
@@ -13972,7 +18377,7 @@
             </a:pPr>
             <a:r>
               <a:rPr lang="en-US" sz="1600" dirty="0"/>
-              <a:t>https://www.youtube.com/watch?v=bU2NNFJ-UXA&amp;list=PLhW3qG5bs-L99pQsZ74f-LC-tOEsBp2rK&amp;index=15</a:t>
+              <a:t>https://www.youtube.com/watch?v=Tm0Q5zr3FL4</a:t>
             </a:r>
             <a:endParaRPr kumimoji="0" lang="zh-TW" altLang="en-US" sz="1600" b="0" i="0" u="none" strike="noStrike" kern="1200" cap="none" spc="0" normalizeH="0" baseline="0" noProof="0" dirty="0">
               <a:ln>
@@ -14009,7 +18414,7 @@
             <a:fld id="{A4F910E6-8D00-4BAF-8C48-9688E0B449D3}" type="datetime1">
               <a:rPr lang="zh-TW" altLang="en-US" smtClean="0"/>
               <a:pPr/>
-              <a:t>2021/6/18</a:t>
+              <a:t>2021/12/13</a:t>
             </a:fld>
             <a:endParaRPr lang="zh-TW" altLang="en-US"/>
           </a:p>
@@ -14585,7 +18990,7 @@
             </a:pPr>
             <a:r>
               <a:rPr lang="en-US" sz="1600" dirty="0"/>
-              <a:t>https://www.youtube.com/watch?v=bU2NNFJ-UXA&amp;list=PLhW3qG5bs-L99pQsZ74f-LC-tOEsBp2rK&amp;index=15</a:t>
+              <a:t>https://www.youtube.com/watch?v=Tm0Q5zr3FL4</a:t>
             </a:r>
             <a:endParaRPr kumimoji="0" lang="zh-TW" altLang="en-US" sz="1600" b="0" i="0" u="none" strike="noStrike" kern="1200" cap="none" spc="0" normalizeH="0" baseline="0" noProof="0" dirty="0">
               <a:ln>
@@ -14622,7 +19027,7 @@
             <a:fld id="{A4F910E6-8D00-4BAF-8C48-9688E0B449D3}" type="datetime1">
               <a:rPr lang="zh-TW" altLang="en-US" smtClean="0"/>
               <a:pPr/>
-              <a:t>2021/6/18</a:t>
+              <a:t>2021/12/13</a:t>
             </a:fld>
             <a:endParaRPr lang="zh-TW" altLang="en-US"/>
           </a:p>
@@ -15073,7 +19478,7 @@
             </a:pPr>
             <a:r>
               <a:rPr lang="en-US" sz="1600" dirty="0"/>
-              <a:t>https://www.youtube.com/watch?v=bU2NNFJ-UXA&amp;list=PLhW3qG5bs-L99pQsZ74f-LC-tOEsBp2rK&amp;index=15</a:t>
+              <a:t>https://www.youtube.com/watch?v=Tm0Q5zr3FL4</a:t>
             </a:r>
             <a:endParaRPr kumimoji="0" lang="zh-TW" altLang="en-US" sz="1600" b="0" i="0" u="none" strike="noStrike" kern="1200" cap="none" spc="0" normalizeH="0" baseline="0" noProof="0" dirty="0">
               <a:ln>
@@ -15110,7 +19515,7 @@
             <a:fld id="{A4F910E6-8D00-4BAF-8C48-9688E0B449D3}" type="datetime1">
               <a:rPr lang="zh-TW" altLang="en-US" smtClean="0"/>
               <a:pPr/>
-              <a:t>2021/6/18</a:t>
+              <a:t>2021/12/13</a:t>
             </a:fld>
             <a:endParaRPr lang="zh-TW" altLang="en-US"/>
           </a:p>
